--- a/trunk/Xu li anh/XLA_36_Biometric_Slide.pptx
+++ b/trunk/Xu li anh/XLA_36_Biometric_Slide.pptx
@@ -22,16 +22,18 @@
     <p:sldId id="284" r:id="rId16"/>
     <p:sldId id="285" r:id="rId17"/>
     <p:sldId id="280" r:id="rId18"/>
-    <p:sldId id="272" r:id="rId19"/>
-    <p:sldId id="273" r:id="rId20"/>
-    <p:sldId id="274" r:id="rId21"/>
-    <p:sldId id="277" r:id="rId22"/>
-    <p:sldId id="275" r:id="rId23"/>
-    <p:sldId id="276" r:id="rId24"/>
-    <p:sldId id="286" r:id="rId25"/>
-    <p:sldId id="278" r:id="rId26"/>
-    <p:sldId id="279" r:id="rId27"/>
-    <p:sldId id="287" r:id="rId28"/>
+    <p:sldId id="292" r:id="rId19"/>
+    <p:sldId id="293" r:id="rId20"/>
+    <p:sldId id="294" r:id="rId21"/>
+    <p:sldId id="295" r:id="rId22"/>
+    <p:sldId id="296" r:id="rId23"/>
+    <p:sldId id="297" r:id="rId24"/>
+    <p:sldId id="298" r:id="rId25"/>
+    <p:sldId id="299" r:id="rId26"/>
+    <p:sldId id="300" r:id="rId27"/>
+    <p:sldId id="301" r:id="rId28"/>
+    <p:sldId id="302" r:id="rId29"/>
+    <p:sldId id="287" r:id="rId30"/>
   </p:sldIdLst>
   <p:sldSz cx="9144000" cy="6858000" type="screen4x3"/>
   <p:notesSz cx="6858000" cy="9144000"/>
@@ -307,7 +309,7 @@
             <a:fld id="{0CC29FD1-EF05-4716-B156-EC8137BE61DA}" type="datetimeFigureOut">
               <a:rPr lang="vi-VN" smtClean="0"/>
               <a:pPr/>
-              <a:t>11/05/2011</a:t>
+              <a:t>16/05/2011</a:t>
             </a:fld>
             <a:endParaRPr lang="vi-VN"/>
           </a:p>
@@ -474,7 +476,7 @@
             <a:fld id="{0CC29FD1-EF05-4716-B156-EC8137BE61DA}" type="datetimeFigureOut">
               <a:rPr lang="vi-VN" smtClean="0"/>
               <a:pPr/>
-              <a:t>11/05/2011</a:t>
+              <a:t>16/05/2011</a:t>
             </a:fld>
             <a:endParaRPr lang="vi-VN"/>
           </a:p>
@@ -651,7 +653,7 @@
             <a:fld id="{0CC29FD1-EF05-4716-B156-EC8137BE61DA}" type="datetimeFigureOut">
               <a:rPr lang="vi-VN" smtClean="0"/>
               <a:pPr/>
-              <a:t>11/05/2011</a:t>
+              <a:t>16/05/2011</a:t>
             </a:fld>
             <a:endParaRPr lang="vi-VN"/>
           </a:p>
@@ -818,7 +820,7 @@
             <a:fld id="{0CC29FD1-EF05-4716-B156-EC8137BE61DA}" type="datetimeFigureOut">
               <a:rPr lang="vi-VN" smtClean="0"/>
               <a:pPr/>
-              <a:t>11/05/2011</a:t>
+              <a:t>16/05/2011</a:t>
             </a:fld>
             <a:endParaRPr lang="vi-VN"/>
           </a:p>
@@ -1062,7 +1064,7 @@
             <a:fld id="{0CC29FD1-EF05-4716-B156-EC8137BE61DA}" type="datetimeFigureOut">
               <a:rPr lang="vi-VN" smtClean="0"/>
               <a:pPr/>
-              <a:t>11/05/2011</a:t>
+              <a:t>16/05/2011</a:t>
             </a:fld>
             <a:endParaRPr lang="vi-VN"/>
           </a:p>
@@ -1328,7 +1330,7 @@
             <a:fld id="{0CC29FD1-EF05-4716-B156-EC8137BE61DA}" type="datetimeFigureOut">
               <a:rPr lang="vi-VN" smtClean="0"/>
               <a:pPr/>
-              <a:t>11/05/2011</a:t>
+              <a:t>16/05/2011</a:t>
             </a:fld>
             <a:endParaRPr lang="vi-VN"/>
           </a:p>
@@ -1708,7 +1710,7 @@
             <a:fld id="{0CC29FD1-EF05-4716-B156-EC8137BE61DA}" type="datetimeFigureOut">
               <a:rPr lang="vi-VN" smtClean="0"/>
               <a:pPr/>
-              <a:t>11/05/2011</a:t>
+              <a:t>16/05/2011</a:t>
             </a:fld>
             <a:endParaRPr lang="vi-VN"/>
           </a:p>
@@ -1860,7 +1862,7 @@
             <a:fld id="{0CC29FD1-EF05-4716-B156-EC8137BE61DA}" type="datetimeFigureOut">
               <a:rPr lang="vi-VN" smtClean="0"/>
               <a:pPr/>
-              <a:t>11/05/2011</a:t>
+              <a:t>16/05/2011</a:t>
             </a:fld>
             <a:endParaRPr lang="vi-VN"/>
           </a:p>
@@ -1952,7 +1954,7 @@
             <a:fld id="{0CC29FD1-EF05-4716-B156-EC8137BE61DA}" type="datetimeFigureOut">
               <a:rPr lang="vi-VN" smtClean="0"/>
               <a:pPr/>
-              <a:t>11/05/2011</a:t>
+              <a:t>16/05/2011</a:t>
             </a:fld>
             <a:endParaRPr lang="vi-VN"/>
           </a:p>
@@ -2215,7 +2217,7 @@
             <a:fld id="{0CC29FD1-EF05-4716-B156-EC8137BE61DA}" type="datetimeFigureOut">
               <a:rPr lang="vi-VN" smtClean="0"/>
               <a:pPr/>
-              <a:t>11/05/2011</a:t>
+              <a:t>16/05/2011</a:t>
             </a:fld>
             <a:endParaRPr lang="vi-VN"/>
           </a:p>
@@ -2505,7 +2507,7 @@
             <a:fld id="{0CC29FD1-EF05-4716-B156-EC8137BE61DA}" type="datetimeFigureOut">
               <a:rPr lang="vi-VN" smtClean="0"/>
               <a:pPr/>
-              <a:t>11/05/2011</a:t>
+              <a:t>16/05/2011</a:t>
             </a:fld>
             <a:endParaRPr lang="vi-VN"/>
           </a:p>
@@ -3278,7 +3280,7 @@
             <a:fld id="{0CC29FD1-EF05-4716-B156-EC8137BE61DA}" type="datetimeFigureOut">
               <a:rPr lang="vi-VN" smtClean="0"/>
               <a:pPr/>
-              <a:t>11/05/2011</a:t>
+              <a:t>16/05/2011</a:t>
             </a:fld>
             <a:endParaRPr lang="vi-VN"/>
           </a:p>
@@ -4442,29 +4444,8 @@
             </a:pPr>
             <a:r>
               <a:rPr lang="en-US" smtClean="0"/>
-              <a:t>Xác </a:t>
-            </a:r>
-            <a:r>
-              <a:rPr lang="en-US" smtClean="0"/>
-              <a:t>định và trích chọn các đặc trưng </a:t>
-            </a:r>
-            <a:r>
-              <a:rPr lang="en-US" smtClean="0"/>
-              <a:t>sinh </a:t>
-            </a:r>
-            <a:r>
-              <a:rPr lang="en-US" smtClean="0"/>
-              <a:t>trắc theo cấu trúc </a:t>
-            </a:r>
-            <a:r>
-              <a:rPr lang="en-US" smtClean="0"/>
-              <a:t>của khuôn mặt, xây dựng thành các mẫu khuôn mặt, từ đó so sánh các mẫu này với tập các mẫu trong cơ sở dữ liệu và đưa ra kết luận</a:t>
-            </a:r>
-            <a:r>
-              <a:rPr lang="en-US" smtClean="0"/>
-              <a:t>. </a:t>
-            </a:r>
-            <a:endParaRPr lang="en-US" smtClean="0"/>
+              <a:t>Xác định và trích chọn các đặc trưng sinh trắc theo cấu trúc của khuôn mặt, xây dựng thành các mẫu khuôn mặt, từ đó so sánh các mẫu này với tập các mẫu trong cơ sở dữ liệu và đưa ra kết luận. </a:t>
+            </a:r>
           </a:p>
           <a:p>
             <a:pPr marL="274320" lvl="1" indent="-274320">
@@ -4475,19 +4456,7 @@
             </a:pPr>
             <a:r>
               <a:rPr lang="en-US" smtClean="0"/>
-              <a:t>Một số đặc điểm cần trích chọn: </a:t>
-            </a:r>
-            <a:r>
-              <a:rPr lang="en-US" smtClean="0"/>
-              <a:t>khoảng cách giữa hai mắt, độ rộng của trán, của mũi, của miệng, cạnh hàm, đường viền phía trên hốc mắt, độ rộng lông mày, khu vực giữa mũi và mắt, khu vực xung quanh xương gò má, đường viên khuôn </a:t>
-            </a:r>
-            <a:r>
-              <a:rPr lang="en-US" smtClean="0"/>
-              <a:t>mặt</a:t>
-            </a:r>
-            <a:r>
-              <a:rPr lang="en-US" smtClean="0"/>
-              <a:t>...</a:t>
+              <a:t>Một số đặc điểm cần trích chọn: khoảng cách giữa hai mắt, độ rộng của trán, của mũi, của miệng, cạnh hàm, đường viền phía trên hốc mắt, độ rộng lông mày, khu vực giữa mũi và mắt, khu vực xung quanh xương gò má, đường viên khuôn mặt...</a:t>
             </a:r>
           </a:p>
           <a:p>
@@ -4511,15 +4480,7 @@
             </a:pPr>
             <a:r>
               <a:rPr lang="en-US" smtClean="0"/>
-              <a:t>Mô hình mạng Neural </a:t>
-            </a:r>
-            <a:r>
-              <a:rPr lang="en-US" smtClean="0"/>
-              <a:t>của </a:t>
-            </a:r>
-            <a:r>
-              <a:rPr lang="en-US" smtClean="0"/>
-              <a:t>H.Rowley</a:t>
+              <a:t>Mô hình mạng Neural của H.Rowley</a:t>
             </a:r>
           </a:p>
           <a:p>
@@ -4531,17 +4492,8 @@
             </a:pPr>
             <a:r>
               <a:rPr lang="en-US" smtClean="0"/>
-              <a:t>Mô hình AdaBoost của </a:t>
-            </a:r>
-            <a:r>
-              <a:rPr lang="en-US" smtClean="0"/>
-              <a:t>P.Viola và </a:t>
-            </a:r>
-            <a:r>
-              <a:rPr lang="en-US" smtClean="0"/>
-              <a:t>M.Jones </a:t>
-            </a:r>
-            <a:endParaRPr lang="en-US" smtClean="0"/>
+              <a:t>Mô hình AdaBoost của P.Viola và M.Jones </a:t>
+            </a:r>
           </a:p>
           <a:p>
             <a:pPr marL="548640" lvl="2" indent="-274320">
@@ -4642,15 +4594,7 @@
           <a:p>
             <a:r>
               <a:rPr lang="vi-VN" smtClean="0"/>
-              <a:t>Active </a:t>
-            </a:r>
-            <a:r>
-              <a:rPr lang="vi-VN" smtClean="0"/>
-              <a:t>Shape </a:t>
-            </a:r>
-            <a:r>
-              <a:rPr lang="vi-VN" smtClean="0"/>
-              <a:t>Model</a:t>
+              <a:t>Active Shape Model</a:t>
             </a:r>
             <a:endParaRPr lang="vi-VN"/>
           </a:p>
@@ -4686,19 +4630,7 @@
             </a:pPr>
             <a:r>
               <a:rPr lang="vi-VN" smtClean="0"/>
-              <a:t>Dựng </a:t>
-            </a:r>
-            <a:r>
-              <a:rPr lang="vi-VN" smtClean="0"/>
-              <a:t>ra các đường viền khung khuôn mặt, bao gồm đường viền bao quanh khuôn mặt, đường viền bao quanh các bộ phận đặc trưng trên khuôn mặt như mắt, mũi, miệng. Từ đó, với một bức ảnh đầu vào, người ta sẽ đem ra so khớp ảnh khuôn mặt với các mẫu đường viền </a:t>
-            </a:r>
-            <a:r>
-              <a:rPr lang="vi-VN" smtClean="0"/>
-              <a:t>đó</a:t>
-            </a:r>
-            <a:r>
-              <a:rPr lang="vi-VN" smtClean="0"/>
-              <a:t>.</a:t>
+              <a:t>Dựng ra các đường viền khung khuôn mặt, bao gồm đường viền bao quanh khuôn mặt, đường viền bao quanh các bộ phận đặc trưng trên khuôn mặt như mắt, mũi, miệng. Từ đó, với một bức ảnh đầu vào, người ta sẽ đem ra so khớp ảnh khuôn mặt với các mẫu đường viền đó.</a:t>
             </a:r>
           </a:p>
           <a:p>
@@ -4912,15 +4844,7 @@
             </a:pPr>
             <a:r>
               <a:rPr lang="en-US" smtClean="0"/>
-              <a:t>Đây là mô hình cải tiến từ mô hình ASM đã trình bày </a:t>
-            </a:r>
-            <a:r>
-              <a:rPr lang="en-US" smtClean="0"/>
-              <a:t>ở </a:t>
-            </a:r>
-            <a:r>
-              <a:rPr lang="en-US" smtClean="0"/>
-              <a:t>trên</a:t>
+              <a:t>Đây là mô hình cải tiến từ mô hình ASM đã trình bày ở trên</a:t>
             </a:r>
             <a:endParaRPr lang="vi-VN" smtClean="0"/>
           </a:p>
@@ -4933,31 +4857,7 @@
             </a:pPr>
             <a:r>
               <a:rPr lang="en-US" smtClean="0"/>
-              <a:t>Tập </a:t>
-            </a:r>
-            <a:r>
-              <a:rPr lang="en-US" smtClean="0"/>
-              <a:t>trung vào các điểm </a:t>
-            </a:r>
-            <a:r>
-              <a:rPr lang="en-US" smtClean="0"/>
-              <a:t>mốc </a:t>
-            </a:r>
-            <a:r>
-              <a:rPr lang="en-US" smtClean="0"/>
-              <a:t>đánh dấu </a:t>
-            </a:r>
-            <a:r>
-              <a:rPr lang="en-US" smtClean="0"/>
-              <a:t>cấu trúc các thành phần của ảnh </a:t>
-            </a:r>
-            <a:r>
-              <a:rPr lang="en-US" smtClean="0"/>
-              <a:t>khuôn </a:t>
-            </a:r>
-            <a:r>
-              <a:rPr lang="en-US" smtClean="0"/>
-              <a:t>mặt.</a:t>
+              <a:t>Tập trung vào các điểm mốc đánh dấu cấu trúc các thành phần của ảnh khuôn mặt.</a:t>
             </a:r>
           </a:p>
           <a:p>
@@ -4982,11 +4882,7 @@
             </a:pPr>
             <a:r>
               <a:rPr lang="vi-VN" smtClean="0"/>
-              <a:t>	v </a:t>
-            </a:r>
-            <a:r>
-              <a:rPr lang="vi-VN" smtClean="0"/>
-              <a:t>– các tham số cho đường viền</a:t>
+              <a:t>	v – các tham số cho đường viền</a:t>
             </a:r>
           </a:p>
           <a:p>
@@ -4999,11 +4895,7 @@
             </a:pPr>
             <a:r>
               <a:rPr lang="vi-VN" smtClean="0"/>
-              <a:t>	g </a:t>
-            </a:r>
-            <a:r>
-              <a:rPr lang="vi-VN" smtClean="0"/>
-              <a:t>– các tham số cho cấu trúc</a:t>
+              <a:t>	g – các tham số cho cấu trúc</a:t>
             </a:r>
           </a:p>
           <a:p>
@@ -5016,11 +4908,7 @@
             </a:pPr>
             <a:r>
               <a:rPr lang="vi-VN" smtClean="0"/>
-              <a:t>	Tập </a:t>
-            </a:r>
-            <a:r>
-              <a:rPr lang="vi-VN" smtClean="0"/>
-              <a:t>học PCA bao gồm các vector c = (v, g)</a:t>
+              <a:t>	Tập học PCA bao gồm các vector c = (v, g)</a:t>
             </a:r>
           </a:p>
           <a:p>
@@ -9254,22 +9142,6 @@
             </a:r>
             <a:r>
               <a:rPr lang="en-US" dirty="0" err="1" smtClean="0"/>
-              <a:t>thử</a:t>
-            </a:r>
-            <a:r>
-              <a:rPr lang="en-US" dirty="0" smtClean="0"/>
-              <a:t> </a:t>
-            </a:r>
-            <a:r>
-              <a:rPr lang="en-US" dirty="0" err="1" smtClean="0"/>
-              <a:t>nghiệm</a:t>
-            </a:r>
-            <a:r>
-              <a:rPr lang="en-US" dirty="0" smtClean="0"/>
-              <a:t> </a:t>
-            </a:r>
-            <a:r>
-              <a:rPr lang="en-US" dirty="0" err="1" smtClean="0"/>
               <a:t>dựa</a:t>
             </a:r>
             <a:r>
@@ -9377,16 +9249,9 @@
             <p:ph type="title"/>
           </p:nvPr>
         </p:nvSpPr>
-        <p:spPr>
-          <a:xfrm>
-            <a:off x="357158" y="285728"/>
-            <a:ext cx="8229600" cy="1143000"/>
-          </a:xfrm>
-        </p:spPr>
+        <p:spPr/>
         <p:txBody>
-          <a:bodyPr>
-            <a:normAutofit/>
-          </a:bodyPr>
+          <a:bodyPr/>
           <a:lstStyle/>
           <a:p>
             <a:r>
@@ -9417,736 +9282,44 @@
               <a:rPr lang="en-US" dirty="0" err="1" smtClean="0"/>
               <a:t>hiện</a:t>
             </a:r>
-            <a:endParaRPr lang="vi-VN" dirty="0"/>
+            <a:endParaRPr lang="en-US" dirty="0"/>
           </a:p>
         </p:txBody>
       </p:sp>
-      <p:sp>
-        <p:nvSpPr>
-          <p:cNvPr id="5" name="Content Placeholder 4"/>
-          <p:cNvSpPr>
-            <a:spLocks noGrp="1"/>
-          </p:cNvSpPr>
+      <p:pic>
+        <p:nvPicPr>
+          <p:cNvPr id="4" name="Content Placeholder 3"/>
+          <p:cNvPicPr>
+            <a:picLocks noGrp="1"/>
+          </p:cNvPicPr>
           <p:nvPr>
             <p:ph idx="1"/>
           </p:nvPr>
-        </p:nvSpPr>
-        <p:spPr>
+        </p:nvPicPr>
+        <p:blipFill>
+          <a:blip r:embed="rId2"/>
+          <a:srcRect/>
+          <a:stretch>
+            <a:fillRect/>
+          </a:stretch>
+        </p:blipFill>
+        <p:spPr bwMode="auto">
           <a:xfrm>
-            <a:off x="428596" y="1500174"/>
-            <a:ext cx="8229600" cy="5143536"/>
+            <a:off x="2143108" y="2000240"/>
+            <a:ext cx="5214974" cy="4389437"/>
           </a:xfrm>
+          <a:prstGeom prst="rect">
+            <a:avLst/>
+          </a:prstGeom>
+          <a:noFill/>
+          <a:ln w="9525">
+            <a:noFill/>
+            <a:miter lim="800000"/>
+            <a:headEnd/>
+            <a:tailEnd/>
+          </a:ln>
         </p:spPr>
-        <p:txBody>
-          <a:bodyPr>
-            <a:normAutofit/>
-          </a:bodyPr>
-          <a:lstStyle/>
-          <a:p>
-            <a:pPr lvl="0"/>
-            <a:r>
-              <a:rPr lang="en-US" dirty="0" err="1" smtClean="0"/>
-              <a:t>Khởi</a:t>
-            </a:r>
-            <a:r>
-              <a:rPr lang="en-US" dirty="0" smtClean="0"/>
-              <a:t> </a:t>
-            </a:r>
-            <a:r>
-              <a:rPr lang="en-US" dirty="0" err="1" smtClean="0"/>
-              <a:t>tạo</a:t>
-            </a:r>
-            <a:r>
-              <a:rPr lang="en-US" dirty="0" smtClean="0"/>
-              <a:t> </a:t>
-            </a:r>
-            <a:r>
-              <a:rPr lang="en-US" dirty="0" err="1" smtClean="0"/>
-              <a:t>bao</a:t>
-            </a:r>
-            <a:r>
-              <a:rPr lang="en-US" dirty="0" smtClean="0"/>
-              <a:t> </a:t>
-            </a:r>
-            <a:r>
-              <a:rPr lang="en-US" dirty="0" err="1" smtClean="0"/>
-              <a:t>gồm</a:t>
-            </a:r>
-            <a:r>
-              <a:rPr lang="en-US" dirty="0" smtClean="0"/>
-              <a:t> </a:t>
-            </a:r>
-            <a:r>
-              <a:rPr lang="en-US" dirty="0" err="1" smtClean="0"/>
-              <a:t>các</a:t>
-            </a:r>
-            <a:r>
-              <a:rPr lang="en-US" dirty="0" smtClean="0"/>
-              <a:t> </a:t>
-            </a:r>
-            <a:r>
-              <a:rPr lang="en-US" dirty="0" err="1" smtClean="0"/>
-              <a:t>ảnh</a:t>
-            </a:r>
-            <a:r>
-              <a:rPr lang="en-US" dirty="0" smtClean="0"/>
-              <a:t> </a:t>
-            </a:r>
-            <a:r>
-              <a:rPr lang="en-US" dirty="0" err="1" smtClean="0"/>
-              <a:t>khuôn</a:t>
-            </a:r>
-            <a:r>
-              <a:rPr lang="en-US" dirty="0" smtClean="0"/>
-              <a:t> </a:t>
-            </a:r>
-            <a:r>
-              <a:rPr lang="en-US" dirty="0" err="1" smtClean="0"/>
-              <a:t>mặt</a:t>
-            </a:r>
-            <a:r>
-              <a:rPr lang="en-US" dirty="0" smtClean="0"/>
-              <a:t>.</a:t>
-            </a:r>
-          </a:p>
-          <a:p>
-            <a:pPr lvl="0"/>
-            <a:r>
-              <a:rPr lang="en-US" dirty="0" err="1" smtClean="0"/>
-              <a:t>Tính</a:t>
-            </a:r>
-            <a:r>
-              <a:rPr lang="en-US" dirty="0" smtClean="0"/>
-              <a:t> </a:t>
-            </a:r>
-            <a:r>
-              <a:rPr lang="en-US" dirty="0" err="1" smtClean="0"/>
-              <a:t>toán</a:t>
-            </a:r>
-            <a:r>
-              <a:rPr lang="en-US" dirty="0" smtClean="0"/>
-              <a:t> </a:t>
-            </a:r>
-            <a:r>
-              <a:rPr lang="en-US" dirty="0" err="1" smtClean="0"/>
-              <a:t>các</a:t>
-            </a:r>
-            <a:r>
-              <a:rPr lang="en-US" dirty="0" smtClean="0"/>
-              <a:t> </a:t>
-            </a:r>
-            <a:r>
-              <a:rPr lang="en-US" dirty="0" err="1" smtClean="0"/>
-              <a:t>khuôn</a:t>
-            </a:r>
-            <a:r>
-              <a:rPr lang="en-US" dirty="0" smtClean="0"/>
-              <a:t> </a:t>
-            </a:r>
-            <a:r>
-              <a:rPr lang="en-US" dirty="0" err="1" smtClean="0"/>
-              <a:t>mặt</a:t>
-            </a:r>
-            <a:r>
-              <a:rPr lang="en-US" dirty="0" smtClean="0"/>
-              <a:t> </a:t>
-            </a:r>
-            <a:r>
-              <a:rPr lang="en-US" dirty="0" err="1" smtClean="0"/>
-              <a:t>riêng</a:t>
-            </a:r>
-            <a:r>
-              <a:rPr lang="en-US" dirty="0" smtClean="0"/>
-              <a:t> </a:t>
-            </a:r>
-            <a:r>
-              <a:rPr lang="en-US" dirty="0" err="1" smtClean="0"/>
-              <a:t>từ</a:t>
-            </a:r>
-            <a:r>
-              <a:rPr lang="en-US" dirty="0" smtClean="0"/>
-              <a:t> </a:t>
-            </a:r>
-            <a:r>
-              <a:rPr lang="en-US" dirty="0" err="1" smtClean="0"/>
-              <a:t>tập</a:t>
-            </a:r>
-            <a:r>
-              <a:rPr lang="en-US" dirty="0" smtClean="0"/>
-              <a:t> </a:t>
-            </a:r>
-            <a:r>
-              <a:rPr lang="en-US" dirty="0" err="1" smtClean="0"/>
-              <a:t>đã</a:t>
-            </a:r>
-            <a:r>
-              <a:rPr lang="en-US" dirty="0" smtClean="0"/>
-              <a:t> </a:t>
-            </a:r>
-            <a:r>
-              <a:rPr lang="en-US" dirty="0" err="1" smtClean="0"/>
-              <a:t>có</a:t>
-            </a:r>
-            <a:r>
-              <a:rPr lang="en-US" dirty="0" smtClean="0"/>
-              <a:t>, </a:t>
-            </a:r>
-            <a:r>
-              <a:rPr lang="en-US" dirty="0" err="1" smtClean="0"/>
-              <a:t>từ</a:t>
-            </a:r>
-            <a:r>
-              <a:rPr lang="en-US" dirty="0" smtClean="0"/>
-              <a:t> </a:t>
-            </a:r>
-            <a:r>
-              <a:rPr lang="en-US" dirty="0" err="1" smtClean="0"/>
-              <a:t>đó</a:t>
-            </a:r>
-            <a:r>
-              <a:rPr lang="en-US" dirty="0" smtClean="0"/>
-              <a:t> </a:t>
-            </a:r>
-            <a:r>
-              <a:rPr lang="en-US" dirty="0" err="1" smtClean="0"/>
-              <a:t>xác</a:t>
-            </a:r>
-            <a:r>
-              <a:rPr lang="en-US" dirty="0" smtClean="0"/>
-              <a:t> </a:t>
-            </a:r>
-            <a:r>
-              <a:rPr lang="en-US" dirty="0" err="1" smtClean="0"/>
-              <a:t>định</a:t>
-            </a:r>
-            <a:r>
-              <a:rPr lang="en-US" dirty="0" smtClean="0"/>
-              <a:t> </a:t>
-            </a:r>
-            <a:r>
-              <a:rPr lang="en-US" dirty="0" err="1" smtClean="0"/>
-              <a:t>không</a:t>
-            </a:r>
-            <a:r>
-              <a:rPr lang="en-US" dirty="0" smtClean="0"/>
-              <a:t> </a:t>
-            </a:r>
-            <a:r>
-              <a:rPr lang="en-US" dirty="0" err="1" smtClean="0"/>
-              <a:t>gian</a:t>
-            </a:r>
-            <a:r>
-              <a:rPr lang="en-US" dirty="0" smtClean="0"/>
-              <a:t> </a:t>
-            </a:r>
-            <a:r>
-              <a:rPr lang="en-US" dirty="0" err="1" smtClean="0"/>
-              <a:t>mặt</a:t>
-            </a:r>
-            <a:r>
-              <a:rPr lang="en-US" dirty="0" smtClean="0"/>
-              <a:t> – face space.</a:t>
-            </a:r>
-          </a:p>
-          <a:p>
-            <a:pPr lvl="0"/>
-            <a:r>
-              <a:rPr lang="en-US" dirty="0" err="1" smtClean="0"/>
-              <a:t>Tính</a:t>
-            </a:r>
-            <a:r>
-              <a:rPr lang="en-US" dirty="0" smtClean="0"/>
-              <a:t> </a:t>
-            </a:r>
-            <a:r>
-              <a:rPr lang="en-US" dirty="0" err="1" smtClean="0"/>
-              <a:t>toán</a:t>
-            </a:r>
-            <a:r>
-              <a:rPr lang="en-US" dirty="0" smtClean="0"/>
-              <a:t> </a:t>
-            </a:r>
-            <a:r>
-              <a:rPr lang="en-US" dirty="0" err="1" smtClean="0"/>
-              <a:t>trọng</a:t>
-            </a:r>
-            <a:r>
-              <a:rPr lang="en-US" dirty="0" smtClean="0"/>
-              <a:t> </a:t>
-            </a:r>
-            <a:r>
-              <a:rPr lang="en-US" dirty="0" err="1" smtClean="0"/>
-              <a:t>số</a:t>
-            </a:r>
-            <a:r>
-              <a:rPr lang="en-US" dirty="0" smtClean="0"/>
-              <a:t> </a:t>
-            </a:r>
-            <a:r>
-              <a:rPr lang="en-US" dirty="0" err="1" smtClean="0"/>
-              <a:t>không</a:t>
-            </a:r>
-            <a:r>
-              <a:rPr lang="en-US" dirty="0" smtClean="0"/>
-              <a:t> </a:t>
-            </a:r>
-            <a:r>
-              <a:rPr lang="en-US" dirty="0" err="1" smtClean="0"/>
-              <a:t>gian</a:t>
-            </a:r>
-            <a:r>
-              <a:rPr lang="en-US" dirty="0" smtClean="0"/>
-              <a:t> </a:t>
-            </a:r>
-            <a:r>
-              <a:rPr lang="en-US" dirty="0" err="1" smtClean="0"/>
-              <a:t>của</a:t>
-            </a:r>
-            <a:r>
-              <a:rPr lang="en-US" dirty="0" smtClean="0"/>
-              <a:t> </a:t>
-            </a:r>
-            <a:r>
-              <a:rPr lang="en-US" dirty="0" err="1" smtClean="0"/>
-              <a:t>các</a:t>
-            </a:r>
-            <a:r>
-              <a:rPr lang="en-US" dirty="0" smtClean="0"/>
-              <a:t> </a:t>
-            </a:r>
-            <a:r>
-              <a:rPr lang="en-US" dirty="0" err="1" smtClean="0"/>
-              <a:t>nhóm</a:t>
-            </a:r>
-            <a:r>
-              <a:rPr lang="en-US" dirty="0" smtClean="0"/>
-              <a:t> </a:t>
-            </a:r>
-            <a:r>
-              <a:rPr lang="en-US" dirty="0" err="1" smtClean="0"/>
-              <a:t>khuôn</a:t>
-            </a:r>
-            <a:r>
-              <a:rPr lang="en-US" dirty="0" smtClean="0"/>
-              <a:t> </a:t>
-            </a:r>
-            <a:r>
-              <a:rPr lang="en-US" dirty="0" err="1" smtClean="0"/>
-              <a:t>mặt</a:t>
-            </a:r>
-            <a:r>
-              <a:rPr lang="en-US" dirty="0" smtClean="0"/>
-              <a:t> </a:t>
-            </a:r>
-            <a:r>
-              <a:rPr lang="en-US" dirty="0" err="1" smtClean="0"/>
-              <a:t>tương</a:t>
-            </a:r>
-            <a:r>
-              <a:rPr lang="en-US" dirty="0" smtClean="0"/>
-              <a:t> </a:t>
-            </a:r>
-            <a:r>
-              <a:rPr lang="en-US" dirty="0" err="1" smtClean="0"/>
-              <a:t>ứng</a:t>
-            </a:r>
-            <a:r>
-              <a:rPr lang="en-US" dirty="0" smtClean="0"/>
-              <a:t> </a:t>
-            </a:r>
-            <a:r>
-              <a:rPr lang="en-US" dirty="0" err="1" smtClean="0"/>
-              <a:t>trong</a:t>
-            </a:r>
-            <a:r>
-              <a:rPr lang="en-US" dirty="0" smtClean="0"/>
-              <a:t> </a:t>
-            </a:r>
-            <a:r>
-              <a:rPr lang="en-US" dirty="0" err="1" smtClean="0"/>
-              <a:t>cơ</a:t>
-            </a:r>
-            <a:r>
-              <a:rPr lang="en-US" dirty="0" smtClean="0"/>
-              <a:t> </a:t>
-            </a:r>
-            <a:r>
-              <a:rPr lang="en-US" dirty="0" err="1" smtClean="0"/>
-              <a:t>sở</a:t>
-            </a:r>
-            <a:r>
-              <a:rPr lang="en-US" dirty="0" smtClean="0"/>
-              <a:t> </a:t>
-            </a:r>
-            <a:r>
-              <a:rPr lang="en-US" dirty="0" err="1" smtClean="0"/>
-              <a:t>dữ</a:t>
-            </a:r>
-            <a:r>
-              <a:rPr lang="en-US" dirty="0" smtClean="0"/>
-              <a:t> </a:t>
-            </a:r>
-            <a:r>
-              <a:rPr lang="en-US" dirty="0" err="1" smtClean="0"/>
-              <a:t>liệu</a:t>
-            </a:r>
-            <a:r>
-              <a:rPr lang="en-US" dirty="0" smtClean="0"/>
-              <a:t> </a:t>
-            </a:r>
-            <a:r>
-              <a:rPr lang="en-US" dirty="0" err="1" smtClean="0"/>
-              <a:t>bằng</a:t>
-            </a:r>
-            <a:r>
-              <a:rPr lang="en-US" dirty="0" smtClean="0"/>
-              <a:t> </a:t>
-            </a:r>
-            <a:r>
-              <a:rPr lang="en-US" dirty="0" err="1" smtClean="0"/>
-              <a:t>cách</a:t>
-            </a:r>
-            <a:r>
-              <a:rPr lang="en-US" dirty="0" smtClean="0"/>
-              <a:t> </a:t>
-            </a:r>
-            <a:r>
-              <a:rPr lang="en-US" dirty="0" err="1" smtClean="0"/>
-              <a:t>chiếu</a:t>
-            </a:r>
-            <a:r>
-              <a:rPr lang="en-US" dirty="0" smtClean="0"/>
-              <a:t> </a:t>
-            </a:r>
-            <a:r>
-              <a:rPr lang="en-US" dirty="0" err="1" smtClean="0"/>
-              <a:t>lên</a:t>
-            </a:r>
-            <a:r>
-              <a:rPr lang="en-US" dirty="0" smtClean="0"/>
-              <a:t> </a:t>
-            </a:r>
-            <a:r>
-              <a:rPr lang="en-US" dirty="0" err="1" smtClean="0"/>
-              <a:t>không</a:t>
-            </a:r>
-            <a:r>
-              <a:rPr lang="en-US" dirty="0" smtClean="0"/>
-              <a:t> </a:t>
-            </a:r>
-            <a:r>
-              <a:rPr lang="en-US" dirty="0" err="1" smtClean="0"/>
-              <a:t>gian</a:t>
-            </a:r>
-            <a:r>
-              <a:rPr lang="en-US" dirty="0" smtClean="0"/>
-              <a:t> </a:t>
-            </a:r>
-            <a:r>
-              <a:rPr lang="en-US" dirty="0" err="1" smtClean="0"/>
-              <a:t>mặt</a:t>
-            </a:r>
-            <a:r>
-              <a:rPr lang="en-US" dirty="0" smtClean="0"/>
-              <a:t>.</a:t>
-            </a:r>
-          </a:p>
-          <a:p>
-            <a:pPr lvl="0"/>
-            <a:r>
-              <a:rPr lang="en-US" dirty="0" err="1" smtClean="0"/>
-              <a:t>Tính</a:t>
-            </a:r>
-            <a:r>
-              <a:rPr lang="en-US" dirty="0" smtClean="0"/>
-              <a:t> </a:t>
-            </a:r>
-            <a:r>
-              <a:rPr lang="en-US" dirty="0" err="1" smtClean="0"/>
-              <a:t>toán</a:t>
-            </a:r>
-            <a:r>
-              <a:rPr lang="en-US" dirty="0" smtClean="0"/>
-              <a:t> </a:t>
-            </a:r>
-            <a:r>
-              <a:rPr lang="en-US" dirty="0" err="1" smtClean="0"/>
-              <a:t>tập</a:t>
-            </a:r>
-            <a:r>
-              <a:rPr lang="en-US" dirty="0" smtClean="0"/>
-              <a:t> </a:t>
-            </a:r>
-            <a:r>
-              <a:rPr lang="en-US" dirty="0" err="1" smtClean="0"/>
-              <a:t>trong</a:t>
-            </a:r>
-            <a:r>
-              <a:rPr lang="en-US" dirty="0" smtClean="0"/>
-              <a:t> </a:t>
-            </a:r>
-            <a:r>
-              <a:rPr lang="en-US" dirty="0" err="1" smtClean="0"/>
-              <a:t>số</a:t>
-            </a:r>
-            <a:r>
-              <a:rPr lang="en-US" dirty="0" smtClean="0"/>
-              <a:t> </a:t>
-            </a:r>
-            <a:r>
-              <a:rPr lang="en-US" dirty="0" err="1" smtClean="0"/>
-              <a:t>của</a:t>
-            </a:r>
-            <a:r>
-              <a:rPr lang="en-US" dirty="0" smtClean="0"/>
-              <a:t> </a:t>
-            </a:r>
-            <a:r>
-              <a:rPr lang="en-US" dirty="0" err="1" smtClean="0"/>
-              <a:t>khuôn</a:t>
-            </a:r>
-            <a:r>
-              <a:rPr lang="en-US" dirty="0" smtClean="0"/>
-              <a:t> </a:t>
-            </a:r>
-            <a:r>
-              <a:rPr lang="en-US" dirty="0" err="1" smtClean="0"/>
-              <a:t>mặt</a:t>
-            </a:r>
-            <a:r>
-              <a:rPr lang="en-US" dirty="0" smtClean="0"/>
-              <a:t> </a:t>
-            </a:r>
-            <a:r>
-              <a:rPr lang="en-US" dirty="0" err="1" smtClean="0"/>
-              <a:t>cần</a:t>
-            </a:r>
-            <a:r>
-              <a:rPr lang="en-US" dirty="0" smtClean="0"/>
-              <a:t> </a:t>
-            </a:r>
-            <a:r>
-              <a:rPr lang="en-US" dirty="0" err="1" smtClean="0"/>
-              <a:t>nhận</a:t>
-            </a:r>
-            <a:r>
-              <a:rPr lang="en-US" dirty="0" smtClean="0"/>
-              <a:t> </a:t>
-            </a:r>
-            <a:r>
-              <a:rPr lang="en-US" dirty="0" err="1" smtClean="0"/>
-              <a:t>dạng</a:t>
-            </a:r>
-            <a:r>
-              <a:rPr lang="en-US" dirty="0" smtClean="0"/>
-              <a:t> </a:t>
-            </a:r>
-            <a:r>
-              <a:rPr lang="en-US" dirty="0" err="1" smtClean="0"/>
-              <a:t>bằng</a:t>
-            </a:r>
-            <a:r>
-              <a:rPr lang="en-US" dirty="0" smtClean="0"/>
-              <a:t> </a:t>
-            </a:r>
-            <a:r>
-              <a:rPr lang="en-US" dirty="0" err="1" smtClean="0"/>
-              <a:t>cách</a:t>
-            </a:r>
-            <a:r>
-              <a:rPr lang="en-US" dirty="0" smtClean="0"/>
-              <a:t> </a:t>
-            </a:r>
-            <a:r>
-              <a:rPr lang="en-US" dirty="0" err="1" smtClean="0"/>
-              <a:t>chiếu</a:t>
-            </a:r>
-            <a:r>
-              <a:rPr lang="en-US" dirty="0" smtClean="0"/>
-              <a:t> </a:t>
-            </a:r>
-            <a:r>
-              <a:rPr lang="en-US" dirty="0" err="1" smtClean="0"/>
-              <a:t>lên</a:t>
-            </a:r>
-            <a:r>
-              <a:rPr lang="en-US" dirty="0" smtClean="0"/>
-              <a:t> </a:t>
-            </a:r>
-            <a:r>
-              <a:rPr lang="en-US" dirty="0" err="1" smtClean="0"/>
-              <a:t>những</a:t>
-            </a:r>
-            <a:r>
-              <a:rPr lang="en-US" dirty="0" smtClean="0"/>
-              <a:t> </a:t>
-            </a:r>
-            <a:r>
-              <a:rPr lang="en-US" dirty="0" err="1" smtClean="0"/>
-              <a:t>khuôn</a:t>
-            </a:r>
-            <a:r>
-              <a:rPr lang="en-US" dirty="0" smtClean="0"/>
-              <a:t> </a:t>
-            </a:r>
-            <a:r>
-              <a:rPr lang="en-US" dirty="0" err="1" smtClean="0"/>
-              <a:t>mặt</a:t>
-            </a:r>
-            <a:r>
-              <a:rPr lang="en-US" dirty="0" smtClean="0"/>
-              <a:t> </a:t>
-            </a:r>
-            <a:r>
-              <a:rPr lang="en-US" dirty="0" err="1" smtClean="0"/>
-              <a:t>riêng</a:t>
-            </a:r>
-            <a:r>
-              <a:rPr lang="en-US" dirty="0" smtClean="0"/>
-              <a:t> </a:t>
-            </a:r>
-            <a:r>
-              <a:rPr lang="en-US" dirty="0" err="1" smtClean="0"/>
-              <a:t>đã</a:t>
-            </a:r>
-            <a:r>
-              <a:rPr lang="en-US" dirty="0" smtClean="0"/>
-              <a:t> </a:t>
-            </a:r>
-            <a:r>
-              <a:rPr lang="en-US" dirty="0" err="1" smtClean="0"/>
-              <a:t>có</a:t>
-            </a:r>
-            <a:r>
-              <a:rPr lang="en-US" dirty="0" smtClean="0"/>
-              <a:t>.</a:t>
-            </a:r>
-          </a:p>
-          <a:p>
-            <a:pPr lvl="0"/>
-            <a:r>
-              <a:rPr lang="en-US" dirty="0" err="1" smtClean="0"/>
-              <a:t>Dựa</a:t>
-            </a:r>
-            <a:r>
-              <a:rPr lang="en-US" dirty="0" smtClean="0"/>
-              <a:t> </a:t>
-            </a:r>
-            <a:r>
-              <a:rPr lang="en-US" dirty="0" err="1" smtClean="0"/>
-              <a:t>vào</a:t>
-            </a:r>
-            <a:r>
-              <a:rPr lang="en-US" dirty="0" smtClean="0"/>
-              <a:t> </a:t>
-            </a:r>
-            <a:r>
-              <a:rPr lang="en-US" dirty="0" err="1" smtClean="0"/>
-              <a:t>trọng</a:t>
-            </a:r>
-            <a:r>
-              <a:rPr lang="en-US" dirty="0" smtClean="0"/>
-              <a:t> </a:t>
-            </a:r>
-            <a:r>
-              <a:rPr lang="en-US" dirty="0" err="1" smtClean="0"/>
-              <a:t>số</a:t>
-            </a:r>
-            <a:r>
-              <a:rPr lang="en-US" dirty="0" smtClean="0"/>
-              <a:t>, </a:t>
-            </a:r>
-            <a:r>
-              <a:rPr lang="en-US" dirty="0" err="1" smtClean="0"/>
-              <a:t>xác</a:t>
-            </a:r>
-            <a:r>
-              <a:rPr lang="en-US" dirty="0" smtClean="0"/>
-              <a:t> </a:t>
-            </a:r>
-            <a:r>
-              <a:rPr lang="en-US" dirty="0" err="1" smtClean="0"/>
-              <a:t>định</a:t>
-            </a:r>
-            <a:r>
-              <a:rPr lang="en-US" dirty="0" smtClean="0"/>
-              <a:t> </a:t>
-            </a:r>
-            <a:r>
-              <a:rPr lang="en-US" dirty="0" err="1" smtClean="0"/>
-              <a:t>có</a:t>
-            </a:r>
-            <a:r>
-              <a:rPr lang="en-US" dirty="0" smtClean="0"/>
-              <a:t> </a:t>
-            </a:r>
-            <a:r>
-              <a:rPr lang="en-US" dirty="0" err="1" smtClean="0"/>
-              <a:t>thuộc</a:t>
-            </a:r>
-            <a:r>
-              <a:rPr lang="en-US" dirty="0" smtClean="0"/>
-              <a:t> </a:t>
-            </a:r>
-            <a:r>
-              <a:rPr lang="en-US" dirty="0" err="1" smtClean="0"/>
-              <a:t>các</a:t>
-            </a:r>
-            <a:r>
-              <a:rPr lang="en-US" dirty="0" smtClean="0"/>
-              <a:t> </a:t>
-            </a:r>
-            <a:r>
-              <a:rPr lang="en-US" dirty="0" err="1" smtClean="0"/>
-              <a:t>nhóm</a:t>
-            </a:r>
-            <a:r>
-              <a:rPr lang="en-US" dirty="0" smtClean="0"/>
-              <a:t> </a:t>
-            </a:r>
-            <a:r>
-              <a:rPr lang="en-US" dirty="0" err="1" smtClean="0"/>
-              <a:t>khuôn</a:t>
-            </a:r>
-            <a:r>
-              <a:rPr lang="en-US" dirty="0" smtClean="0"/>
-              <a:t> </a:t>
-            </a:r>
-            <a:r>
-              <a:rPr lang="en-US" dirty="0" err="1" smtClean="0"/>
-              <a:t>mặt</a:t>
-            </a:r>
-            <a:r>
-              <a:rPr lang="en-US" dirty="0" smtClean="0"/>
-              <a:t> </a:t>
-            </a:r>
-            <a:r>
-              <a:rPr lang="en-US" dirty="0" err="1" smtClean="0"/>
-              <a:t>đã</a:t>
-            </a:r>
-            <a:r>
-              <a:rPr lang="en-US" dirty="0" smtClean="0"/>
-              <a:t> </a:t>
-            </a:r>
-            <a:r>
-              <a:rPr lang="en-US" dirty="0" err="1" smtClean="0"/>
-              <a:t>biết</a:t>
-            </a:r>
-            <a:r>
-              <a:rPr lang="en-US" dirty="0" smtClean="0"/>
-              <a:t> hay </a:t>
-            </a:r>
-            <a:r>
-              <a:rPr lang="en-US" dirty="0" err="1" smtClean="0"/>
-              <a:t>không</a:t>
-            </a:r>
-            <a:r>
-              <a:rPr lang="en-US" dirty="0" smtClean="0"/>
-              <a:t>.</a:t>
-            </a:r>
-          </a:p>
-        </p:txBody>
-      </p:sp>
+      </p:pic>
     </p:spTree>
   </p:cSld>
   <p:clrMapOvr>
@@ -10590,68 +9763,39 @@
         </p:spPr>
         <p:txBody>
           <a:bodyPr>
-            <a:normAutofit fontScale="90000"/>
+            <a:normAutofit/>
           </a:bodyPr>
           <a:lstStyle/>
           <a:p>
-            <a:pPr lvl="0"/>
-            <a:r>
-              <a:rPr lang="en-US" sz="4400" dirty="0" err="1" smtClean="0"/>
-              <a:t>Tính</a:t>
-            </a:r>
-            <a:r>
-              <a:rPr lang="en-US" sz="4400" dirty="0" smtClean="0"/>
-              <a:t> </a:t>
-            </a:r>
-            <a:r>
-              <a:rPr lang="en-US" sz="4400" dirty="0" err="1" smtClean="0"/>
-              <a:t>toán</a:t>
-            </a:r>
-            <a:r>
-              <a:rPr lang="en-US" sz="4400" dirty="0" smtClean="0"/>
-              <a:t> </a:t>
-            </a:r>
-            <a:r>
-              <a:rPr lang="en-US" sz="4400" dirty="0" err="1" smtClean="0"/>
-              <a:t>các</a:t>
-            </a:r>
-            <a:r>
-              <a:rPr lang="en-US" sz="4400" dirty="0" smtClean="0"/>
-              <a:t> </a:t>
-            </a:r>
-            <a:r>
-              <a:rPr lang="en-US" sz="4400" dirty="0" err="1" smtClean="0"/>
-              <a:t>vectơ</a:t>
-            </a:r>
-            <a:r>
-              <a:rPr lang="en-US" sz="4400" dirty="0" smtClean="0"/>
-              <a:t> </a:t>
-            </a:r>
-            <a:r>
-              <a:rPr lang="en-US" sz="4400" dirty="0" err="1" smtClean="0"/>
-              <a:t>khuôn</a:t>
-            </a:r>
-            <a:r>
-              <a:rPr lang="en-US" sz="4400" dirty="0" smtClean="0"/>
-              <a:t> </a:t>
-            </a:r>
-            <a:r>
-              <a:rPr lang="en-US" sz="4400" dirty="0" err="1" smtClean="0"/>
-              <a:t>mặt</a:t>
-            </a:r>
-            <a:r>
-              <a:rPr lang="en-US" sz="4400" dirty="0" smtClean="0"/>
-              <a:t> </a:t>
-            </a:r>
-            <a:r>
-              <a:rPr lang="en-US" sz="4400" dirty="0" err="1" smtClean="0"/>
-              <a:t>riêng</a:t>
-            </a:r>
-            <a:r>
-              <a:rPr lang="en-US" sz="4400" dirty="0" smtClean="0"/>
-              <a:t>:</a:t>
-            </a:r>
-            <a:endParaRPr lang="en-US" dirty="0"/>
+            <a:r>
+              <a:rPr lang="en-US" dirty="0" err="1" smtClean="0"/>
+              <a:t>Các</a:t>
+            </a:r>
+            <a:r>
+              <a:rPr lang="en-US" dirty="0" smtClean="0"/>
+              <a:t> </a:t>
+            </a:r>
+            <a:r>
+              <a:rPr lang="en-US" dirty="0" err="1" smtClean="0"/>
+              <a:t>bước</a:t>
+            </a:r>
+            <a:r>
+              <a:rPr lang="en-US" dirty="0" smtClean="0"/>
+              <a:t> </a:t>
+            </a:r>
+            <a:r>
+              <a:rPr lang="en-US" dirty="0" err="1" smtClean="0"/>
+              <a:t>thực</a:t>
+            </a:r>
+            <a:r>
+              <a:rPr lang="en-US" dirty="0" smtClean="0"/>
+              <a:t> </a:t>
+            </a:r>
+            <a:r>
+              <a:rPr lang="en-US" dirty="0" err="1" smtClean="0"/>
+              <a:t>hiện</a:t>
+            </a:r>
+            <a:endParaRPr lang="vi-VN" dirty="0"/>
           </a:p>
         </p:txBody>
       </p:sp>
@@ -10679,12 +9823,318 @@
           <a:p>
             <a:pPr lvl="0"/>
             <a:r>
-              <a:rPr lang="en-US" dirty="0" smtClean="0"/>
-              <a:t>Ý </a:t>
-            </a:r>
-            <a:r>
-              <a:rPr lang="en-US" dirty="0" err="1" smtClean="0"/>
-              <a:t>tưởng</a:t>
+              <a:rPr lang="en-US" dirty="0" err="1" smtClean="0"/>
+              <a:t>Khởi</a:t>
+            </a:r>
+            <a:r>
+              <a:rPr lang="en-US" dirty="0" smtClean="0"/>
+              <a:t> </a:t>
+            </a:r>
+            <a:r>
+              <a:rPr lang="en-US" dirty="0" err="1" smtClean="0"/>
+              <a:t>tạo</a:t>
+            </a:r>
+            <a:r>
+              <a:rPr lang="en-US" dirty="0" smtClean="0"/>
+              <a:t> </a:t>
+            </a:r>
+            <a:r>
+              <a:rPr lang="en-US" dirty="0" err="1" smtClean="0"/>
+              <a:t>bao</a:t>
+            </a:r>
+            <a:r>
+              <a:rPr lang="en-US" dirty="0" smtClean="0"/>
+              <a:t> </a:t>
+            </a:r>
+            <a:r>
+              <a:rPr lang="en-US" dirty="0" err="1" smtClean="0"/>
+              <a:t>gồm</a:t>
+            </a:r>
+            <a:r>
+              <a:rPr lang="en-US" dirty="0" smtClean="0"/>
+              <a:t> </a:t>
+            </a:r>
+            <a:r>
+              <a:rPr lang="en-US" dirty="0" err="1" smtClean="0"/>
+              <a:t>các</a:t>
+            </a:r>
+            <a:r>
+              <a:rPr lang="en-US" dirty="0" smtClean="0"/>
+              <a:t> </a:t>
+            </a:r>
+            <a:r>
+              <a:rPr lang="en-US" dirty="0" err="1" smtClean="0"/>
+              <a:t>ảnh</a:t>
+            </a:r>
+            <a:r>
+              <a:rPr lang="en-US" dirty="0" smtClean="0"/>
+              <a:t> </a:t>
+            </a:r>
+            <a:r>
+              <a:rPr lang="en-US" dirty="0" err="1" smtClean="0"/>
+              <a:t>khuôn</a:t>
+            </a:r>
+            <a:r>
+              <a:rPr lang="en-US" dirty="0" smtClean="0"/>
+              <a:t> </a:t>
+            </a:r>
+            <a:r>
+              <a:rPr lang="en-US" dirty="0" err="1" smtClean="0"/>
+              <a:t>mặt</a:t>
+            </a:r>
+            <a:r>
+              <a:rPr lang="en-US" dirty="0" smtClean="0"/>
+              <a:t>.</a:t>
+            </a:r>
+          </a:p>
+          <a:p>
+            <a:pPr lvl="0"/>
+            <a:r>
+              <a:rPr lang="en-US" dirty="0" err="1" smtClean="0"/>
+              <a:t>Tính</a:t>
+            </a:r>
+            <a:r>
+              <a:rPr lang="en-US" dirty="0" smtClean="0"/>
+              <a:t> </a:t>
+            </a:r>
+            <a:r>
+              <a:rPr lang="en-US" dirty="0" err="1" smtClean="0"/>
+              <a:t>toán</a:t>
+            </a:r>
+            <a:r>
+              <a:rPr lang="en-US" dirty="0" smtClean="0"/>
+              <a:t> </a:t>
+            </a:r>
+            <a:r>
+              <a:rPr lang="en-US" dirty="0" err="1" smtClean="0"/>
+              <a:t>các</a:t>
+            </a:r>
+            <a:r>
+              <a:rPr lang="en-US" dirty="0" smtClean="0"/>
+              <a:t> </a:t>
+            </a:r>
+            <a:r>
+              <a:rPr lang="en-US" dirty="0" err="1" smtClean="0"/>
+              <a:t>khuôn</a:t>
+            </a:r>
+            <a:r>
+              <a:rPr lang="en-US" dirty="0" smtClean="0"/>
+              <a:t> </a:t>
+            </a:r>
+            <a:r>
+              <a:rPr lang="en-US" dirty="0" err="1" smtClean="0"/>
+              <a:t>mặt</a:t>
+            </a:r>
+            <a:r>
+              <a:rPr lang="en-US" dirty="0" smtClean="0"/>
+              <a:t> </a:t>
+            </a:r>
+            <a:r>
+              <a:rPr lang="en-US" dirty="0" err="1" smtClean="0"/>
+              <a:t>riêng</a:t>
+            </a:r>
+            <a:r>
+              <a:rPr lang="en-US" dirty="0" smtClean="0"/>
+              <a:t> </a:t>
+            </a:r>
+            <a:r>
+              <a:rPr lang="en-US" dirty="0" err="1" smtClean="0"/>
+              <a:t>từ</a:t>
+            </a:r>
+            <a:r>
+              <a:rPr lang="en-US" dirty="0" smtClean="0"/>
+              <a:t> </a:t>
+            </a:r>
+            <a:r>
+              <a:rPr lang="en-US" dirty="0" err="1" smtClean="0"/>
+              <a:t>tập</a:t>
+            </a:r>
+            <a:r>
+              <a:rPr lang="en-US" dirty="0" smtClean="0"/>
+              <a:t> </a:t>
+            </a:r>
+            <a:r>
+              <a:rPr lang="en-US" dirty="0" err="1" smtClean="0"/>
+              <a:t>đã</a:t>
+            </a:r>
+            <a:r>
+              <a:rPr lang="en-US" dirty="0" smtClean="0"/>
+              <a:t> </a:t>
+            </a:r>
+            <a:r>
+              <a:rPr lang="en-US" dirty="0" err="1" smtClean="0"/>
+              <a:t>có</a:t>
+            </a:r>
+            <a:r>
+              <a:rPr lang="en-US" dirty="0" smtClean="0"/>
+              <a:t>, </a:t>
+            </a:r>
+            <a:r>
+              <a:rPr lang="en-US" dirty="0" err="1" smtClean="0"/>
+              <a:t>từ</a:t>
+            </a:r>
+            <a:r>
+              <a:rPr lang="en-US" dirty="0" smtClean="0"/>
+              <a:t> </a:t>
+            </a:r>
+            <a:r>
+              <a:rPr lang="en-US" dirty="0" err="1" smtClean="0"/>
+              <a:t>đó</a:t>
+            </a:r>
+            <a:r>
+              <a:rPr lang="en-US" dirty="0" smtClean="0"/>
+              <a:t> </a:t>
+            </a:r>
+            <a:r>
+              <a:rPr lang="en-US" dirty="0" err="1" smtClean="0"/>
+              <a:t>xác</a:t>
+            </a:r>
+            <a:r>
+              <a:rPr lang="en-US" dirty="0" smtClean="0"/>
+              <a:t> </a:t>
+            </a:r>
+            <a:r>
+              <a:rPr lang="en-US" dirty="0" err="1" smtClean="0"/>
+              <a:t>định</a:t>
+            </a:r>
+            <a:r>
+              <a:rPr lang="en-US" dirty="0" smtClean="0"/>
+              <a:t> </a:t>
+            </a:r>
+            <a:r>
+              <a:rPr lang="en-US" dirty="0" err="1" smtClean="0"/>
+              <a:t>không</a:t>
+            </a:r>
+            <a:r>
+              <a:rPr lang="en-US" dirty="0" smtClean="0"/>
+              <a:t> </a:t>
+            </a:r>
+            <a:r>
+              <a:rPr lang="en-US" dirty="0" err="1" smtClean="0"/>
+              <a:t>gian</a:t>
+            </a:r>
+            <a:r>
+              <a:rPr lang="en-US" dirty="0" smtClean="0"/>
+              <a:t> </a:t>
+            </a:r>
+            <a:r>
+              <a:rPr lang="en-US" dirty="0" err="1" smtClean="0"/>
+              <a:t>mặt</a:t>
+            </a:r>
+            <a:r>
+              <a:rPr lang="en-US" dirty="0" smtClean="0"/>
+              <a:t> – face space.</a:t>
+            </a:r>
+          </a:p>
+          <a:p>
+            <a:pPr lvl="0"/>
+            <a:r>
+              <a:rPr lang="en-US" dirty="0" err="1" smtClean="0"/>
+              <a:t>Tính</a:t>
+            </a:r>
+            <a:r>
+              <a:rPr lang="en-US" dirty="0" smtClean="0"/>
+              <a:t> </a:t>
+            </a:r>
+            <a:r>
+              <a:rPr lang="en-US" dirty="0" err="1" smtClean="0"/>
+              <a:t>toán</a:t>
+            </a:r>
+            <a:r>
+              <a:rPr lang="en-US" dirty="0" smtClean="0"/>
+              <a:t> </a:t>
+            </a:r>
+            <a:r>
+              <a:rPr lang="en-US" dirty="0" err="1" smtClean="0"/>
+              <a:t>trọng</a:t>
+            </a:r>
+            <a:r>
+              <a:rPr lang="en-US" dirty="0" smtClean="0"/>
+              <a:t> </a:t>
+            </a:r>
+            <a:r>
+              <a:rPr lang="en-US" dirty="0" err="1" smtClean="0"/>
+              <a:t>số</a:t>
+            </a:r>
+            <a:r>
+              <a:rPr lang="en-US" dirty="0" smtClean="0"/>
+              <a:t> </a:t>
+            </a:r>
+            <a:r>
+              <a:rPr lang="en-US" dirty="0" err="1" smtClean="0"/>
+              <a:t>không</a:t>
+            </a:r>
+            <a:r>
+              <a:rPr lang="en-US" dirty="0" smtClean="0"/>
+              <a:t> </a:t>
+            </a:r>
+            <a:r>
+              <a:rPr lang="en-US" dirty="0" err="1" smtClean="0"/>
+              <a:t>gian</a:t>
+            </a:r>
+            <a:r>
+              <a:rPr lang="en-US" dirty="0" smtClean="0"/>
+              <a:t> </a:t>
+            </a:r>
+            <a:r>
+              <a:rPr lang="en-US" dirty="0" err="1" smtClean="0"/>
+              <a:t>của</a:t>
+            </a:r>
+            <a:r>
+              <a:rPr lang="en-US" dirty="0" smtClean="0"/>
+              <a:t> </a:t>
+            </a:r>
+            <a:r>
+              <a:rPr lang="en-US" dirty="0" err="1" smtClean="0"/>
+              <a:t>các</a:t>
+            </a:r>
+            <a:r>
+              <a:rPr lang="en-US" dirty="0" smtClean="0"/>
+              <a:t> </a:t>
+            </a:r>
+            <a:r>
+              <a:rPr lang="en-US" dirty="0" err="1" smtClean="0"/>
+              <a:t>nhóm</a:t>
+            </a:r>
+            <a:r>
+              <a:rPr lang="en-US" dirty="0" smtClean="0"/>
+              <a:t> </a:t>
+            </a:r>
+            <a:r>
+              <a:rPr lang="en-US" dirty="0" err="1" smtClean="0"/>
+              <a:t>khuôn</a:t>
+            </a:r>
+            <a:r>
+              <a:rPr lang="en-US" dirty="0" smtClean="0"/>
+              <a:t> </a:t>
+            </a:r>
+            <a:r>
+              <a:rPr lang="en-US" dirty="0" err="1" smtClean="0"/>
+              <a:t>mặt</a:t>
+            </a:r>
+            <a:r>
+              <a:rPr lang="en-US" dirty="0" smtClean="0"/>
+              <a:t> </a:t>
+            </a:r>
+            <a:r>
+              <a:rPr lang="en-US" dirty="0" err="1" smtClean="0"/>
+              <a:t>tương</a:t>
+            </a:r>
+            <a:r>
+              <a:rPr lang="en-US" dirty="0" smtClean="0"/>
+              <a:t> </a:t>
+            </a:r>
+            <a:r>
+              <a:rPr lang="en-US" dirty="0" err="1" smtClean="0"/>
+              <a:t>ứng</a:t>
+            </a:r>
+            <a:r>
+              <a:rPr lang="en-US" dirty="0" smtClean="0"/>
+              <a:t> </a:t>
+            </a:r>
+            <a:r>
+              <a:rPr lang="en-US" dirty="0" err="1" smtClean="0"/>
+              <a:t>trong</a:t>
             </a:r>
             <a:r>
               <a:rPr lang="en-US" dirty="0" smtClean="0"/>
@@ -10700,23 +10150,202 @@
             </a:r>
             <a:r>
               <a:rPr lang="en-US" dirty="0" err="1" smtClean="0"/>
-              <a:t>bản</a:t>
-            </a:r>
-            <a:r>
-              <a:rPr lang="en-US" dirty="0" smtClean="0"/>
-              <a:t> </a:t>
-            </a:r>
-            <a:r>
-              <a:rPr lang="en-US" dirty="0" err="1" smtClean="0"/>
-              <a:t>là</a:t>
-            </a:r>
-            <a:r>
-              <a:rPr lang="en-US" dirty="0" smtClean="0"/>
-              <a:t> </a:t>
-            </a:r>
-            <a:r>
-              <a:rPr lang="en-US" dirty="0" err="1" smtClean="0"/>
-              <a:t>tìm</a:t>
+              <a:t>sở</a:t>
+            </a:r>
+            <a:r>
+              <a:rPr lang="en-US" dirty="0" smtClean="0"/>
+              <a:t> </a:t>
+            </a:r>
+            <a:r>
+              <a:rPr lang="en-US" dirty="0" err="1" smtClean="0"/>
+              <a:t>dữ</a:t>
+            </a:r>
+            <a:r>
+              <a:rPr lang="en-US" dirty="0" smtClean="0"/>
+              <a:t> </a:t>
+            </a:r>
+            <a:r>
+              <a:rPr lang="en-US" dirty="0" err="1" smtClean="0"/>
+              <a:t>liệu</a:t>
+            </a:r>
+            <a:r>
+              <a:rPr lang="en-US" dirty="0" smtClean="0"/>
+              <a:t> </a:t>
+            </a:r>
+            <a:r>
+              <a:rPr lang="en-US" dirty="0" err="1" smtClean="0"/>
+              <a:t>bằng</a:t>
+            </a:r>
+            <a:r>
+              <a:rPr lang="en-US" dirty="0" smtClean="0"/>
+              <a:t> </a:t>
+            </a:r>
+            <a:r>
+              <a:rPr lang="en-US" dirty="0" err="1" smtClean="0"/>
+              <a:t>cách</a:t>
+            </a:r>
+            <a:r>
+              <a:rPr lang="en-US" dirty="0" smtClean="0"/>
+              <a:t> </a:t>
+            </a:r>
+            <a:r>
+              <a:rPr lang="en-US" dirty="0" err="1" smtClean="0"/>
+              <a:t>chiếu</a:t>
+            </a:r>
+            <a:r>
+              <a:rPr lang="en-US" dirty="0" smtClean="0"/>
+              <a:t> </a:t>
+            </a:r>
+            <a:r>
+              <a:rPr lang="en-US" dirty="0" err="1" smtClean="0"/>
+              <a:t>lên</a:t>
+            </a:r>
+            <a:r>
+              <a:rPr lang="en-US" dirty="0" smtClean="0"/>
+              <a:t> </a:t>
+            </a:r>
+            <a:r>
+              <a:rPr lang="en-US" dirty="0" err="1" smtClean="0"/>
+              <a:t>không</a:t>
+            </a:r>
+            <a:r>
+              <a:rPr lang="en-US" dirty="0" smtClean="0"/>
+              <a:t> </a:t>
+            </a:r>
+            <a:r>
+              <a:rPr lang="en-US" dirty="0" err="1" smtClean="0"/>
+              <a:t>gian</a:t>
+            </a:r>
+            <a:r>
+              <a:rPr lang="en-US" dirty="0" smtClean="0"/>
+              <a:t> </a:t>
+            </a:r>
+            <a:r>
+              <a:rPr lang="en-US" dirty="0" err="1" smtClean="0"/>
+              <a:t>mặt</a:t>
+            </a:r>
+            <a:r>
+              <a:rPr lang="en-US" dirty="0" smtClean="0"/>
+              <a:t>.</a:t>
+            </a:r>
+          </a:p>
+          <a:p>
+            <a:pPr lvl="0"/>
+            <a:r>
+              <a:rPr lang="en-US" dirty="0" err="1" smtClean="0"/>
+              <a:t>Tính</a:t>
+            </a:r>
+            <a:r>
+              <a:rPr lang="en-US" dirty="0" smtClean="0"/>
+              <a:t> </a:t>
+            </a:r>
+            <a:r>
+              <a:rPr lang="en-US" dirty="0" err="1" smtClean="0"/>
+              <a:t>toán</a:t>
+            </a:r>
+            <a:r>
+              <a:rPr lang="en-US" dirty="0" smtClean="0"/>
+              <a:t> </a:t>
+            </a:r>
+            <a:r>
+              <a:rPr lang="en-US" dirty="0" err="1" smtClean="0"/>
+              <a:t>tập</a:t>
+            </a:r>
+            <a:r>
+              <a:rPr lang="en-US" dirty="0" smtClean="0"/>
+              <a:t> </a:t>
+            </a:r>
+            <a:r>
+              <a:rPr lang="en-US" dirty="0" err="1" smtClean="0"/>
+              <a:t>trong</a:t>
+            </a:r>
+            <a:r>
+              <a:rPr lang="en-US" dirty="0" smtClean="0"/>
+              <a:t> </a:t>
+            </a:r>
+            <a:r>
+              <a:rPr lang="en-US" dirty="0" err="1" smtClean="0"/>
+              <a:t>số</a:t>
+            </a:r>
+            <a:r>
+              <a:rPr lang="en-US" dirty="0" smtClean="0"/>
+              <a:t> </a:t>
+            </a:r>
+            <a:r>
+              <a:rPr lang="en-US" dirty="0" err="1" smtClean="0"/>
+              <a:t>của</a:t>
+            </a:r>
+            <a:r>
+              <a:rPr lang="en-US" dirty="0" smtClean="0"/>
+              <a:t> </a:t>
+            </a:r>
+            <a:r>
+              <a:rPr lang="en-US" dirty="0" err="1" smtClean="0"/>
+              <a:t>khuôn</a:t>
+            </a:r>
+            <a:r>
+              <a:rPr lang="en-US" dirty="0" smtClean="0"/>
+              <a:t> </a:t>
+            </a:r>
+            <a:r>
+              <a:rPr lang="en-US" dirty="0" err="1" smtClean="0"/>
+              <a:t>mặt</a:t>
+            </a:r>
+            <a:r>
+              <a:rPr lang="en-US" dirty="0" smtClean="0"/>
+              <a:t> </a:t>
+            </a:r>
+            <a:r>
+              <a:rPr lang="en-US" dirty="0" err="1" smtClean="0"/>
+              <a:t>cần</a:t>
+            </a:r>
+            <a:r>
+              <a:rPr lang="en-US" dirty="0" smtClean="0"/>
+              <a:t> </a:t>
+            </a:r>
+            <a:r>
+              <a:rPr lang="en-US" dirty="0" err="1" smtClean="0"/>
+              <a:t>nhận</a:t>
+            </a:r>
+            <a:r>
+              <a:rPr lang="en-US" dirty="0" smtClean="0"/>
+              <a:t> </a:t>
+            </a:r>
+            <a:r>
+              <a:rPr lang="en-US" dirty="0" err="1" smtClean="0"/>
+              <a:t>dạng</a:t>
+            </a:r>
+            <a:r>
+              <a:rPr lang="en-US" dirty="0" smtClean="0"/>
+              <a:t> </a:t>
+            </a:r>
+            <a:r>
+              <a:rPr lang="en-US" dirty="0" err="1" smtClean="0"/>
+              <a:t>bằng</a:t>
+            </a:r>
+            <a:r>
+              <a:rPr lang="en-US" dirty="0" smtClean="0"/>
+              <a:t> </a:t>
+            </a:r>
+            <a:r>
+              <a:rPr lang="en-US" dirty="0" err="1" smtClean="0"/>
+              <a:t>cách</a:t>
+            </a:r>
+            <a:r>
+              <a:rPr lang="en-US" dirty="0" smtClean="0"/>
+              <a:t> </a:t>
+            </a:r>
+            <a:r>
+              <a:rPr lang="en-US" dirty="0" err="1" smtClean="0"/>
+              <a:t>chiếu</a:t>
+            </a:r>
+            <a:r>
+              <a:rPr lang="en-US" dirty="0" smtClean="0"/>
+              <a:t> </a:t>
+            </a:r>
+            <a:r>
+              <a:rPr lang="en-US" dirty="0" err="1" smtClean="0"/>
+              <a:t>lên</a:t>
             </a:r>
             <a:r>
               <a:rPr lang="en-US" dirty="0" smtClean="0"/>
@@ -10728,7 +10357,39 @@
             </a:r>
             <a:r>
               <a:rPr lang="en-US" dirty="0" smtClean="0"/>
-              <a:t> vectors </a:t>
+              <a:t> </a:t>
+            </a:r>
+            <a:r>
+              <a:rPr lang="en-US" dirty="0" err="1" smtClean="0"/>
+              <a:t>khuôn</a:t>
+            </a:r>
+            <a:r>
+              <a:rPr lang="en-US" dirty="0" smtClean="0"/>
+              <a:t> </a:t>
+            </a:r>
+            <a:r>
+              <a:rPr lang="en-US" dirty="0" err="1" smtClean="0"/>
+              <a:t>mặt</a:t>
+            </a:r>
+            <a:r>
+              <a:rPr lang="en-US" dirty="0" smtClean="0"/>
+              <a:t> </a:t>
+            </a:r>
+            <a:r>
+              <a:rPr lang="en-US" dirty="0" err="1" smtClean="0"/>
+              <a:t>riêng</a:t>
+            </a:r>
+            <a:r>
+              <a:rPr lang="en-US" dirty="0" smtClean="0"/>
+              <a:t> </a:t>
+            </a:r>
+            <a:r>
+              <a:rPr lang="en-US" dirty="0" err="1" smtClean="0"/>
+              <a:t>đã</a:t>
+            </a:r>
+            <a:r>
+              <a:rPr lang="en-US" dirty="0" smtClean="0"/>
+              <a:t> </a:t>
             </a:r>
             <a:r>
               <a:rPr lang="en-US" dirty="0" err="1" smtClean="0"/>
@@ -10736,43 +10397,70 @@
             </a:r>
             <a:r>
               <a:rPr lang="en-US" dirty="0" smtClean="0"/>
-              <a:t> </a:t>
-            </a:r>
-            <a:r>
-              <a:rPr lang="en-US" dirty="0" err="1" smtClean="0"/>
-              <a:t>thể</a:t>
-            </a:r>
-            <a:r>
-              <a:rPr lang="en-US" dirty="0" smtClean="0"/>
-              <a:t> </a:t>
-            </a:r>
-            <a:r>
-              <a:rPr lang="en-US" dirty="0" err="1" smtClean="0"/>
-              <a:t>biểu</a:t>
-            </a:r>
-            <a:r>
-              <a:rPr lang="en-US" dirty="0" smtClean="0"/>
-              <a:t> </a:t>
-            </a:r>
-            <a:r>
-              <a:rPr lang="en-US" dirty="0" err="1" smtClean="0"/>
-              <a:t>diễn</a:t>
-            </a:r>
-            <a:r>
-              <a:rPr lang="en-US" dirty="0" smtClean="0"/>
-              <a:t> </a:t>
-            </a:r>
-            <a:r>
-              <a:rPr lang="en-US" dirty="0" err="1" smtClean="0"/>
-              <a:t>tốt</a:t>
-            </a:r>
-            <a:r>
-              <a:rPr lang="en-US" dirty="0" smtClean="0"/>
-              <a:t> </a:t>
-            </a:r>
-            <a:r>
-              <a:rPr lang="en-US" dirty="0" err="1" smtClean="0"/>
-              <a:t>nhất</a:t>
+              <a:t>.</a:t>
+            </a:r>
+          </a:p>
+          <a:p>
+            <a:pPr lvl="0"/>
+            <a:r>
+              <a:rPr lang="en-US" dirty="0" err="1" smtClean="0"/>
+              <a:t>Dựa</a:t>
+            </a:r>
+            <a:r>
+              <a:rPr lang="en-US" dirty="0" smtClean="0"/>
+              <a:t> </a:t>
+            </a:r>
+            <a:r>
+              <a:rPr lang="en-US" dirty="0" err="1" smtClean="0"/>
+              <a:t>vào</a:t>
+            </a:r>
+            <a:r>
+              <a:rPr lang="en-US" dirty="0" smtClean="0"/>
+              <a:t> </a:t>
+            </a:r>
+            <a:r>
+              <a:rPr lang="en-US" dirty="0" err="1" smtClean="0"/>
+              <a:t>trọng</a:t>
+            </a:r>
+            <a:r>
+              <a:rPr lang="en-US" dirty="0" smtClean="0"/>
+              <a:t> </a:t>
+            </a:r>
+            <a:r>
+              <a:rPr lang="en-US" dirty="0" err="1" smtClean="0"/>
+              <a:t>số</a:t>
+            </a:r>
+            <a:r>
+              <a:rPr lang="en-US" dirty="0" smtClean="0"/>
+              <a:t>, </a:t>
+            </a:r>
+            <a:r>
+              <a:rPr lang="en-US" dirty="0" err="1" smtClean="0"/>
+              <a:t>xác</a:t>
+            </a:r>
+            <a:r>
+              <a:rPr lang="en-US" dirty="0" smtClean="0"/>
+              <a:t> </a:t>
+            </a:r>
+            <a:r>
+              <a:rPr lang="en-US" dirty="0" err="1" smtClean="0"/>
+              <a:t>định</a:t>
+            </a:r>
+            <a:r>
+              <a:rPr lang="en-US" dirty="0" smtClean="0"/>
+              <a:t> </a:t>
+            </a:r>
+            <a:r>
+              <a:rPr lang="en-US" dirty="0" err="1" smtClean="0"/>
+              <a:t>có</a:t>
+            </a:r>
+            <a:r>
+              <a:rPr lang="en-US" dirty="0" smtClean="0"/>
+              <a:t> </a:t>
+            </a:r>
+            <a:r>
+              <a:rPr lang="en-US" dirty="0" err="1" smtClean="0"/>
+              <a:t>thuộc</a:t>
             </a:r>
             <a:r>
               <a:rPr lang="en-US" dirty="0" smtClean="0"/>
@@ -10788,23 +10476,7 @@
             </a:r>
             <a:r>
               <a:rPr lang="en-US" dirty="0" err="1" smtClean="0"/>
-              <a:t>đặc</a:t>
-            </a:r>
-            <a:r>
-              <a:rPr lang="en-US" dirty="0" smtClean="0"/>
-              <a:t> </a:t>
-            </a:r>
-            <a:r>
-              <a:rPr lang="en-US" dirty="0" err="1" smtClean="0"/>
-              <a:t>tính</a:t>
-            </a:r>
-            <a:r>
-              <a:rPr lang="en-US" dirty="0" smtClean="0"/>
-              <a:t> </a:t>
-            </a:r>
-            <a:r>
-              <a:rPr lang="en-US" dirty="0" err="1" smtClean="0"/>
-              <a:t>của</a:t>
+              <a:t>nhóm</a:t>
             </a:r>
             <a:r>
               <a:rPr lang="en-US" dirty="0" smtClean="0"/>
@@ -10828,11 +10500,19 @@
             </a:r>
             <a:r>
               <a:rPr lang="en-US" dirty="0" err="1" smtClean="0"/>
-              <a:t>trong</a:t>
-            </a:r>
-            <a:r>
-              <a:rPr lang="en-US" dirty="0" smtClean="0"/>
-              <a:t> </a:t>
+              <a:t>đã</a:t>
+            </a:r>
+            <a:r>
+              <a:rPr lang="en-US" dirty="0" smtClean="0"/>
+              <a:t> </a:t>
+            </a:r>
+            <a:r>
+              <a:rPr lang="en-US" dirty="0" err="1" smtClean="0"/>
+              <a:t>biết</a:t>
+            </a:r>
+            <a:r>
+              <a:rPr lang="en-US" dirty="0" smtClean="0"/>
+              <a:t> hay </a:t>
             </a:r>
             <a:r>
               <a:rPr lang="en-US" dirty="0" err="1" smtClean="0"/>
@@ -10840,530 +10520,8 @@
             </a:r>
             <a:r>
               <a:rPr lang="en-US" dirty="0" smtClean="0"/>
-              <a:t> </a:t>
-            </a:r>
-            <a:r>
-              <a:rPr lang="en-US" dirty="0" err="1" smtClean="0"/>
-              <a:t>gian</a:t>
-            </a:r>
-            <a:r>
-              <a:rPr lang="en-US" dirty="0" smtClean="0"/>
-              <a:t> </a:t>
-            </a:r>
-            <a:r>
-              <a:rPr lang="en-US" dirty="0" err="1" smtClean="0"/>
-              <a:t>ảnh</a:t>
-            </a:r>
-            <a:r>
-              <a:rPr lang="en-US" dirty="0" smtClean="0"/>
-              <a:t> (eigenvector). </a:t>
-            </a:r>
-            <a:r>
-              <a:rPr lang="en-US" dirty="0" err="1" smtClean="0"/>
-              <a:t>Các</a:t>
-            </a:r>
-            <a:r>
-              <a:rPr lang="en-US" dirty="0" smtClean="0"/>
-              <a:t> vector </a:t>
-            </a:r>
-            <a:r>
-              <a:rPr lang="en-US" dirty="0" err="1" smtClean="0"/>
-              <a:t>này</a:t>
-            </a:r>
-            <a:r>
-              <a:rPr lang="en-US" dirty="0" smtClean="0"/>
-              <a:t> </a:t>
-            </a:r>
-            <a:r>
-              <a:rPr lang="en-US" dirty="0" err="1" smtClean="0"/>
-              <a:t>xác</a:t>
-            </a:r>
-            <a:r>
-              <a:rPr lang="en-US" dirty="0" smtClean="0"/>
-              <a:t> </a:t>
-            </a:r>
-            <a:r>
-              <a:rPr lang="en-US" dirty="0" err="1" smtClean="0"/>
-              <a:t>định</a:t>
-            </a:r>
-            <a:r>
-              <a:rPr lang="en-US" dirty="0" smtClean="0"/>
-              <a:t> </a:t>
-            </a:r>
-            <a:r>
-              <a:rPr lang="en-US" dirty="0" err="1" smtClean="0"/>
-              <a:t>một</a:t>
-            </a:r>
-            <a:r>
-              <a:rPr lang="en-US" dirty="0" smtClean="0"/>
-              <a:t> </a:t>
-            </a:r>
-            <a:r>
-              <a:rPr lang="en-US" dirty="0" err="1" smtClean="0"/>
-              <a:t>không</a:t>
-            </a:r>
-            <a:r>
-              <a:rPr lang="en-US" dirty="0" smtClean="0"/>
-              <a:t> </a:t>
-            </a:r>
-            <a:r>
-              <a:rPr lang="en-US" dirty="0" err="1" smtClean="0"/>
-              <a:t>gian</a:t>
-            </a:r>
-            <a:r>
-              <a:rPr lang="en-US" dirty="0" smtClean="0"/>
-              <a:t> </a:t>
-            </a:r>
-            <a:r>
-              <a:rPr lang="en-US" dirty="0" err="1" smtClean="0"/>
-              <a:t>khuôn</a:t>
-            </a:r>
-            <a:r>
-              <a:rPr lang="en-US" dirty="0" smtClean="0"/>
-              <a:t> </a:t>
-            </a:r>
-            <a:r>
-              <a:rPr lang="en-US" dirty="0" err="1" smtClean="0"/>
-              <a:t>mặt</a:t>
-            </a:r>
-            <a:r>
-              <a:rPr lang="en-US" dirty="0" smtClean="0"/>
-              <a:t> </a:t>
-            </a:r>
-            <a:r>
-              <a:rPr lang="en-US" dirty="0" err="1" smtClean="0"/>
-              <a:t>riêng</a:t>
-            </a:r>
-            <a:r>
-              <a:rPr lang="en-US" dirty="0" smtClean="0"/>
-              <a:t> (</a:t>
-            </a:r>
-            <a:r>
-              <a:rPr lang="en-US" dirty="0" err="1" smtClean="0"/>
-              <a:t>eigenface</a:t>
-            </a:r>
-            <a:r>
-              <a:rPr lang="en-US" dirty="0" smtClean="0"/>
-              <a:t> space). </a:t>
-            </a:r>
-            <a:r>
-              <a:rPr lang="en-US" dirty="0" err="1" smtClean="0"/>
-              <a:t>Những</a:t>
-            </a:r>
-            <a:r>
-              <a:rPr lang="en-US" dirty="0" smtClean="0"/>
-              <a:t> vector </a:t>
-            </a:r>
-            <a:r>
-              <a:rPr lang="en-US" dirty="0" err="1" smtClean="0"/>
-              <a:t>này</a:t>
-            </a:r>
-            <a:r>
-              <a:rPr lang="en-US" dirty="0" smtClean="0"/>
-              <a:t> </a:t>
-            </a:r>
-            <a:r>
-              <a:rPr lang="en-US" dirty="0" err="1" smtClean="0"/>
-              <a:t>là</a:t>
-            </a:r>
-            <a:r>
-              <a:rPr lang="en-US" dirty="0" smtClean="0"/>
-              <a:t> vector </a:t>
-            </a:r>
-            <a:r>
-              <a:rPr lang="en-US" dirty="0" err="1" smtClean="0"/>
-              <a:t>riêng</a:t>
-            </a:r>
-            <a:r>
-              <a:rPr lang="en-US" dirty="0" smtClean="0"/>
-              <a:t> </a:t>
-            </a:r>
-            <a:r>
-              <a:rPr lang="en-US" dirty="0" err="1" smtClean="0"/>
-              <a:t>của</a:t>
-            </a:r>
-            <a:r>
-              <a:rPr lang="en-US" dirty="0" smtClean="0"/>
-              <a:t> ma </a:t>
-            </a:r>
-            <a:r>
-              <a:rPr lang="en-US" dirty="0" err="1" smtClean="0"/>
-              <a:t>trận</a:t>
-            </a:r>
-            <a:r>
-              <a:rPr lang="en-US" dirty="0" smtClean="0"/>
-              <a:t> </a:t>
-            </a:r>
-            <a:r>
-              <a:rPr lang="en-US" dirty="0" err="1" smtClean="0"/>
-              <a:t>hiệp</a:t>
-            </a:r>
-            <a:r>
-              <a:rPr lang="en-US" dirty="0" smtClean="0"/>
-              <a:t> </a:t>
-            </a:r>
-            <a:r>
-              <a:rPr lang="en-US" dirty="0" err="1" smtClean="0"/>
-              <a:t>phương</a:t>
-            </a:r>
-            <a:r>
-              <a:rPr lang="en-US" dirty="0" smtClean="0"/>
-              <a:t> </a:t>
-            </a:r>
-            <a:r>
-              <a:rPr lang="en-US" dirty="0" err="1" smtClean="0"/>
-              <a:t>sai</a:t>
-            </a:r>
-            <a:r>
-              <a:rPr lang="en-US" dirty="0" smtClean="0"/>
-              <a:t> , </a:t>
-            </a:r>
-            <a:r>
-              <a:rPr lang="en-US" dirty="0" err="1" smtClean="0"/>
-              <a:t>được</a:t>
-            </a:r>
-            <a:r>
-              <a:rPr lang="en-US" dirty="0" smtClean="0"/>
-              <a:t> </a:t>
-            </a:r>
-            <a:r>
-              <a:rPr lang="en-US" dirty="0" err="1" smtClean="0"/>
-              <a:t>gọi</a:t>
-            </a:r>
-            <a:r>
-              <a:rPr lang="en-US" dirty="0" smtClean="0"/>
-              <a:t> </a:t>
-            </a:r>
-            <a:r>
-              <a:rPr lang="en-US" dirty="0" err="1" smtClean="0"/>
-              <a:t>là</a:t>
-            </a:r>
-            <a:r>
-              <a:rPr lang="en-US" dirty="0" smtClean="0"/>
-              <a:t> </a:t>
-            </a:r>
-            <a:r>
-              <a:rPr lang="en-US" dirty="0" err="1" smtClean="0"/>
-              <a:t>các</a:t>
-            </a:r>
-            <a:r>
-              <a:rPr lang="en-US" dirty="0" smtClean="0"/>
-              <a:t> </a:t>
-            </a:r>
-            <a:r>
-              <a:rPr lang="en-US" dirty="0" err="1" smtClean="0"/>
-              <a:t>khuôn</a:t>
-            </a:r>
-            <a:r>
-              <a:rPr lang="en-US" dirty="0" smtClean="0"/>
-              <a:t> </a:t>
-            </a:r>
-            <a:r>
-              <a:rPr lang="en-US" dirty="0" err="1" smtClean="0"/>
-              <a:t>mặt</a:t>
-            </a:r>
-            <a:r>
-              <a:rPr lang="en-US" dirty="0" smtClean="0"/>
-              <a:t> </a:t>
-            </a:r>
-            <a:r>
-              <a:rPr lang="en-US" dirty="0" err="1" smtClean="0"/>
-              <a:t>riêng</a:t>
-            </a:r>
-            <a:r>
-              <a:rPr lang="en-US" dirty="0" smtClean="0"/>
               <a:t>.</a:t>
             </a:r>
-          </a:p>
-          <a:p>
-            <a:pPr lvl="0"/>
-            <a:r>
-              <a:rPr lang="en-US" dirty="0" err="1" smtClean="0"/>
-              <a:t>Sau</a:t>
-            </a:r>
-            <a:r>
-              <a:rPr lang="en-US" dirty="0" smtClean="0"/>
-              <a:t> </a:t>
-            </a:r>
-            <a:r>
-              <a:rPr lang="en-US" dirty="0" err="1" smtClean="0"/>
-              <a:t>khi</a:t>
-            </a:r>
-            <a:r>
-              <a:rPr lang="en-US" dirty="0" smtClean="0"/>
-              <a:t> </a:t>
-            </a:r>
-            <a:r>
-              <a:rPr lang="en-US" dirty="0" err="1" smtClean="0"/>
-              <a:t>có</a:t>
-            </a:r>
-            <a:r>
-              <a:rPr lang="en-US" dirty="0" smtClean="0"/>
-              <a:t> M </a:t>
-            </a:r>
-            <a:r>
-              <a:rPr lang="en-US" dirty="0" err="1" smtClean="0"/>
-              <a:t>trị</a:t>
-            </a:r>
-            <a:r>
-              <a:rPr lang="en-US" dirty="0" smtClean="0"/>
-              <a:t> </a:t>
-            </a:r>
-            <a:r>
-              <a:rPr lang="en-US" dirty="0" err="1" smtClean="0"/>
-              <a:t>riêng</a:t>
-            </a:r>
-            <a:r>
-              <a:rPr lang="en-US" dirty="0" smtClean="0"/>
-              <a:t>, </a:t>
-            </a:r>
-            <a:r>
-              <a:rPr lang="en-US" dirty="0" err="1" smtClean="0"/>
-              <a:t>chỉ</a:t>
-            </a:r>
-            <a:r>
-              <a:rPr lang="en-US" dirty="0" smtClean="0"/>
-              <a:t> </a:t>
-            </a:r>
-            <a:r>
-              <a:rPr lang="en-US" dirty="0" err="1" smtClean="0"/>
-              <a:t>giữ</a:t>
-            </a:r>
-            <a:r>
-              <a:rPr lang="en-US" dirty="0" smtClean="0"/>
-              <a:t> </a:t>
-            </a:r>
-            <a:r>
-              <a:rPr lang="en-US" dirty="0" err="1" smtClean="0"/>
-              <a:t>lại</a:t>
-            </a:r>
-            <a:r>
-              <a:rPr lang="en-US" dirty="0" smtClean="0"/>
-              <a:t> M’ (&lt; M) </a:t>
-            </a:r>
-            <a:r>
-              <a:rPr lang="en-US" dirty="0" err="1" smtClean="0"/>
-              <a:t>trị</a:t>
-            </a:r>
-            <a:r>
-              <a:rPr lang="en-US" dirty="0" smtClean="0"/>
-              <a:t> </a:t>
-            </a:r>
-            <a:r>
-              <a:rPr lang="en-US" dirty="0" err="1" smtClean="0"/>
-              <a:t>riêng</a:t>
-            </a:r>
-            <a:r>
-              <a:rPr lang="en-US" dirty="0" smtClean="0"/>
-              <a:t> </a:t>
-            </a:r>
-            <a:r>
-              <a:rPr lang="en-US" dirty="0" err="1" smtClean="0"/>
-              <a:t>lớn</a:t>
-            </a:r>
-            <a:r>
-              <a:rPr lang="en-US" dirty="0" smtClean="0"/>
-              <a:t> </a:t>
-            </a:r>
-            <a:r>
-              <a:rPr lang="en-US" dirty="0" err="1" smtClean="0"/>
-              <a:t>nhất</a:t>
-            </a:r>
-            <a:r>
-              <a:rPr lang="en-US" dirty="0" smtClean="0"/>
-              <a:t>.</a:t>
-            </a:r>
-          </a:p>
-          <a:p>
-            <a:pPr lvl="0"/>
-            <a:r>
-              <a:rPr lang="en-US" dirty="0" err="1" smtClean="0"/>
-              <a:t>Các</a:t>
-            </a:r>
-            <a:r>
-              <a:rPr lang="en-US" dirty="0" smtClean="0"/>
-              <a:t> </a:t>
-            </a:r>
-            <a:r>
-              <a:rPr lang="en-US" dirty="0" err="1" smtClean="0"/>
-              <a:t>vectơ</a:t>
-            </a:r>
-            <a:r>
-              <a:rPr lang="en-US" dirty="0" smtClean="0"/>
-              <a:t> </a:t>
-            </a:r>
-            <a:r>
-              <a:rPr lang="en-US" dirty="0" err="1" smtClean="0"/>
-              <a:t>riêng</a:t>
-            </a:r>
-            <a:r>
-              <a:rPr lang="en-US" dirty="0" smtClean="0"/>
-              <a:t> </a:t>
-            </a:r>
-            <a:r>
-              <a:rPr lang="en-US" dirty="0" err="1" smtClean="0"/>
-              <a:t>ứng</a:t>
-            </a:r>
-            <a:r>
-              <a:rPr lang="en-US" dirty="0" smtClean="0"/>
-              <a:t> </a:t>
-            </a:r>
-            <a:r>
-              <a:rPr lang="en-US" dirty="0" err="1" smtClean="0"/>
-              <a:t>với</a:t>
-            </a:r>
-            <a:r>
-              <a:rPr lang="en-US" dirty="0" smtClean="0"/>
-              <a:t> </a:t>
-            </a:r>
-            <a:r>
-              <a:rPr lang="en-US" dirty="0" err="1" smtClean="0"/>
-              <a:t>các</a:t>
-            </a:r>
-            <a:r>
-              <a:rPr lang="en-US" dirty="0" smtClean="0"/>
-              <a:t> </a:t>
-            </a:r>
-            <a:r>
-              <a:rPr lang="en-US" dirty="0" err="1" smtClean="0"/>
-              <a:t>trị</a:t>
-            </a:r>
-            <a:r>
-              <a:rPr lang="en-US" dirty="0" smtClean="0"/>
-              <a:t> </a:t>
-            </a:r>
-            <a:r>
-              <a:rPr lang="en-US" dirty="0" err="1" smtClean="0"/>
-              <a:t>riêng</a:t>
-            </a:r>
-            <a:r>
-              <a:rPr lang="en-US" dirty="0" smtClean="0"/>
-              <a:t> </a:t>
-            </a:r>
-            <a:r>
-              <a:rPr lang="en-US" dirty="0" err="1" smtClean="0"/>
-              <a:t>có</a:t>
-            </a:r>
-            <a:r>
-              <a:rPr lang="en-US" dirty="0" smtClean="0"/>
-              <a:t> </a:t>
-            </a:r>
-            <a:r>
-              <a:rPr lang="en-US" dirty="0" err="1" smtClean="0"/>
-              <a:t>giá</a:t>
-            </a:r>
-            <a:r>
-              <a:rPr lang="en-US" dirty="0" smtClean="0"/>
-              <a:t> </a:t>
-            </a:r>
-            <a:r>
-              <a:rPr lang="en-US" dirty="0" err="1" smtClean="0"/>
-              <a:t>trị</a:t>
-            </a:r>
-            <a:r>
-              <a:rPr lang="en-US" dirty="0" smtClean="0"/>
-              <a:t> </a:t>
-            </a:r>
-            <a:r>
-              <a:rPr lang="en-US" dirty="0" err="1" smtClean="0"/>
-              <a:t>lớn</a:t>
-            </a:r>
-            <a:r>
-              <a:rPr lang="en-US" dirty="0" smtClean="0"/>
-              <a:t> </a:t>
-            </a:r>
-            <a:r>
-              <a:rPr lang="en-US" dirty="0" err="1" smtClean="0"/>
-              <a:t>mô</a:t>
-            </a:r>
-            <a:r>
-              <a:rPr lang="en-US" dirty="0" smtClean="0"/>
-              <a:t> </a:t>
-            </a:r>
-            <a:r>
-              <a:rPr lang="en-US" dirty="0" err="1" smtClean="0"/>
-              <a:t>tả</a:t>
-            </a:r>
-            <a:r>
-              <a:rPr lang="en-US" dirty="0" smtClean="0"/>
-              <a:t> </a:t>
-            </a:r>
-            <a:r>
-              <a:rPr lang="en-US" dirty="0" err="1" smtClean="0"/>
-              <a:t>các</a:t>
-            </a:r>
-            <a:r>
-              <a:rPr lang="en-US" dirty="0" smtClean="0"/>
-              <a:t> </a:t>
-            </a:r>
-            <a:r>
-              <a:rPr lang="en-US" dirty="0" err="1" smtClean="0"/>
-              <a:t>đặc</a:t>
-            </a:r>
-            <a:r>
-              <a:rPr lang="en-US" dirty="0" smtClean="0"/>
-              <a:t> </a:t>
-            </a:r>
-            <a:r>
-              <a:rPr lang="en-US" dirty="0" err="1" smtClean="0"/>
-              <a:t>trưng</a:t>
-            </a:r>
-            <a:r>
-              <a:rPr lang="en-US" dirty="0" smtClean="0"/>
-              <a:t> </a:t>
-            </a:r>
-            <a:r>
-              <a:rPr lang="en-US" dirty="0" err="1" smtClean="0"/>
-              <a:t>tốt</a:t>
-            </a:r>
-            <a:r>
-              <a:rPr lang="en-US" dirty="0" smtClean="0"/>
-              <a:t> </a:t>
-            </a:r>
-            <a:r>
-              <a:rPr lang="en-US" dirty="0" err="1" smtClean="0"/>
-              <a:t>hơn</a:t>
-            </a:r>
-            <a:r>
-              <a:rPr lang="en-US" dirty="0" smtClean="0"/>
-              <a:t> </a:t>
-            </a:r>
-            <a:r>
-              <a:rPr lang="en-US" dirty="0" err="1" smtClean="0"/>
-              <a:t>các</a:t>
-            </a:r>
-            <a:r>
-              <a:rPr lang="en-US" dirty="0" smtClean="0"/>
-              <a:t> </a:t>
-            </a:r>
-            <a:r>
-              <a:rPr lang="en-US" dirty="0" err="1" smtClean="0"/>
-              <a:t>trị</a:t>
-            </a:r>
-            <a:r>
-              <a:rPr lang="en-US" dirty="0" smtClean="0"/>
-              <a:t> </a:t>
-            </a:r>
-            <a:r>
-              <a:rPr lang="en-US" dirty="0" err="1" smtClean="0"/>
-              <a:t>riêng</a:t>
-            </a:r>
-            <a:r>
-              <a:rPr lang="en-US" dirty="0" smtClean="0"/>
-              <a:t> </a:t>
-            </a:r>
-            <a:r>
-              <a:rPr lang="en-US" dirty="0" err="1" smtClean="0"/>
-              <a:t>nhỏ</a:t>
-            </a:r>
-            <a:r>
-              <a:rPr lang="en-US" dirty="0" smtClean="0"/>
-              <a:t>.</a:t>
-            </a:r>
-          </a:p>
-          <a:p>
-            <a:pPr lvl="0"/>
-            <a:endParaRPr lang="en-US" dirty="0" smtClean="0"/>
           </a:p>
         </p:txBody>
       </p:sp>
@@ -11484,7 +10642,7 @@
       </p:sp>
       <p:sp>
         <p:nvSpPr>
-          <p:cNvPr id="6" name="Content Placeholder 5"/>
+          <p:cNvPr id="5" name="Content Placeholder 4"/>
           <p:cNvSpPr>
             <a:spLocks noGrp="1"/>
           </p:cNvSpPr>
@@ -11492,16 +10650,322 @@
             <p:ph idx="1"/>
           </p:nvPr>
         </p:nvSpPr>
-        <p:spPr/>
+        <p:spPr>
+          <a:xfrm>
+            <a:off x="428596" y="1500174"/>
+            <a:ext cx="8229600" cy="5143536"/>
+          </a:xfrm>
+        </p:spPr>
         <p:txBody>
           <a:bodyPr>
-            <a:normAutofit lnSpcReduction="10000"/>
+            <a:normAutofit/>
           </a:bodyPr>
           <a:lstStyle/>
           <a:p>
-            <a:r>
-              <a:rPr lang="en-US" dirty="0" err="1" smtClean="0"/>
-              <a:t>Tính</a:t>
+            <a:pPr lvl="0"/>
+            <a:r>
+              <a:rPr lang="en-US" dirty="0" smtClean="0"/>
+              <a:t>Ý </a:t>
+            </a:r>
+            <a:r>
+              <a:rPr lang="en-US" dirty="0" err="1" smtClean="0"/>
+              <a:t>tưởng</a:t>
+            </a:r>
+            <a:r>
+              <a:rPr lang="en-US" dirty="0" smtClean="0"/>
+              <a:t> </a:t>
+            </a:r>
+            <a:r>
+              <a:rPr lang="en-US" dirty="0" err="1" smtClean="0"/>
+              <a:t>cơ</a:t>
+            </a:r>
+            <a:r>
+              <a:rPr lang="en-US" dirty="0" smtClean="0"/>
+              <a:t> </a:t>
+            </a:r>
+            <a:r>
+              <a:rPr lang="en-US" dirty="0" err="1" smtClean="0"/>
+              <a:t>bản</a:t>
+            </a:r>
+            <a:r>
+              <a:rPr lang="en-US" dirty="0" smtClean="0"/>
+              <a:t> </a:t>
+            </a:r>
+            <a:r>
+              <a:rPr lang="en-US" dirty="0" err="1" smtClean="0"/>
+              <a:t>là</a:t>
+            </a:r>
+            <a:r>
+              <a:rPr lang="en-US" dirty="0" smtClean="0"/>
+              <a:t> </a:t>
+            </a:r>
+            <a:r>
+              <a:rPr lang="en-US" dirty="0" err="1" smtClean="0"/>
+              <a:t>tìm</a:t>
+            </a:r>
+            <a:r>
+              <a:rPr lang="en-US" dirty="0" smtClean="0"/>
+              <a:t> </a:t>
+            </a:r>
+            <a:r>
+              <a:rPr lang="en-US" dirty="0" err="1" smtClean="0"/>
+              <a:t>những</a:t>
+            </a:r>
+            <a:r>
+              <a:rPr lang="en-US" dirty="0" smtClean="0"/>
+              <a:t> vectors </a:t>
+            </a:r>
+            <a:r>
+              <a:rPr lang="en-US" dirty="0" err="1" smtClean="0"/>
+              <a:t>có</a:t>
+            </a:r>
+            <a:r>
+              <a:rPr lang="en-US" dirty="0" smtClean="0"/>
+              <a:t> </a:t>
+            </a:r>
+            <a:r>
+              <a:rPr lang="en-US" dirty="0" err="1" smtClean="0"/>
+              <a:t>thể</a:t>
+            </a:r>
+            <a:r>
+              <a:rPr lang="en-US" dirty="0" smtClean="0"/>
+              <a:t> </a:t>
+            </a:r>
+            <a:r>
+              <a:rPr lang="en-US" dirty="0" err="1" smtClean="0"/>
+              <a:t>biểu</a:t>
+            </a:r>
+            <a:r>
+              <a:rPr lang="en-US" dirty="0" smtClean="0"/>
+              <a:t> </a:t>
+            </a:r>
+            <a:r>
+              <a:rPr lang="en-US" dirty="0" err="1" smtClean="0"/>
+              <a:t>diễn</a:t>
+            </a:r>
+            <a:r>
+              <a:rPr lang="en-US" dirty="0" smtClean="0"/>
+              <a:t> </a:t>
+            </a:r>
+            <a:r>
+              <a:rPr lang="en-US" dirty="0" err="1" smtClean="0"/>
+              <a:t>tốt</a:t>
+            </a:r>
+            <a:r>
+              <a:rPr lang="en-US" dirty="0" smtClean="0"/>
+              <a:t> </a:t>
+            </a:r>
+            <a:r>
+              <a:rPr lang="en-US" dirty="0" err="1" smtClean="0"/>
+              <a:t>nhất</a:t>
+            </a:r>
+            <a:r>
+              <a:rPr lang="en-US" dirty="0" smtClean="0"/>
+              <a:t> </a:t>
+            </a:r>
+            <a:r>
+              <a:rPr lang="en-US" dirty="0" err="1" smtClean="0"/>
+              <a:t>các</a:t>
+            </a:r>
+            <a:r>
+              <a:rPr lang="en-US" dirty="0" smtClean="0"/>
+              <a:t> </a:t>
+            </a:r>
+            <a:r>
+              <a:rPr lang="en-US" dirty="0" err="1" smtClean="0"/>
+              <a:t>đặc</a:t>
+            </a:r>
+            <a:r>
+              <a:rPr lang="en-US" dirty="0" smtClean="0"/>
+              <a:t> </a:t>
+            </a:r>
+            <a:r>
+              <a:rPr lang="en-US" dirty="0" err="1" smtClean="0"/>
+              <a:t>tính</a:t>
+            </a:r>
+            <a:r>
+              <a:rPr lang="en-US" dirty="0" smtClean="0"/>
+              <a:t> </a:t>
+            </a:r>
+            <a:r>
+              <a:rPr lang="en-US" dirty="0" err="1" smtClean="0"/>
+              <a:t>của</a:t>
+            </a:r>
+            <a:r>
+              <a:rPr lang="en-US" dirty="0" smtClean="0"/>
+              <a:t> </a:t>
+            </a:r>
+            <a:r>
+              <a:rPr lang="en-US" dirty="0" err="1" smtClean="0"/>
+              <a:t>khuôn</a:t>
+            </a:r>
+            <a:r>
+              <a:rPr lang="en-US" dirty="0" smtClean="0"/>
+              <a:t> </a:t>
+            </a:r>
+            <a:r>
+              <a:rPr lang="en-US" dirty="0" err="1" smtClean="0"/>
+              <a:t>mặt</a:t>
+            </a:r>
+            <a:r>
+              <a:rPr lang="en-US" dirty="0" smtClean="0"/>
+              <a:t> </a:t>
+            </a:r>
+            <a:r>
+              <a:rPr lang="en-US" dirty="0" err="1" smtClean="0"/>
+              <a:t>trong</a:t>
+            </a:r>
+            <a:r>
+              <a:rPr lang="en-US" dirty="0" smtClean="0"/>
+              <a:t> </a:t>
+            </a:r>
+            <a:r>
+              <a:rPr lang="en-US" dirty="0" err="1" smtClean="0"/>
+              <a:t>không</a:t>
+            </a:r>
+            <a:r>
+              <a:rPr lang="en-US" dirty="0" smtClean="0"/>
+              <a:t> </a:t>
+            </a:r>
+            <a:r>
+              <a:rPr lang="en-US" dirty="0" err="1" smtClean="0"/>
+              <a:t>gian</a:t>
+            </a:r>
+            <a:r>
+              <a:rPr lang="en-US" dirty="0" smtClean="0"/>
+              <a:t> </a:t>
+            </a:r>
+            <a:r>
+              <a:rPr lang="en-US" dirty="0" err="1" smtClean="0"/>
+              <a:t>ảnh</a:t>
+            </a:r>
+            <a:r>
+              <a:rPr lang="en-US" dirty="0" smtClean="0"/>
+              <a:t> (eigenvector). </a:t>
+            </a:r>
+            <a:r>
+              <a:rPr lang="en-US" dirty="0" err="1" smtClean="0"/>
+              <a:t>Các</a:t>
+            </a:r>
+            <a:r>
+              <a:rPr lang="en-US" dirty="0" smtClean="0"/>
+              <a:t> vector </a:t>
+            </a:r>
+            <a:r>
+              <a:rPr lang="en-US" dirty="0" err="1" smtClean="0"/>
+              <a:t>này</a:t>
+            </a:r>
+            <a:r>
+              <a:rPr lang="en-US" dirty="0" smtClean="0"/>
+              <a:t> </a:t>
+            </a:r>
+            <a:r>
+              <a:rPr lang="en-US" dirty="0" err="1" smtClean="0"/>
+              <a:t>xác</a:t>
+            </a:r>
+            <a:r>
+              <a:rPr lang="en-US" dirty="0" smtClean="0"/>
+              <a:t> </a:t>
+            </a:r>
+            <a:r>
+              <a:rPr lang="en-US" dirty="0" err="1" smtClean="0"/>
+              <a:t>định</a:t>
+            </a:r>
+            <a:r>
+              <a:rPr lang="en-US" dirty="0" smtClean="0"/>
+              <a:t> </a:t>
+            </a:r>
+            <a:r>
+              <a:rPr lang="en-US" dirty="0" err="1" smtClean="0"/>
+              <a:t>một</a:t>
+            </a:r>
+            <a:r>
+              <a:rPr lang="en-US" dirty="0" smtClean="0"/>
+              <a:t> </a:t>
+            </a:r>
+            <a:r>
+              <a:rPr lang="en-US" dirty="0" err="1" smtClean="0"/>
+              <a:t>không</a:t>
+            </a:r>
+            <a:r>
+              <a:rPr lang="en-US" dirty="0" smtClean="0"/>
+              <a:t> </a:t>
+            </a:r>
+            <a:r>
+              <a:rPr lang="en-US" dirty="0" err="1" smtClean="0"/>
+              <a:t>gian</a:t>
+            </a:r>
+            <a:r>
+              <a:rPr lang="en-US" dirty="0" smtClean="0"/>
+              <a:t> </a:t>
+            </a:r>
+            <a:r>
+              <a:rPr lang="en-US" dirty="0" err="1" smtClean="0"/>
+              <a:t>khuôn</a:t>
+            </a:r>
+            <a:r>
+              <a:rPr lang="en-US" dirty="0" smtClean="0"/>
+              <a:t> </a:t>
+            </a:r>
+            <a:r>
+              <a:rPr lang="en-US" dirty="0" err="1" smtClean="0"/>
+              <a:t>mặt</a:t>
+            </a:r>
+            <a:r>
+              <a:rPr lang="en-US" dirty="0" smtClean="0"/>
+              <a:t> </a:t>
+            </a:r>
+            <a:r>
+              <a:rPr lang="en-US" dirty="0" err="1" smtClean="0"/>
+              <a:t>riêng</a:t>
+            </a:r>
+            <a:r>
+              <a:rPr lang="en-US" dirty="0" smtClean="0"/>
+              <a:t> (</a:t>
+            </a:r>
+            <a:r>
+              <a:rPr lang="en-US" dirty="0" err="1" smtClean="0"/>
+              <a:t>eigenface</a:t>
+            </a:r>
+            <a:r>
+              <a:rPr lang="en-US" dirty="0" smtClean="0"/>
+              <a:t> space). </a:t>
+            </a:r>
+            <a:r>
+              <a:rPr lang="en-US" dirty="0" err="1" smtClean="0"/>
+              <a:t>Những</a:t>
+            </a:r>
+            <a:r>
+              <a:rPr lang="en-US" dirty="0" smtClean="0"/>
+              <a:t> vector </a:t>
+            </a:r>
+            <a:r>
+              <a:rPr lang="en-US" dirty="0" err="1" smtClean="0"/>
+              <a:t>này</a:t>
+            </a:r>
+            <a:r>
+              <a:rPr lang="en-US" dirty="0" smtClean="0"/>
+              <a:t> </a:t>
+            </a:r>
+            <a:r>
+              <a:rPr lang="en-US" dirty="0" err="1" smtClean="0"/>
+              <a:t>là</a:t>
+            </a:r>
+            <a:r>
+              <a:rPr lang="en-US" dirty="0" smtClean="0"/>
+              <a:t> vector </a:t>
+            </a:r>
+            <a:r>
+              <a:rPr lang="en-US" dirty="0" err="1" smtClean="0"/>
+              <a:t>riêng</a:t>
+            </a:r>
+            <a:r>
+              <a:rPr lang="en-US" dirty="0" smtClean="0"/>
+              <a:t> </a:t>
+            </a:r>
+            <a:r>
+              <a:rPr lang="en-US" dirty="0" err="1" smtClean="0"/>
+              <a:t>của</a:t>
             </a:r>
             <a:r>
               <a:rPr lang="en-US" dirty="0" smtClean="0"/>
@@ -11535,605 +10999,359 @@
               <a:rPr lang="en-US" dirty="0" err="1" smtClean="0"/>
               <a:t>sai</a:t>
             </a:r>
+            <a:r>
+              <a:rPr lang="en-US" dirty="0" smtClean="0"/>
+              <a:t> , </a:t>
+            </a:r>
+            <a:r>
+              <a:rPr lang="en-US" dirty="0" err="1" smtClean="0"/>
+              <a:t>được</a:t>
+            </a:r>
+            <a:r>
+              <a:rPr lang="en-US" dirty="0" smtClean="0"/>
+              <a:t> </a:t>
+            </a:r>
+            <a:r>
+              <a:rPr lang="en-US" dirty="0" err="1" smtClean="0"/>
+              <a:t>gọi</a:t>
+            </a:r>
+            <a:r>
+              <a:rPr lang="en-US" dirty="0" smtClean="0"/>
+              <a:t> </a:t>
+            </a:r>
+            <a:r>
+              <a:rPr lang="en-US" dirty="0" err="1" smtClean="0"/>
+              <a:t>là</a:t>
+            </a:r>
+            <a:r>
+              <a:rPr lang="en-US" dirty="0" smtClean="0"/>
+              <a:t> </a:t>
+            </a:r>
+            <a:r>
+              <a:rPr lang="en-US" dirty="0" err="1" smtClean="0"/>
+              <a:t>các</a:t>
+            </a:r>
+            <a:r>
+              <a:rPr lang="en-US" dirty="0" smtClean="0"/>
+              <a:t> </a:t>
+            </a:r>
+            <a:r>
+              <a:rPr lang="en-US" dirty="0" err="1" smtClean="0"/>
+              <a:t>khuôn</a:t>
+            </a:r>
+            <a:r>
+              <a:rPr lang="en-US" dirty="0" smtClean="0"/>
+              <a:t> </a:t>
+            </a:r>
+            <a:r>
+              <a:rPr lang="en-US" dirty="0" err="1" smtClean="0"/>
+              <a:t>mặt</a:t>
+            </a:r>
+            <a:r>
+              <a:rPr lang="en-US" dirty="0" smtClean="0"/>
+              <a:t> </a:t>
+            </a:r>
+            <a:r>
+              <a:rPr lang="en-US" dirty="0" err="1" smtClean="0"/>
+              <a:t>riêng</a:t>
+            </a:r>
+            <a:r>
+              <a:rPr lang="en-US" dirty="0" smtClean="0"/>
+              <a:t>.</a:t>
+            </a:r>
+          </a:p>
+          <a:p>
+            <a:pPr lvl="0"/>
+            <a:r>
+              <a:rPr lang="en-US" dirty="0" err="1" smtClean="0"/>
+              <a:t>Sau</a:t>
+            </a:r>
+            <a:r>
+              <a:rPr lang="en-US" dirty="0" smtClean="0"/>
+              <a:t> </a:t>
+            </a:r>
+            <a:r>
+              <a:rPr lang="en-US" dirty="0" err="1" smtClean="0"/>
+              <a:t>khi</a:t>
+            </a:r>
+            <a:r>
+              <a:rPr lang="en-US" dirty="0" smtClean="0"/>
+              <a:t> </a:t>
+            </a:r>
+            <a:r>
+              <a:rPr lang="en-US" dirty="0" err="1" smtClean="0"/>
+              <a:t>có</a:t>
+            </a:r>
+            <a:r>
+              <a:rPr lang="en-US" dirty="0" smtClean="0"/>
+              <a:t> M </a:t>
+            </a:r>
+            <a:r>
+              <a:rPr lang="en-US" dirty="0" err="1" smtClean="0"/>
+              <a:t>trị</a:t>
+            </a:r>
+            <a:r>
+              <a:rPr lang="en-US" dirty="0" smtClean="0"/>
+              <a:t> </a:t>
+            </a:r>
+            <a:r>
+              <a:rPr lang="en-US" dirty="0" err="1" smtClean="0"/>
+              <a:t>riêng</a:t>
+            </a:r>
+            <a:r>
+              <a:rPr lang="en-US" dirty="0" smtClean="0"/>
+              <a:t>, </a:t>
+            </a:r>
+            <a:r>
+              <a:rPr lang="en-US" dirty="0" err="1" smtClean="0"/>
+              <a:t>chỉ</a:t>
+            </a:r>
+            <a:r>
+              <a:rPr lang="en-US" dirty="0" smtClean="0"/>
+              <a:t> </a:t>
+            </a:r>
+            <a:r>
+              <a:rPr lang="en-US" dirty="0" err="1" smtClean="0"/>
+              <a:t>giữ</a:t>
+            </a:r>
+            <a:r>
+              <a:rPr lang="en-US" dirty="0" smtClean="0"/>
+              <a:t> </a:t>
+            </a:r>
+            <a:r>
+              <a:rPr lang="en-US" dirty="0" err="1" smtClean="0"/>
+              <a:t>lại</a:t>
+            </a:r>
+            <a:r>
+              <a:rPr lang="en-US" dirty="0" smtClean="0"/>
+              <a:t> M’ (&lt; M) </a:t>
+            </a:r>
+            <a:r>
+              <a:rPr lang="en-US" dirty="0" err="1" smtClean="0"/>
+              <a:t>trị</a:t>
+            </a:r>
+            <a:r>
+              <a:rPr lang="en-US" dirty="0" smtClean="0"/>
+              <a:t> </a:t>
+            </a:r>
+            <a:r>
+              <a:rPr lang="en-US" dirty="0" err="1" smtClean="0"/>
+              <a:t>riêng</a:t>
+            </a:r>
+            <a:r>
+              <a:rPr lang="en-US" dirty="0" smtClean="0"/>
+              <a:t> </a:t>
+            </a:r>
+            <a:r>
+              <a:rPr lang="en-US" dirty="0" err="1" smtClean="0"/>
+              <a:t>lớn</a:t>
+            </a:r>
+            <a:r>
+              <a:rPr lang="en-US" dirty="0" smtClean="0"/>
+              <a:t> </a:t>
+            </a:r>
+            <a:r>
+              <a:rPr lang="en-US" dirty="0" err="1" smtClean="0"/>
+              <a:t>nhất</a:t>
+            </a:r>
+            <a:r>
+              <a:rPr lang="en-US" dirty="0" smtClean="0"/>
+              <a:t>.</a:t>
+            </a:r>
+          </a:p>
+          <a:p>
+            <a:pPr lvl="0"/>
+            <a:r>
+              <a:rPr lang="en-US" dirty="0" err="1" smtClean="0"/>
+              <a:t>Các</a:t>
+            </a:r>
+            <a:r>
+              <a:rPr lang="en-US" dirty="0" smtClean="0"/>
+              <a:t> </a:t>
+            </a:r>
+            <a:r>
+              <a:rPr lang="en-US" dirty="0" err="1" smtClean="0"/>
+              <a:t>vectơ</a:t>
+            </a:r>
+            <a:r>
+              <a:rPr lang="en-US" dirty="0" smtClean="0"/>
+              <a:t> </a:t>
+            </a:r>
+            <a:r>
+              <a:rPr lang="en-US" dirty="0" err="1" smtClean="0"/>
+              <a:t>riêng</a:t>
+            </a:r>
+            <a:r>
+              <a:rPr lang="en-US" dirty="0" smtClean="0"/>
+              <a:t> </a:t>
+            </a:r>
+            <a:r>
+              <a:rPr lang="en-US" dirty="0" err="1" smtClean="0"/>
+              <a:t>ứng</a:t>
+            </a:r>
+            <a:r>
+              <a:rPr lang="en-US" dirty="0" smtClean="0"/>
+              <a:t> </a:t>
+            </a:r>
+            <a:r>
+              <a:rPr lang="en-US" dirty="0" err="1" smtClean="0"/>
+              <a:t>với</a:t>
+            </a:r>
+            <a:r>
+              <a:rPr lang="en-US" dirty="0" smtClean="0"/>
+              <a:t> </a:t>
+            </a:r>
+            <a:r>
+              <a:rPr lang="en-US" dirty="0" err="1" smtClean="0"/>
+              <a:t>các</a:t>
+            </a:r>
+            <a:r>
+              <a:rPr lang="en-US" dirty="0" smtClean="0"/>
+              <a:t> </a:t>
+            </a:r>
+            <a:r>
+              <a:rPr lang="en-US" dirty="0" err="1" smtClean="0"/>
+              <a:t>trị</a:t>
+            </a:r>
+            <a:r>
+              <a:rPr lang="en-US" dirty="0" smtClean="0"/>
+              <a:t> </a:t>
+            </a:r>
+            <a:r>
+              <a:rPr lang="en-US" dirty="0" err="1" smtClean="0"/>
+              <a:t>riêng</a:t>
+            </a:r>
+            <a:r>
+              <a:rPr lang="en-US" dirty="0" smtClean="0"/>
+              <a:t> </a:t>
+            </a:r>
+            <a:r>
+              <a:rPr lang="en-US" dirty="0" err="1" smtClean="0"/>
+              <a:t>có</a:t>
+            </a:r>
+            <a:r>
+              <a:rPr lang="en-US" dirty="0" smtClean="0"/>
+              <a:t> </a:t>
+            </a:r>
+            <a:r>
+              <a:rPr lang="en-US" dirty="0" err="1" smtClean="0"/>
+              <a:t>giá</a:t>
+            </a:r>
+            <a:r>
+              <a:rPr lang="en-US" dirty="0" smtClean="0"/>
+              <a:t> </a:t>
+            </a:r>
+            <a:r>
+              <a:rPr lang="en-US" dirty="0" err="1" smtClean="0"/>
+              <a:t>trị</a:t>
+            </a:r>
+            <a:r>
+              <a:rPr lang="en-US" dirty="0" smtClean="0"/>
+              <a:t> </a:t>
+            </a:r>
+            <a:r>
+              <a:rPr lang="en-US" dirty="0" err="1" smtClean="0"/>
+              <a:t>lớn</a:t>
+            </a:r>
+            <a:r>
+              <a:rPr lang="en-US" dirty="0" smtClean="0"/>
+              <a:t> </a:t>
+            </a:r>
+            <a:r>
+              <a:rPr lang="en-US" dirty="0" err="1" smtClean="0"/>
+              <a:t>mô</a:t>
+            </a:r>
+            <a:r>
+              <a:rPr lang="en-US" dirty="0" smtClean="0"/>
+              <a:t> </a:t>
+            </a:r>
+            <a:r>
+              <a:rPr lang="en-US" dirty="0" err="1" smtClean="0"/>
+              <a:t>tả</a:t>
+            </a:r>
+            <a:r>
+              <a:rPr lang="en-US" dirty="0" smtClean="0"/>
+              <a:t> </a:t>
+            </a:r>
+            <a:r>
+              <a:rPr lang="en-US" dirty="0" err="1" smtClean="0"/>
+              <a:t>các</a:t>
+            </a:r>
+            <a:r>
+              <a:rPr lang="en-US" dirty="0" smtClean="0"/>
+              <a:t> </a:t>
+            </a:r>
+            <a:r>
+              <a:rPr lang="en-US" dirty="0" err="1" smtClean="0"/>
+              <a:t>đặc</a:t>
+            </a:r>
+            <a:r>
+              <a:rPr lang="en-US" dirty="0" smtClean="0"/>
+              <a:t> </a:t>
+            </a:r>
+            <a:r>
+              <a:rPr lang="en-US" dirty="0" err="1" smtClean="0"/>
+              <a:t>trưng</a:t>
+            </a:r>
+            <a:r>
+              <a:rPr lang="en-US" dirty="0" smtClean="0"/>
+              <a:t> </a:t>
+            </a:r>
+            <a:r>
+              <a:rPr lang="en-US" dirty="0" err="1" smtClean="0"/>
+              <a:t>tốt</a:t>
+            </a:r>
+            <a:r>
+              <a:rPr lang="en-US" dirty="0" smtClean="0"/>
+              <a:t> </a:t>
+            </a:r>
+            <a:r>
+              <a:rPr lang="en-US" dirty="0" err="1" smtClean="0"/>
+              <a:t>hơn</a:t>
+            </a:r>
+            <a:r>
+              <a:rPr lang="en-US" dirty="0" smtClean="0"/>
+              <a:t> </a:t>
+            </a:r>
+            <a:r>
+              <a:rPr lang="en-US" dirty="0" err="1" smtClean="0"/>
+              <a:t>các</a:t>
+            </a:r>
+            <a:r>
+              <a:rPr lang="en-US" dirty="0" smtClean="0"/>
+              <a:t> </a:t>
+            </a:r>
+            <a:r>
+              <a:rPr lang="en-US" dirty="0" err="1" smtClean="0"/>
+              <a:t>trị</a:t>
+            </a:r>
+            <a:r>
+              <a:rPr lang="en-US" dirty="0" smtClean="0"/>
+              <a:t> </a:t>
+            </a:r>
+            <a:r>
+              <a:rPr lang="en-US" dirty="0" err="1" smtClean="0"/>
+              <a:t>riêng</a:t>
+            </a:r>
+            <a:r>
+              <a:rPr lang="en-US" dirty="0" smtClean="0"/>
+              <a:t> </a:t>
+            </a:r>
+            <a:r>
+              <a:rPr lang="en-US" dirty="0" err="1" smtClean="0"/>
+              <a:t>nhỏ</a:t>
+            </a:r>
+            <a:r>
+              <a:rPr lang="en-US" dirty="0" smtClean="0"/>
+              <a:t>.</a:t>
+            </a:r>
+          </a:p>
+          <a:p>
+            <a:pPr lvl="0"/>
             <a:endParaRPr lang="en-US" dirty="0" smtClean="0"/>
-          </a:p>
-          <a:p>
-            <a:pPr>
-              <a:buNone/>
-            </a:pPr>
-            <a:r>
-              <a:rPr lang="en-US" dirty="0" smtClean="0"/>
-              <a:t>	(A = [Φ</a:t>
-            </a:r>
-            <a:r>
-              <a:rPr lang="en-US" baseline="-25000" dirty="0" smtClean="0"/>
-              <a:t>1</a:t>
-            </a:r>
-            <a:r>
-              <a:rPr lang="en-US" dirty="0" smtClean="0"/>
-              <a:t> Φ</a:t>
-            </a:r>
-            <a:r>
-              <a:rPr lang="en-US" baseline="-25000" dirty="0" smtClean="0"/>
-              <a:t>2 … </a:t>
-            </a:r>
-            <a:r>
-              <a:rPr lang="en-US" dirty="0" smtClean="0"/>
-              <a:t>Φ</a:t>
-            </a:r>
-            <a:r>
-              <a:rPr lang="en-US" baseline="-25000" dirty="0" smtClean="0"/>
-              <a:t>M</a:t>
-            </a:r>
-            <a:r>
-              <a:rPr lang="en-US" dirty="0" smtClean="0"/>
-              <a:t>])</a:t>
-            </a:r>
-          </a:p>
-          <a:p>
-            <a:endParaRPr lang="en-US" dirty="0" smtClean="0"/>
-          </a:p>
-          <a:p>
-            <a:r>
-              <a:rPr lang="en-US" dirty="0" smtClean="0"/>
-              <a:t>	 	</a:t>
-            </a:r>
-            <a:r>
-              <a:rPr lang="en-US" dirty="0" err="1" smtClean="0"/>
-              <a:t>A</a:t>
-            </a:r>
-            <a:r>
-              <a:rPr lang="en-US" baseline="30000" dirty="0" err="1" smtClean="0"/>
-              <a:t>T</a:t>
-            </a:r>
-            <a:r>
-              <a:rPr lang="en-US" dirty="0" err="1" smtClean="0"/>
-              <a:t>Av</a:t>
-            </a:r>
-            <a:r>
-              <a:rPr lang="en-US" baseline="-25000" dirty="0" err="1" smtClean="0"/>
-              <a:t>i</a:t>
-            </a:r>
-            <a:r>
-              <a:rPr lang="en-US" baseline="-25000" dirty="0" smtClean="0"/>
-              <a:t> </a:t>
-            </a:r>
-            <a:r>
-              <a:rPr lang="en-US" dirty="0" smtClean="0"/>
-              <a:t>= </a:t>
-            </a:r>
-            <a:r>
-              <a:rPr lang="en-US" dirty="0" err="1" smtClean="0"/>
-              <a:t>μ</a:t>
-            </a:r>
-            <a:r>
-              <a:rPr lang="en-US" baseline="-25000" dirty="0" err="1" smtClean="0"/>
-              <a:t>i</a:t>
-            </a:r>
-            <a:r>
-              <a:rPr lang="en-US" baseline="-25000" dirty="0" smtClean="0"/>
-              <a:t> </a:t>
-            </a:r>
-            <a:r>
-              <a:rPr lang="en-US" dirty="0" smtClean="0"/>
-              <a:t>v</a:t>
-            </a:r>
-            <a:r>
-              <a:rPr lang="en-US" baseline="-25000" dirty="0" smtClean="0"/>
-              <a:t>i</a:t>
-            </a:r>
-            <a:r>
-              <a:rPr lang="en-US" dirty="0" smtClean="0"/>
-              <a:t> (</a:t>
-            </a:r>
-            <a:r>
-              <a:rPr lang="en-US" dirty="0" err="1" smtClean="0"/>
-              <a:t>μ</a:t>
-            </a:r>
-            <a:r>
-              <a:rPr lang="en-US" baseline="-25000" dirty="0" err="1" smtClean="0"/>
-              <a:t>i</a:t>
-            </a:r>
-            <a:r>
-              <a:rPr lang="en-US" baseline="30000" dirty="0" smtClean="0"/>
-              <a:t> </a:t>
-            </a:r>
-            <a:r>
-              <a:rPr lang="en-US" dirty="0" smtClean="0"/>
-              <a:t> </a:t>
-            </a:r>
-            <a:r>
-              <a:rPr lang="en-US" dirty="0" err="1" smtClean="0"/>
-              <a:t>là</a:t>
-            </a:r>
-            <a:r>
-              <a:rPr lang="en-US" dirty="0" smtClean="0"/>
-              <a:t> </a:t>
-            </a:r>
-            <a:r>
-              <a:rPr lang="en-US" dirty="0" err="1" smtClean="0"/>
-              <a:t>các</a:t>
-            </a:r>
-            <a:r>
-              <a:rPr lang="en-US" dirty="0" smtClean="0"/>
-              <a:t> </a:t>
-            </a:r>
-            <a:r>
-              <a:rPr lang="en-US" dirty="0" err="1" smtClean="0"/>
-              <a:t>trị</a:t>
-            </a:r>
-            <a:r>
-              <a:rPr lang="en-US" dirty="0" smtClean="0"/>
-              <a:t> </a:t>
-            </a:r>
-            <a:r>
-              <a:rPr lang="en-US" dirty="0" err="1" smtClean="0"/>
-              <a:t>riêng</a:t>
-            </a:r>
-            <a:r>
-              <a:rPr lang="en-US" dirty="0" smtClean="0"/>
-              <a:t> </a:t>
-            </a:r>
-            <a:r>
-              <a:rPr lang="en-US" dirty="0" err="1" smtClean="0"/>
-              <a:t>của</a:t>
-            </a:r>
-            <a:r>
-              <a:rPr lang="en-US" dirty="0" smtClean="0"/>
-              <a:t> A</a:t>
-            </a:r>
-            <a:r>
-              <a:rPr lang="en-US" baseline="30000" dirty="0" smtClean="0"/>
-              <a:t>T</a:t>
-            </a:r>
-            <a:r>
-              <a:rPr lang="en-US" dirty="0" smtClean="0"/>
-              <a:t>A)</a:t>
-            </a:r>
-          </a:p>
-          <a:p>
-            <a:r>
-              <a:rPr lang="en-US" dirty="0" err="1" smtClean="0"/>
-              <a:t>Av</a:t>
-            </a:r>
-            <a:r>
-              <a:rPr lang="en-US" baseline="-25000" dirty="0" err="1" smtClean="0"/>
-              <a:t>i</a:t>
-            </a:r>
-            <a:r>
-              <a:rPr lang="en-US" dirty="0" smtClean="0"/>
-              <a:t> </a:t>
-            </a:r>
-            <a:r>
-              <a:rPr lang="en-US" dirty="0" err="1" smtClean="0"/>
-              <a:t>là</a:t>
-            </a:r>
-            <a:r>
-              <a:rPr lang="en-US" dirty="0" smtClean="0"/>
-              <a:t> vector </a:t>
-            </a:r>
-            <a:r>
-              <a:rPr lang="en-US" dirty="0" err="1" smtClean="0"/>
-              <a:t>riêng</a:t>
-            </a:r>
-            <a:r>
-              <a:rPr lang="en-US" dirty="0" smtClean="0"/>
-              <a:t> </a:t>
-            </a:r>
-            <a:r>
-              <a:rPr lang="en-US" dirty="0" err="1" smtClean="0"/>
-              <a:t>của</a:t>
-            </a:r>
-            <a:r>
-              <a:rPr lang="en-US" dirty="0" smtClean="0"/>
-              <a:t> C = AA</a:t>
-            </a:r>
-            <a:r>
-              <a:rPr lang="en-US" baseline="30000" dirty="0" smtClean="0"/>
-              <a:t>T</a:t>
-            </a:r>
-            <a:r>
-              <a:rPr lang="en-US" dirty="0" smtClean="0"/>
-              <a:t>. </a:t>
-            </a:r>
-            <a:r>
-              <a:rPr lang="en-US" dirty="0" err="1" smtClean="0"/>
-              <a:t>Nhân</a:t>
-            </a:r>
-            <a:r>
-              <a:rPr lang="en-US" dirty="0" smtClean="0"/>
-              <a:t> 2 </a:t>
-            </a:r>
-            <a:r>
-              <a:rPr lang="en-US" dirty="0" err="1" smtClean="0"/>
-              <a:t>vế</a:t>
-            </a:r>
-            <a:r>
-              <a:rPr lang="en-US" dirty="0" smtClean="0"/>
-              <a:t> </a:t>
-            </a:r>
-            <a:r>
-              <a:rPr lang="en-US" dirty="0" err="1" smtClean="0"/>
-              <a:t>của</a:t>
-            </a:r>
-            <a:r>
-              <a:rPr lang="en-US" dirty="0" smtClean="0"/>
-              <a:t> </a:t>
-            </a:r>
-            <a:r>
-              <a:rPr lang="en-US" dirty="0" err="1" smtClean="0"/>
-              <a:t>phương</a:t>
-            </a:r>
-            <a:r>
-              <a:rPr lang="en-US" dirty="0" smtClean="0"/>
-              <a:t> </a:t>
-            </a:r>
-            <a:r>
-              <a:rPr lang="en-US" dirty="0" err="1" smtClean="0"/>
-              <a:t>trình</a:t>
-            </a:r>
-            <a:r>
-              <a:rPr lang="en-US" dirty="0" smtClean="0"/>
-              <a:t> </a:t>
-            </a:r>
-            <a:r>
-              <a:rPr lang="en-US" dirty="0" err="1" smtClean="0"/>
-              <a:t>với</a:t>
-            </a:r>
-            <a:r>
-              <a:rPr lang="en-US" dirty="0" smtClean="0"/>
-              <a:t> ma </a:t>
-            </a:r>
-            <a:r>
-              <a:rPr lang="en-US" dirty="0" err="1" smtClean="0"/>
-              <a:t>trận</a:t>
-            </a:r>
-            <a:r>
-              <a:rPr lang="en-US" dirty="0" smtClean="0"/>
-              <a:t> A</a:t>
-            </a:r>
-          </a:p>
-          <a:p>
-            <a:pPr>
-              <a:buNone/>
-            </a:pPr>
-            <a:r>
-              <a:rPr lang="en-US" dirty="0" smtClean="0"/>
-              <a:t>	 		A </a:t>
-            </a:r>
-            <a:r>
-              <a:rPr lang="en-US" dirty="0" err="1" smtClean="0"/>
-              <a:t>A</a:t>
-            </a:r>
-            <a:r>
-              <a:rPr lang="en-US" baseline="30000" dirty="0" err="1" smtClean="0"/>
-              <a:t>T</a:t>
-            </a:r>
-            <a:r>
-              <a:rPr lang="en-US" dirty="0" err="1" smtClean="0"/>
-              <a:t>Av</a:t>
-            </a:r>
-            <a:r>
-              <a:rPr lang="en-US" baseline="-25000" dirty="0" err="1" smtClean="0"/>
-              <a:t>i</a:t>
-            </a:r>
-            <a:r>
-              <a:rPr lang="en-US" baseline="-25000" dirty="0" smtClean="0"/>
-              <a:t> </a:t>
-            </a:r>
-            <a:r>
-              <a:rPr lang="en-US" dirty="0" smtClean="0"/>
-              <a:t>= </a:t>
-            </a:r>
-            <a:r>
-              <a:rPr lang="en-US" dirty="0" err="1" smtClean="0"/>
-              <a:t>Aμ</a:t>
-            </a:r>
-            <a:r>
-              <a:rPr lang="en-US" baseline="-25000" dirty="0" err="1" smtClean="0"/>
-              <a:t>i</a:t>
-            </a:r>
-            <a:r>
-              <a:rPr lang="en-US" baseline="-25000" dirty="0" smtClean="0"/>
-              <a:t> </a:t>
-            </a:r>
-            <a:r>
-              <a:rPr lang="en-US" dirty="0" smtClean="0"/>
-              <a:t>v</a:t>
-            </a:r>
-            <a:r>
-              <a:rPr lang="en-US" baseline="-25000" dirty="0" smtClean="0"/>
-              <a:t>i</a:t>
-            </a:r>
-            <a:r>
-              <a:rPr lang="en-US" dirty="0" smtClean="0"/>
-              <a:t> = </a:t>
-            </a:r>
-            <a:r>
-              <a:rPr lang="en-US" dirty="0" err="1" smtClean="0"/>
-              <a:t>μ</a:t>
-            </a:r>
-            <a:r>
-              <a:rPr lang="en-US" baseline="-25000" dirty="0" err="1" smtClean="0"/>
-              <a:t>i</a:t>
-            </a:r>
-            <a:r>
-              <a:rPr lang="en-US" baseline="30000" dirty="0" smtClean="0"/>
-              <a:t> </a:t>
-            </a:r>
-            <a:r>
-              <a:rPr lang="en-US" dirty="0" smtClean="0"/>
-              <a:t>A</a:t>
-            </a:r>
-            <a:r>
-              <a:rPr lang="en-US" baseline="-25000" dirty="0" smtClean="0"/>
-              <a:t> </a:t>
-            </a:r>
-            <a:r>
-              <a:rPr lang="en-US" dirty="0" smtClean="0"/>
-              <a:t>v</a:t>
-            </a:r>
-            <a:r>
-              <a:rPr lang="en-US" baseline="-25000" dirty="0" smtClean="0"/>
-              <a:t>i</a:t>
-            </a:r>
-          </a:p>
-          <a:p>
-            <a:r>
-              <a:rPr lang="en-US" dirty="0" err="1" smtClean="0"/>
-              <a:t>Như</a:t>
-            </a:r>
-            <a:r>
-              <a:rPr lang="en-US" dirty="0" smtClean="0"/>
-              <a:t> </a:t>
-            </a:r>
-            <a:r>
-              <a:rPr lang="en-US" dirty="0" err="1" smtClean="0"/>
-              <a:t>vậy</a:t>
-            </a:r>
-            <a:r>
-              <a:rPr lang="en-US" dirty="0" smtClean="0"/>
-              <a:t>, </a:t>
-            </a:r>
-            <a:r>
-              <a:rPr lang="en-US" dirty="0" err="1" smtClean="0"/>
-              <a:t>bài</a:t>
-            </a:r>
-            <a:r>
-              <a:rPr lang="en-US" dirty="0" smtClean="0"/>
-              <a:t> </a:t>
-            </a:r>
-            <a:r>
-              <a:rPr lang="en-US" dirty="0" err="1" smtClean="0"/>
-              <a:t>toán</a:t>
-            </a:r>
-            <a:r>
-              <a:rPr lang="en-US" dirty="0" smtClean="0"/>
-              <a:t> </a:t>
-            </a:r>
-            <a:r>
-              <a:rPr lang="en-US" dirty="0" err="1" smtClean="0"/>
-              <a:t>quy</a:t>
-            </a:r>
-            <a:r>
-              <a:rPr lang="en-US" dirty="0" smtClean="0"/>
-              <a:t> </a:t>
-            </a:r>
-            <a:r>
-              <a:rPr lang="en-US" dirty="0" err="1" smtClean="0"/>
-              <a:t>về</a:t>
-            </a:r>
-            <a:r>
-              <a:rPr lang="en-US" dirty="0" smtClean="0"/>
-              <a:t> </a:t>
-            </a:r>
-            <a:r>
-              <a:rPr lang="en-US" dirty="0" err="1" smtClean="0"/>
-              <a:t>việc</a:t>
-            </a:r>
-            <a:r>
-              <a:rPr lang="en-US" dirty="0" smtClean="0"/>
-              <a:t> </a:t>
-            </a:r>
-            <a:r>
-              <a:rPr lang="en-US" dirty="0" err="1" smtClean="0"/>
-              <a:t>tính</a:t>
-            </a:r>
-            <a:r>
-              <a:rPr lang="en-US" dirty="0" smtClean="0"/>
-              <a:t> </a:t>
-            </a:r>
-            <a:r>
-              <a:rPr lang="en-US" dirty="0" err="1" smtClean="0"/>
-              <a:t>các</a:t>
-            </a:r>
-            <a:r>
-              <a:rPr lang="en-US" dirty="0" smtClean="0"/>
-              <a:t> </a:t>
-            </a:r>
-            <a:r>
-              <a:rPr lang="en-US" dirty="0" err="1" smtClean="0"/>
-              <a:t>trị</a:t>
-            </a:r>
-            <a:r>
-              <a:rPr lang="en-US" dirty="0" smtClean="0"/>
-              <a:t> </a:t>
-            </a:r>
-            <a:r>
-              <a:rPr lang="en-US" dirty="0" err="1" smtClean="0"/>
-              <a:t>riêng</a:t>
-            </a:r>
-            <a:r>
-              <a:rPr lang="en-US" dirty="0" smtClean="0"/>
-              <a:t> </a:t>
-            </a:r>
-            <a:r>
-              <a:rPr lang="en-US" dirty="0" err="1" smtClean="0"/>
-              <a:t>μ</a:t>
-            </a:r>
-            <a:r>
-              <a:rPr lang="en-US" baseline="-25000" dirty="0" err="1" smtClean="0"/>
-              <a:t>i</a:t>
-            </a:r>
-            <a:r>
-              <a:rPr lang="en-US" dirty="0" smtClean="0"/>
-              <a:t> </a:t>
-            </a:r>
-            <a:r>
-              <a:rPr lang="en-US" dirty="0" err="1" smtClean="0"/>
-              <a:t>và</a:t>
-            </a:r>
-            <a:r>
-              <a:rPr lang="en-US" dirty="0" smtClean="0"/>
-              <a:t> </a:t>
-            </a:r>
-            <a:r>
-              <a:rPr lang="en-US" dirty="0" err="1" smtClean="0"/>
-              <a:t>véctơ</a:t>
-            </a:r>
-            <a:r>
-              <a:rPr lang="en-US" dirty="0" smtClean="0"/>
-              <a:t> </a:t>
-            </a:r>
-            <a:r>
-              <a:rPr lang="en-US" dirty="0" err="1" smtClean="0"/>
-              <a:t>riêng</a:t>
-            </a:r>
-            <a:r>
-              <a:rPr lang="en-US" dirty="0" smtClean="0"/>
-              <a:t> v</a:t>
-            </a:r>
-            <a:r>
-              <a:rPr lang="en-US" baseline="-25000" dirty="0" smtClean="0"/>
-              <a:t>i</a:t>
-            </a:r>
-            <a:r>
-              <a:rPr lang="en-US" dirty="0" smtClean="0"/>
-              <a:t> </a:t>
-            </a:r>
-            <a:r>
-              <a:rPr lang="en-US" dirty="0" err="1" smtClean="0"/>
-              <a:t>của</a:t>
-            </a:r>
-            <a:r>
-              <a:rPr lang="en-US" dirty="0" smtClean="0"/>
-              <a:t> ma </a:t>
-            </a:r>
-            <a:r>
-              <a:rPr lang="en-US" dirty="0" err="1" smtClean="0"/>
-              <a:t>trận</a:t>
-            </a:r>
-            <a:r>
-              <a:rPr lang="en-US" dirty="0" smtClean="0"/>
-              <a:t> A</a:t>
-            </a:r>
-            <a:r>
-              <a:rPr lang="en-US" baseline="30000" dirty="0" smtClean="0"/>
-              <a:t>T</a:t>
-            </a:r>
-            <a:r>
-              <a:rPr lang="en-US" dirty="0" smtClean="0"/>
-              <a:t>A. </a:t>
-            </a:r>
-            <a:r>
-              <a:rPr lang="en-US" dirty="0" err="1" smtClean="0"/>
-              <a:t>Véctơ</a:t>
-            </a:r>
-            <a:r>
-              <a:rPr lang="en-US" dirty="0" smtClean="0"/>
-              <a:t> </a:t>
-            </a:r>
-            <a:r>
-              <a:rPr lang="en-US" dirty="0" err="1" smtClean="0"/>
-              <a:t>riêng</a:t>
-            </a:r>
-            <a:r>
-              <a:rPr lang="en-US" dirty="0" smtClean="0"/>
-              <a:t> </a:t>
-            </a:r>
-            <a:r>
-              <a:rPr lang="en-US" dirty="0" err="1" smtClean="0"/>
-              <a:t>của</a:t>
-            </a:r>
-            <a:r>
-              <a:rPr lang="en-US" dirty="0" smtClean="0"/>
-              <a:t> ma </a:t>
-            </a:r>
-            <a:r>
-              <a:rPr lang="en-US" dirty="0" err="1" smtClean="0"/>
-              <a:t>trận</a:t>
-            </a:r>
-            <a:r>
-              <a:rPr lang="en-US" dirty="0" smtClean="0"/>
-              <a:t> C=AA</a:t>
-            </a:r>
-            <a:r>
-              <a:rPr lang="en-US" baseline="30000" dirty="0" smtClean="0"/>
-              <a:t>T </a:t>
-            </a:r>
-            <a:r>
-              <a:rPr lang="en-US" dirty="0" smtClean="0"/>
-              <a:t> </a:t>
-            </a:r>
-            <a:r>
-              <a:rPr lang="en-US" dirty="0" err="1" smtClean="0"/>
-              <a:t>là</a:t>
-            </a:r>
-            <a:r>
-              <a:rPr lang="en-US" dirty="0" smtClean="0"/>
-              <a:t> </a:t>
-            </a:r>
-            <a:r>
-              <a:rPr lang="en-US" dirty="0" err="1" smtClean="0"/>
-              <a:t>u</a:t>
-            </a:r>
-            <a:r>
-              <a:rPr lang="en-US" baseline="-25000" dirty="0" err="1" smtClean="0"/>
-              <a:t>i</a:t>
-            </a:r>
-            <a:r>
-              <a:rPr lang="en-US" dirty="0" smtClean="0"/>
-              <a:t> = </a:t>
-            </a:r>
-            <a:r>
-              <a:rPr lang="en-US" dirty="0" err="1" smtClean="0"/>
-              <a:t>Av</a:t>
-            </a:r>
-            <a:r>
-              <a:rPr lang="en-US" baseline="-25000" dirty="0" err="1" smtClean="0"/>
-              <a:t>i</a:t>
-            </a:r>
-            <a:endParaRPr lang="en-US" dirty="0" smtClean="0"/>
-          </a:p>
-          <a:p>
-            <a:endParaRPr lang="en-US" baseline="30000" dirty="0" smtClean="0">
-              <a:sym typeface="Wingdings" pitchFamily="2" charset="2"/>
-            </a:endParaRPr>
           </a:p>
         </p:txBody>
       </p:sp>
-      <p:pic>
-        <p:nvPicPr>
-          <p:cNvPr id="5" name="Picture 4"/>
-          <p:cNvPicPr/>
-          <p:nvPr/>
-        </p:nvPicPr>
-        <p:blipFill>
-          <a:blip r:embed="rId2"/>
-          <a:stretch>
-            <a:fillRect/>
-          </a:stretch>
-        </p:blipFill>
-        <p:spPr>
-          <a:xfrm>
-            <a:off x="5500694" y="1857364"/>
-            <a:ext cx="2428892" cy="1214446"/>
-          </a:xfrm>
-          <a:prstGeom prst="rect">
-            <a:avLst/>
-          </a:prstGeom>
-        </p:spPr>
-      </p:pic>
     </p:spTree>
   </p:cSld>
   <p:clrMapOvr>
@@ -12251,7 +11469,7 @@
       </p:sp>
       <p:sp>
         <p:nvSpPr>
-          <p:cNvPr id="4" name="Content Placeholder 3"/>
+          <p:cNvPr id="6" name="Content Placeholder 5"/>
           <p:cNvSpPr>
             <a:spLocks noGrp="1"/>
           </p:cNvSpPr>
@@ -12261,72 +11479,644 @@
         </p:nvSpPr>
         <p:spPr/>
         <p:txBody>
-          <a:bodyPr/>
+          <a:bodyPr>
+            <a:normAutofit lnSpcReduction="10000"/>
+          </a:bodyPr>
           <a:lstStyle/>
           <a:p>
             <a:r>
               <a:rPr lang="en-US" dirty="0" err="1" smtClean="0"/>
-              <a:t>Tập</a:t>
-            </a:r>
-            <a:r>
-              <a:rPr lang="en-US" dirty="0" smtClean="0"/>
-              <a:t> </a:t>
-            </a:r>
-            <a:r>
-              <a:rPr lang="en-US" dirty="0" err="1" smtClean="0"/>
-              <a:t>dữ</a:t>
-            </a:r>
-            <a:r>
-              <a:rPr lang="en-US" dirty="0" smtClean="0"/>
-              <a:t> </a:t>
-            </a:r>
-            <a:r>
-              <a:rPr lang="en-US" dirty="0" err="1" smtClean="0"/>
-              <a:t>liệu</a:t>
-            </a:r>
-            <a:r>
-              <a:rPr lang="en-US" dirty="0" smtClean="0"/>
-              <a:t> </a:t>
-            </a:r>
-            <a:r>
-              <a:rPr lang="en-US" dirty="0" err="1" smtClean="0"/>
-              <a:t>học</a:t>
-            </a:r>
-            <a:endParaRPr lang="en-US" dirty="0"/>
+              <a:t>Tính</a:t>
+            </a:r>
+            <a:r>
+              <a:rPr lang="en-US" dirty="0" smtClean="0"/>
+              <a:t> ma </a:t>
+            </a:r>
+            <a:r>
+              <a:rPr lang="en-US" dirty="0" err="1" smtClean="0"/>
+              <a:t>trận</a:t>
+            </a:r>
+            <a:r>
+              <a:rPr lang="en-US" dirty="0" smtClean="0"/>
+              <a:t> </a:t>
+            </a:r>
+            <a:r>
+              <a:rPr lang="en-US" dirty="0" err="1" smtClean="0"/>
+              <a:t>hiệp</a:t>
+            </a:r>
+            <a:r>
+              <a:rPr lang="en-US" dirty="0" smtClean="0"/>
+              <a:t> </a:t>
+            </a:r>
+            <a:r>
+              <a:rPr lang="en-US" dirty="0" err="1" smtClean="0"/>
+              <a:t>phương</a:t>
+            </a:r>
+            <a:r>
+              <a:rPr lang="en-US" dirty="0" smtClean="0"/>
+              <a:t> </a:t>
+            </a:r>
+            <a:r>
+              <a:rPr lang="en-US" dirty="0" err="1" smtClean="0"/>
+              <a:t>sai</a:t>
+            </a:r>
+            <a:endParaRPr lang="en-US" dirty="0" smtClean="0"/>
+          </a:p>
+          <a:p>
+            <a:pPr>
+              <a:buNone/>
+            </a:pPr>
+            <a:r>
+              <a:rPr lang="en-US" dirty="0" smtClean="0"/>
+              <a:t>	(A = [Φ</a:t>
+            </a:r>
+            <a:r>
+              <a:rPr lang="en-US" baseline="-25000" dirty="0" smtClean="0"/>
+              <a:t>1</a:t>
+            </a:r>
+            <a:r>
+              <a:rPr lang="en-US" dirty="0" smtClean="0"/>
+              <a:t> Φ</a:t>
+            </a:r>
+            <a:r>
+              <a:rPr lang="en-US" baseline="-25000" dirty="0" smtClean="0"/>
+              <a:t>2 … </a:t>
+            </a:r>
+            <a:r>
+              <a:rPr lang="en-US" dirty="0" smtClean="0"/>
+              <a:t>Φ</a:t>
+            </a:r>
+            <a:r>
+              <a:rPr lang="en-US" baseline="-25000" dirty="0" smtClean="0"/>
+              <a:t>M</a:t>
+            </a:r>
+            <a:r>
+              <a:rPr lang="en-US" dirty="0" smtClean="0"/>
+              <a:t>])</a:t>
+            </a:r>
+          </a:p>
+          <a:p>
+            <a:endParaRPr lang="en-US" dirty="0" smtClean="0"/>
+          </a:p>
+          <a:p>
+            <a:r>
+              <a:rPr lang="en-US" dirty="0" smtClean="0"/>
+              <a:t>	 	</a:t>
+            </a:r>
+            <a:r>
+              <a:rPr lang="en-US" dirty="0" err="1" smtClean="0"/>
+              <a:t>A</a:t>
+            </a:r>
+            <a:r>
+              <a:rPr lang="en-US" baseline="30000" dirty="0" err="1" smtClean="0"/>
+              <a:t>T</a:t>
+            </a:r>
+            <a:r>
+              <a:rPr lang="en-US" dirty="0" err="1" smtClean="0"/>
+              <a:t>Av</a:t>
+            </a:r>
+            <a:r>
+              <a:rPr lang="en-US" baseline="-25000" dirty="0" err="1" smtClean="0"/>
+              <a:t>i</a:t>
+            </a:r>
+            <a:r>
+              <a:rPr lang="en-US" baseline="-25000" dirty="0" smtClean="0"/>
+              <a:t> </a:t>
+            </a:r>
+            <a:r>
+              <a:rPr lang="en-US" dirty="0" smtClean="0"/>
+              <a:t>= </a:t>
+            </a:r>
+            <a:r>
+              <a:rPr lang="en-US" dirty="0" err="1" smtClean="0"/>
+              <a:t>μ</a:t>
+            </a:r>
+            <a:r>
+              <a:rPr lang="en-US" baseline="-25000" dirty="0" err="1" smtClean="0"/>
+              <a:t>i</a:t>
+            </a:r>
+            <a:r>
+              <a:rPr lang="en-US" baseline="-25000" dirty="0" smtClean="0"/>
+              <a:t> </a:t>
+            </a:r>
+            <a:r>
+              <a:rPr lang="en-US" dirty="0" smtClean="0"/>
+              <a:t>v</a:t>
+            </a:r>
+            <a:r>
+              <a:rPr lang="en-US" baseline="-25000" dirty="0" smtClean="0"/>
+              <a:t>i</a:t>
+            </a:r>
+            <a:r>
+              <a:rPr lang="en-US" dirty="0" smtClean="0"/>
+              <a:t> (</a:t>
+            </a:r>
+            <a:r>
+              <a:rPr lang="en-US" dirty="0" err="1" smtClean="0"/>
+              <a:t>μ</a:t>
+            </a:r>
+            <a:r>
+              <a:rPr lang="en-US" baseline="-25000" dirty="0" err="1" smtClean="0"/>
+              <a:t>i</a:t>
+            </a:r>
+            <a:r>
+              <a:rPr lang="en-US" baseline="30000" dirty="0" smtClean="0"/>
+              <a:t> </a:t>
+            </a:r>
+            <a:r>
+              <a:rPr lang="en-US" dirty="0" smtClean="0"/>
+              <a:t> </a:t>
+            </a:r>
+            <a:r>
+              <a:rPr lang="en-US" dirty="0" err="1" smtClean="0"/>
+              <a:t>là</a:t>
+            </a:r>
+            <a:r>
+              <a:rPr lang="en-US" dirty="0" smtClean="0"/>
+              <a:t> </a:t>
+            </a:r>
+            <a:r>
+              <a:rPr lang="en-US" dirty="0" err="1" smtClean="0"/>
+              <a:t>các</a:t>
+            </a:r>
+            <a:r>
+              <a:rPr lang="en-US" dirty="0" smtClean="0"/>
+              <a:t> </a:t>
+            </a:r>
+            <a:r>
+              <a:rPr lang="en-US" dirty="0" err="1" smtClean="0"/>
+              <a:t>trị</a:t>
+            </a:r>
+            <a:r>
+              <a:rPr lang="en-US" dirty="0" smtClean="0"/>
+              <a:t> </a:t>
+            </a:r>
+            <a:r>
+              <a:rPr lang="en-US" dirty="0" err="1" smtClean="0"/>
+              <a:t>riêng</a:t>
+            </a:r>
+            <a:r>
+              <a:rPr lang="en-US" dirty="0" smtClean="0"/>
+              <a:t> </a:t>
+            </a:r>
+            <a:r>
+              <a:rPr lang="en-US" dirty="0" err="1" smtClean="0"/>
+              <a:t>của</a:t>
+            </a:r>
+            <a:r>
+              <a:rPr lang="en-US" dirty="0" smtClean="0"/>
+              <a:t> A</a:t>
+            </a:r>
+            <a:r>
+              <a:rPr lang="en-US" baseline="30000" dirty="0" smtClean="0"/>
+              <a:t>T</a:t>
+            </a:r>
+            <a:r>
+              <a:rPr lang="en-US" dirty="0" smtClean="0"/>
+              <a:t>A)</a:t>
+            </a:r>
+          </a:p>
+          <a:p>
+            <a:r>
+              <a:rPr lang="en-US" dirty="0" err="1" smtClean="0"/>
+              <a:t>Av</a:t>
+            </a:r>
+            <a:r>
+              <a:rPr lang="en-US" baseline="-25000" dirty="0" err="1" smtClean="0"/>
+              <a:t>i</a:t>
+            </a:r>
+            <a:r>
+              <a:rPr lang="en-US" dirty="0" smtClean="0"/>
+              <a:t> </a:t>
+            </a:r>
+            <a:r>
+              <a:rPr lang="en-US" dirty="0" err="1" smtClean="0"/>
+              <a:t>là</a:t>
+            </a:r>
+            <a:r>
+              <a:rPr lang="en-US" dirty="0" smtClean="0"/>
+              <a:t> vector </a:t>
+            </a:r>
+            <a:r>
+              <a:rPr lang="en-US" dirty="0" err="1" smtClean="0"/>
+              <a:t>riêng</a:t>
+            </a:r>
+            <a:r>
+              <a:rPr lang="en-US" dirty="0" smtClean="0"/>
+              <a:t> </a:t>
+            </a:r>
+            <a:r>
+              <a:rPr lang="en-US" dirty="0" err="1" smtClean="0"/>
+              <a:t>của</a:t>
+            </a:r>
+            <a:r>
+              <a:rPr lang="en-US" dirty="0" smtClean="0"/>
+              <a:t> C = AA</a:t>
+            </a:r>
+            <a:r>
+              <a:rPr lang="en-US" baseline="30000" dirty="0" smtClean="0"/>
+              <a:t>T</a:t>
+            </a:r>
+            <a:r>
+              <a:rPr lang="en-US" dirty="0" smtClean="0"/>
+              <a:t>. </a:t>
+            </a:r>
+            <a:r>
+              <a:rPr lang="en-US" dirty="0" err="1" smtClean="0"/>
+              <a:t>Nhân</a:t>
+            </a:r>
+            <a:r>
+              <a:rPr lang="en-US" dirty="0" smtClean="0"/>
+              <a:t> 2 </a:t>
+            </a:r>
+            <a:r>
+              <a:rPr lang="en-US" dirty="0" err="1" smtClean="0"/>
+              <a:t>vế</a:t>
+            </a:r>
+            <a:r>
+              <a:rPr lang="en-US" dirty="0" smtClean="0"/>
+              <a:t> </a:t>
+            </a:r>
+            <a:r>
+              <a:rPr lang="en-US" dirty="0" err="1" smtClean="0"/>
+              <a:t>của</a:t>
+            </a:r>
+            <a:r>
+              <a:rPr lang="en-US" dirty="0" smtClean="0"/>
+              <a:t> </a:t>
+            </a:r>
+            <a:r>
+              <a:rPr lang="en-US" dirty="0" err="1" smtClean="0"/>
+              <a:t>phương</a:t>
+            </a:r>
+            <a:r>
+              <a:rPr lang="en-US" dirty="0" smtClean="0"/>
+              <a:t> </a:t>
+            </a:r>
+            <a:r>
+              <a:rPr lang="en-US" dirty="0" err="1" smtClean="0"/>
+              <a:t>trình</a:t>
+            </a:r>
+            <a:r>
+              <a:rPr lang="en-US" dirty="0" smtClean="0"/>
+              <a:t> </a:t>
+            </a:r>
+            <a:r>
+              <a:rPr lang="en-US" dirty="0" err="1" smtClean="0"/>
+              <a:t>với</a:t>
+            </a:r>
+            <a:r>
+              <a:rPr lang="en-US" dirty="0" smtClean="0"/>
+              <a:t> ma </a:t>
+            </a:r>
+            <a:r>
+              <a:rPr lang="en-US" dirty="0" err="1" smtClean="0"/>
+              <a:t>trận</a:t>
+            </a:r>
+            <a:r>
+              <a:rPr lang="en-US" dirty="0" smtClean="0"/>
+              <a:t> A</a:t>
+            </a:r>
+          </a:p>
+          <a:p>
+            <a:pPr>
+              <a:buNone/>
+            </a:pPr>
+            <a:r>
+              <a:rPr lang="en-US" dirty="0" smtClean="0"/>
+              <a:t>	 		A </a:t>
+            </a:r>
+            <a:r>
+              <a:rPr lang="en-US" dirty="0" err="1" smtClean="0"/>
+              <a:t>A</a:t>
+            </a:r>
+            <a:r>
+              <a:rPr lang="en-US" baseline="30000" dirty="0" err="1" smtClean="0"/>
+              <a:t>T</a:t>
+            </a:r>
+            <a:r>
+              <a:rPr lang="en-US" dirty="0" err="1" smtClean="0"/>
+              <a:t>Av</a:t>
+            </a:r>
+            <a:r>
+              <a:rPr lang="en-US" baseline="-25000" dirty="0" err="1" smtClean="0"/>
+              <a:t>i</a:t>
+            </a:r>
+            <a:r>
+              <a:rPr lang="en-US" baseline="-25000" dirty="0" smtClean="0"/>
+              <a:t> </a:t>
+            </a:r>
+            <a:r>
+              <a:rPr lang="en-US" dirty="0" smtClean="0"/>
+              <a:t>= </a:t>
+            </a:r>
+            <a:r>
+              <a:rPr lang="en-US" dirty="0" err="1" smtClean="0"/>
+              <a:t>Aμ</a:t>
+            </a:r>
+            <a:r>
+              <a:rPr lang="en-US" baseline="-25000" dirty="0" err="1" smtClean="0"/>
+              <a:t>i</a:t>
+            </a:r>
+            <a:r>
+              <a:rPr lang="en-US" baseline="-25000" dirty="0" smtClean="0"/>
+              <a:t> </a:t>
+            </a:r>
+            <a:r>
+              <a:rPr lang="en-US" dirty="0" smtClean="0"/>
+              <a:t>v</a:t>
+            </a:r>
+            <a:r>
+              <a:rPr lang="en-US" baseline="-25000" dirty="0" smtClean="0"/>
+              <a:t>i</a:t>
+            </a:r>
+            <a:r>
+              <a:rPr lang="en-US" dirty="0" smtClean="0"/>
+              <a:t> = </a:t>
+            </a:r>
+            <a:r>
+              <a:rPr lang="en-US" dirty="0" err="1" smtClean="0"/>
+              <a:t>μ</a:t>
+            </a:r>
+            <a:r>
+              <a:rPr lang="en-US" baseline="-25000" dirty="0" err="1" smtClean="0"/>
+              <a:t>i</a:t>
+            </a:r>
+            <a:r>
+              <a:rPr lang="en-US" baseline="30000" dirty="0" smtClean="0"/>
+              <a:t> </a:t>
+            </a:r>
+            <a:r>
+              <a:rPr lang="en-US" dirty="0" smtClean="0"/>
+              <a:t>A</a:t>
+            </a:r>
+            <a:r>
+              <a:rPr lang="en-US" baseline="-25000" dirty="0" smtClean="0"/>
+              <a:t> </a:t>
+            </a:r>
+            <a:r>
+              <a:rPr lang="en-US" dirty="0" smtClean="0"/>
+              <a:t>v</a:t>
+            </a:r>
+            <a:r>
+              <a:rPr lang="en-US" baseline="-25000" dirty="0" smtClean="0"/>
+              <a:t>i</a:t>
+            </a:r>
+          </a:p>
+          <a:p>
+            <a:r>
+              <a:rPr lang="en-US" dirty="0" err="1" smtClean="0"/>
+              <a:t>Như</a:t>
+            </a:r>
+            <a:r>
+              <a:rPr lang="en-US" dirty="0" smtClean="0"/>
+              <a:t> </a:t>
+            </a:r>
+            <a:r>
+              <a:rPr lang="en-US" dirty="0" err="1" smtClean="0"/>
+              <a:t>vậy</a:t>
+            </a:r>
+            <a:r>
+              <a:rPr lang="en-US" dirty="0" smtClean="0"/>
+              <a:t>, </a:t>
+            </a:r>
+            <a:r>
+              <a:rPr lang="en-US" dirty="0" err="1" smtClean="0"/>
+              <a:t>bài</a:t>
+            </a:r>
+            <a:r>
+              <a:rPr lang="en-US" dirty="0" smtClean="0"/>
+              <a:t> </a:t>
+            </a:r>
+            <a:r>
+              <a:rPr lang="en-US" dirty="0" err="1" smtClean="0"/>
+              <a:t>toán</a:t>
+            </a:r>
+            <a:r>
+              <a:rPr lang="en-US" dirty="0" smtClean="0"/>
+              <a:t> </a:t>
+            </a:r>
+            <a:r>
+              <a:rPr lang="en-US" dirty="0" err="1" smtClean="0"/>
+              <a:t>quy</a:t>
+            </a:r>
+            <a:r>
+              <a:rPr lang="en-US" dirty="0" smtClean="0"/>
+              <a:t> </a:t>
+            </a:r>
+            <a:r>
+              <a:rPr lang="en-US" dirty="0" err="1" smtClean="0"/>
+              <a:t>về</a:t>
+            </a:r>
+            <a:r>
+              <a:rPr lang="en-US" dirty="0" smtClean="0"/>
+              <a:t> </a:t>
+            </a:r>
+            <a:r>
+              <a:rPr lang="en-US" dirty="0" err="1" smtClean="0"/>
+              <a:t>việc</a:t>
+            </a:r>
+            <a:r>
+              <a:rPr lang="en-US" dirty="0" smtClean="0"/>
+              <a:t> </a:t>
+            </a:r>
+            <a:r>
+              <a:rPr lang="en-US" dirty="0" err="1" smtClean="0"/>
+              <a:t>tính</a:t>
+            </a:r>
+            <a:r>
+              <a:rPr lang="en-US" dirty="0" smtClean="0"/>
+              <a:t> </a:t>
+            </a:r>
+            <a:r>
+              <a:rPr lang="en-US" dirty="0" err="1" smtClean="0"/>
+              <a:t>các</a:t>
+            </a:r>
+            <a:r>
+              <a:rPr lang="en-US" dirty="0" smtClean="0"/>
+              <a:t> </a:t>
+            </a:r>
+            <a:r>
+              <a:rPr lang="en-US" dirty="0" err="1" smtClean="0"/>
+              <a:t>trị</a:t>
+            </a:r>
+            <a:r>
+              <a:rPr lang="en-US" dirty="0" smtClean="0"/>
+              <a:t> </a:t>
+            </a:r>
+            <a:r>
+              <a:rPr lang="en-US" dirty="0" err="1" smtClean="0"/>
+              <a:t>riêng</a:t>
+            </a:r>
+            <a:r>
+              <a:rPr lang="en-US" dirty="0" smtClean="0"/>
+              <a:t> </a:t>
+            </a:r>
+            <a:r>
+              <a:rPr lang="en-US" dirty="0" err="1" smtClean="0"/>
+              <a:t>μ</a:t>
+            </a:r>
+            <a:r>
+              <a:rPr lang="en-US" baseline="-25000" dirty="0" err="1" smtClean="0"/>
+              <a:t>i</a:t>
+            </a:r>
+            <a:r>
+              <a:rPr lang="en-US" dirty="0" smtClean="0"/>
+              <a:t> </a:t>
+            </a:r>
+            <a:r>
+              <a:rPr lang="en-US" dirty="0" err="1" smtClean="0"/>
+              <a:t>và</a:t>
+            </a:r>
+            <a:r>
+              <a:rPr lang="en-US" dirty="0" smtClean="0"/>
+              <a:t> </a:t>
+            </a:r>
+            <a:r>
+              <a:rPr lang="en-US" dirty="0" err="1" smtClean="0"/>
+              <a:t>véctơ</a:t>
+            </a:r>
+            <a:r>
+              <a:rPr lang="en-US" dirty="0" smtClean="0"/>
+              <a:t> </a:t>
+            </a:r>
+            <a:r>
+              <a:rPr lang="en-US" dirty="0" err="1" smtClean="0"/>
+              <a:t>riêng</a:t>
+            </a:r>
+            <a:r>
+              <a:rPr lang="en-US" dirty="0" smtClean="0"/>
+              <a:t> v</a:t>
+            </a:r>
+            <a:r>
+              <a:rPr lang="en-US" baseline="-25000" dirty="0" smtClean="0"/>
+              <a:t>i</a:t>
+            </a:r>
+            <a:r>
+              <a:rPr lang="en-US" dirty="0" smtClean="0"/>
+              <a:t> </a:t>
+            </a:r>
+            <a:r>
+              <a:rPr lang="en-US" dirty="0" err="1" smtClean="0"/>
+              <a:t>của</a:t>
+            </a:r>
+            <a:r>
+              <a:rPr lang="en-US" dirty="0" smtClean="0"/>
+              <a:t> ma </a:t>
+            </a:r>
+            <a:r>
+              <a:rPr lang="en-US" dirty="0" err="1" smtClean="0"/>
+              <a:t>trận</a:t>
+            </a:r>
+            <a:r>
+              <a:rPr lang="en-US" dirty="0" smtClean="0"/>
+              <a:t> A</a:t>
+            </a:r>
+            <a:r>
+              <a:rPr lang="en-US" baseline="30000" dirty="0" smtClean="0"/>
+              <a:t>T</a:t>
+            </a:r>
+            <a:r>
+              <a:rPr lang="en-US" dirty="0" smtClean="0"/>
+              <a:t>A. </a:t>
+            </a:r>
+            <a:r>
+              <a:rPr lang="en-US" dirty="0" err="1" smtClean="0"/>
+              <a:t>Véctơ</a:t>
+            </a:r>
+            <a:r>
+              <a:rPr lang="en-US" dirty="0" smtClean="0"/>
+              <a:t> </a:t>
+            </a:r>
+            <a:r>
+              <a:rPr lang="en-US" dirty="0" err="1" smtClean="0"/>
+              <a:t>riêng</a:t>
+            </a:r>
+            <a:r>
+              <a:rPr lang="en-US" dirty="0" smtClean="0"/>
+              <a:t> </a:t>
+            </a:r>
+            <a:r>
+              <a:rPr lang="en-US" dirty="0" err="1" smtClean="0"/>
+              <a:t>của</a:t>
+            </a:r>
+            <a:r>
+              <a:rPr lang="en-US" dirty="0" smtClean="0"/>
+              <a:t> ma </a:t>
+            </a:r>
+            <a:r>
+              <a:rPr lang="en-US" dirty="0" err="1" smtClean="0"/>
+              <a:t>trận</a:t>
+            </a:r>
+            <a:r>
+              <a:rPr lang="en-US" dirty="0" smtClean="0"/>
+              <a:t> C=AA</a:t>
+            </a:r>
+            <a:r>
+              <a:rPr lang="en-US" baseline="30000" dirty="0" smtClean="0"/>
+              <a:t>T </a:t>
+            </a:r>
+            <a:r>
+              <a:rPr lang="en-US" dirty="0" smtClean="0"/>
+              <a:t> </a:t>
+            </a:r>
+            <a:r>
+              <a:rPr lang="en-US" dirty="0" err="1" smtClean="0"/>
+              <a:t>là</a:t>
+            </a:r>
+            <a:r>
+              <a:rPr lang="en-US" dirty="0" smtClean="0"/>
+              <a:t> </a:t>
+            </a:r>
+            <a:r>
+              <a:rPr lang="en-US" dirty="0" err="1" smtClean="0"/>
+              <a:t>u</a:t>
+            </a:r>
+            <a:r>
+              <a:rPr lang="en-US" baseline="-25000" dirty="0" err="1" smtClean="0"/>
+              <a:t>i</a:t>
+            </a:r>
+            <a:r>
+              <a:rPr lang="en-US" dirty="0" smtClean="0"/>
+              <a:t> = </a:t>
+            </a:r>
+            <a:r>
+              <a:rPr lang="en-US" dirty="0" err="1" smtClean="0"/>
+              <a:t>Av</a:t>
+            </a:r>
+            <a:r>
+              <a:rPr lang="en-US" baseline="-25000" dirty="0" err="1" smtClean="0"/>
+              <a:t>i</a:t>
+            </a:r>
+            <a:endParaRPr lang="en-US" dirty="0" smtClean="0"/>
+          </a:p>
+          <a:p>
+            <a:endParaRPr lang="en-US" baseline="30000" dirty="0" smtClean="0">
+              <a:sym typeface="Wingdings" pitchFamily="2" charset="2"/>
+            </a:endParaRPr>
           </a:p>
         </p:txBody>
       </p:sp>
       <p:pic>
         <p:nvPicPr>
-          <p:cNvPr id="5" name="Picture 2"/>
-          <p:cNvPicPr>
-            <a:picLocks noChangeAspect="1" noChangeArrowheads="1"/>
-          </p:cNvPicPr>
+          <p:cNvPr id="5" name="Picture 4"/>
+          <p:cNvPicPr/>
           <p:nvPr/>
         </p:nvPicPr>
         <p:blipFill>
           <a:blip r:embed="rId2"/>
-          <a:srcRect/>
           <a:stretch>
             <a:fillRect/>
           </a:stretch>
         </p:blipFill>
-        <p:spPr bwMode="auto">
+        <p:spPr>
           <a:xfrm>
-            <a:off x="2357422" y="2357430"/>
-            <a:ext cx="4643470" cy="4310007"/>
+            <a:off x="5500694" y="1857364"/>
+            <a:ext cx="2428892" cy="1214446"/>
           </a:xfrm>
           <a:prstGeom prst="rect">
             <a:avLst/>
           </a:prstGeom>
-          <a:noFill/>
-          <a:ln w="9525">
-            <a:noFill/>
-            <a:miter lim="800000"/>
-            <a:headEnd/>
-            <a:tailEnd/>
-          </a:ln>
-          <a:effectLst/>
         </p:spPr>
       </p:pic>
     </p:spTree>
@@ -12446,7 +12236,7 @@
       </p:sp>
       <p:sp>
         <p:nvSpPr>
-          <p:cNvPr id="6" name="Content Placeholder 5"/>
+          <p:cNvPr id="4" name="Content Placeholder 3"/>
           <p:cNvSpPr>
             <a:spLocks noGrp="1"/>
           </p:cNvSpPr>
@@ -12461,39 +12251,31 @@
           <a:p>
             <a:r>
               <a:rPr lang="en-US" dirty="0" err="1" smtClean="0"/>
-              <a:t>Vectơ</a:t>
-            </a:r>
-            <a:r>
-              <a:rPr lang="en-US" dirty="0" smtClean="0"/>
-              <a:t> </a:t>
-            </a:r>
-            <a:r>
-              <a:rPr lang="en-US" dirty="0" err="1" smtClean="0"/>
-              <a:t>khuôn</a:t>
-            </a:r>
-            <a:r>
-              <a:rPr lang="en-US" dirty="0" smtClean="0"/>
-              <a:t> </a:t>
-            </a:r>
-            <a:r>
-              <a:rPr lang="en-US" dirty="0" err="1" smtClean="0"/>
-              <a:t>mặt</a:t>
-            </a:r>
-            <a:r>
-              <a:rPr lang="en-US" dirty="0" smtClean="0"/>
-              <a:t> </a:t>
-            </a:r>
-            <a:r>
-              <a:rPr lang="en-US" dirty="0" err="1" smtClean="0"/>
-              <a:t>trung</a:t>
-            </a:r>
-            <a:r>
-              <a:rPr lang="en-US" dirty="0" smtClean="0"/>
-              <a:t> </a:t>
-            </a:r>
-            <a:r>
-              <a:rPr lang="en-US" dirty="0" err="1" smtClean="0"/>
-              <a:t>bình</a:t>
+              <a:t>Tập</a:t>
+            </a:r>
+            <a:r>
+              <a:rPr lang="en-US" dirty="0" smtClean="0"/>
+              <a:t> </a:t>
+            </a:r>
+            <a:r>
+              <a:rPr lang="en-US" dirty="0" err="1" smtClean="0"/>
+              <a:t>dữ</a:t>
+            </a:r>
+            <a:r>
+              <a:rPr lang="en-US" dirty="0" smtClean="0"/>
+              <a:t> </a:t>
+            </a:r>
+            <a:r>
+              <a:rPr lang="en-US" dirty="0" err="1" smtClean="0"/>
+              <a:t>liệu</a:t>
+            </a:r>
+            <a:r>
+              <a:rPr lang="en-US" dirty="0" smtClean="0"/>
+              <a:t> </a:t>
+            </a:r>
+            <a:r>
+              <a:rPr lang="en-US" dirty="0" err="1" smtClean="0"/>
+              <a:t>học</a:t>
             </a:r>
             <a:endParaRPr lang="en-US" dirty="0"/>
           </a:p>
@@ -12501,7 +12283,7 @@
       </p:sp>
       <p:pic>
         <p:nvPicPr>
-          <p:cNvPr id="2051" name="Picture 3"/>
+          <p:cNvPr id="5" name="Picture 2"/>
           <p:cNvPicPr>
             <a:picLocks noChangeAspect="1" noChangeArrowheads="1"/>
           </p:cNvPicPr>
@@ -12516,8 +12298,8 @@
         </p:blipFill>
         <p:spPr bwMode="auto">
           <a:xfrm>
-            <a:off x="3071802" y="2786058"/>
-            <a:ext cx="2857520" cy="3355178"/>
+            <a:off x="2357422" y="2357430"/>
+            <a:ext cx="4643470" cy="4310007"/>
           </a:xfrm>
           <a:prstGeom prst="rect">
             <a:avLst/>
@@ -12662,13 +12444,49 @@
           <a:bodyPr/>
           <a:lstStyle/>
           <a:p>
+            <a:r>
+              <a:rPr lang="en-US" dirty="0" err="1" smtClean="0"/>
+              <a:t>Vectơ</a:t>
+            </a:r>
+            <a:r>
+              <a:rPr lang="en-US" dirty="0" smtClean="0"/>
+              <a:t> </a:t>
+            </a:r>
+            <a:r>
+              <a:rPr lang="en-US" dirty="0" err="1" smtClean="0"/>
+              <a:t>khuôn</a:t>
+            </a:r>
+            <a:r>
+              <a:rPr lang="en-US" dirty="0" smtClean="0"/>
+              <a:t> </a:t>
+            </a:r>
+            <a:r>
+              <a:rPr lang="en-US" dirty="0" err="1" smtClean="0"/>
+              <a:t>mặt</a:t>
+            </a:r>
+            <a:r>
+              <a:rPr lang="en-US" dirty="0" smtClean="0"/>
+              <a:t> </a:t>
+            </a:r>
+            <a:r>
+              <a:rPr lang="en-US" dirty="0" err="1" smtClean="0"/>
+              <a:t>trung</a:t>
+            </a:r>
+            <a:r>
+              <a:rPr lang="en-US" dirty="0" smtClean="0"/>
+              <a:t> </a:t>
+            </a:r>
+            <a:r>
+              <a:rPr lang="en-US" dirty="0" err="1" smtClean="0"/>
+              <a:t>bình</a:t>
+            </a:r>
             <a:endParaRPr lang="en-US" dirty="0"/>
           </a:p>
         </p:txBody>
       </p:sp>
       <p:pic>
         <p:nvPicPr>
-          <p:cNvPr id="7" name="Picture 3"/>
+          <p:cNvPr id="2051" name="Picture 3"/>
           <p:cNvPicPr>
             <a:picLocks noChangeAspect="1" noChangeArrowheads="1"/>
           </p:cNvPicPr>
@@ -12683,8 +12501,8 @@
         </p:blipFill>
         <p:spPr bwMode="auto">
           <a:xfrm>
-            <a:off x="1928794" y="2643182"/>
-            <a:ext cx="4084954" cy="3456500"/>
+            <a:off x="3071802" y="2786058"/>
+            <a:ext cx="2857520" cy="3355178"/>
           </a:xfrm>
           <a:prstGeom prst="rect">
             <a:avLst/>
@@ -12749,7 +12567,7 @@
         </p:spPr>
         <p:txBody>
           <a:bodyPr>
-            <a:normAutofit/>
+            <a:normAutofit fontScale="90000"/>
           </a:bodyPr>
           <a:lstStyle/>
           <a:p>
@@ -12780,7 +12598,7 @@
             </a:r>
             <a:r>
               <a:rPr lang="en-US" sz="4400" dirty="0" err="1" smtClean="0"/>
-              <a:t>trọng</a:t>
+              <a:t>vectơ</a:t>
             </a:r>
             <a:r>
               <a:rPr lang="en-US" sz="4400" dirty="0" smtClean="0"/>
@@ -12788,7 +12606,27 @@
             </a:r>
             <a:r>
               <a:rPr lang="en-US" sz="4400" dirty="0" err="1" smtClean="0"/>
-              <a:t>số</a:t>
+              <a:t>khuôn</a:t>
+            </a:r>
+            <a:r>
+              <a:rPr lang="en-US" sz="4400" dirty="0" smtClean="0"/>
+              <a:t> </a:t>
+            </a:r>
+            <a:r>
+              <a:rPr lang="en-US" sz="4400" dirty="0" err="1" smtClean="0"/>
+              <a:t>mặt</a:t>
+            </a:r>
+            <a:r>
+              <a:rPr lang="en-US" sz="4400" dirty="0" smtClean="0"/>
+              <a:t> </a:t>
+            </a:r>
+            <a:r>
+              <a:rPr lang="en-US" sz="4400" dirty="0" err="1" smtClean="0"/>
+              <a:t>riêng</a:t>
+            </a:r>
+            <a:r>
+              <a:rPr lang="en-US" sz="4400" dirty="0" smtClean="0"/>
+              <a:t>:</a:t>
             </a:r>
             <a:endParaRPr lang="en-US" dirty="0"/>
           </a:p>
@@ -12806,1938 +12644,8 @@
         </p:nvSpPr>
         <p:spPr/>
         <p:txBody>
-          <a:bodyPr>
-            <a:normAutofit fontScale="62500" lnSpcReduction="20000"/>
-          </a:bodyPr>
+          <a:bodyPr/>
           <a:lstStyle/>
-          <a:p>
-            <a:r>
-              <a:rPr lang="en-US" dirty="0" err="1" smtClean="0"/>
-              <a:t>Biến</a:t>
-            </a:r>
-            <a:r>
-              <a:rPr lang="en-US" dirty="0" smtClean="0"/>
-              <a:t> </a:t>
-            </a:r>
-            <a:r>
-              <a:rPr lang="en-US" dirty="0" err="1" smtClean="0"/>
-              <a:t>đổi</a:t>
-            </a:r>
-            <a:r>
-              <a:rPr lang="en-US" dirty="0" smtClean="0"/>
-              <a:t> </a:t>
-            </a:r>
-            <a:r>
-              <a:rPr lang="en-US" dirty="0" err="1" smtClean="0"/>
-              <a:t>thành</a:t>
-            </a:r>
-            <a:r>
-              <a:rPr lang="en-US" dirty="0" smtClean="0"/>
-              <a:t> </a:t>
-            </a:r>
-            <a:r>
-              <a:rPr lang="en-US" dirty="0" err="1" smtClean="0"/>
-              <a:t>phần</a:t>
-            </a:r>
-            <a:r>
-              <a:rPr lang="en-US" dirty="0" smtClean="0"/>
-              <a:t> </a:t>
-            </a:r>
-            <a:r>
-              <a:rPr lang="en-US" dirty="0" err="1" smtClean="0"/>
-              <a:t>khuôn</a:t>
-            </a:r>
-            <a:r>
-              <a:rPr lang="en-US" dirty="0" smtClean="0"/>
-              <a:t> </a:t>
-            </a:r>
-            <a:r>
-              <a:rPr lang="en-US" dirty="0" err="1" smtClean="0"/>
-              <a:t>mặt</a:t>
-            </a:r>
-            <a:r>
-              <a:rPr lang="en-US" dirty="0" smtClean="0"/>
-              <a:t> </a:t>
-            </a:r>
-            <a:r>
-              <a:rPr lang="en-US" dirty="0" err="1" smtClean="0"/>
-              <a:t>riêng</a:t>
-            </a:r>
-            <a:r>
-              <a:rPr lang="en-US" dirty="0" smtClean="0"/>
-              <a:t> </a:t>
-            </a:r>
-            <a:r>
-              <a:rPr lang="en-US" dirty="0" err="1" smtClean="0"/>
-              <a:t>của</a:t>
-            </a:r>
-            <a:r>
-              <a:rPr lang="en-US" dirty="0" smtClean="0"/>
-              <a:t> </a:t>
-            </a:r>
-            <a:r>
-              <a:rPr lang="en-US" dirty="0" err="1" smtClean="0"/>
-              <a:t>một</a:t>
-            </a:r>
-            <a:r>
-              <a:rPr lang="en-US" dirty="0" smtClean="0"/>
-              <a:t> </a:t>
-            </a:r>
-            <a:r>
-              <a:rPr lang="en-US" dirty="0" err="1" smtClean="0"/>
-              <a:t>ảnh</a:t>
-            </a:r>
-            <a:r>
-              <a:rPr lang="en-US" dirty="0" smtClean="0"/>
-              <a:t> </a:t>
-            </a:r>
-            <a:r>
-              <a:rPr lang="en-US" dirty="0" err="1" smtClean="0"/>
-              <a:t>mới</a:t>
-            </a:r>
-            <a:r>
-              <a:rPr lang="en-US" dirty="0" smtClean="0"/>
-              <a:t>: </a:t>
-            </a:r>
-          </a:p>
-          <a:p>
-            <a:endParaRPr lang="en-US" dirty="0" smtClean="0"/>
-          </a:p>
-          <a:p>
-            <a:r>
-              <a:rPr lang="en-US" dirty="0" err="1" smtClean="0"/>
-              <a:t>Các</a:t>
-            </a:r>
-            <a:r>
-              <a:rPr lang="en-US" dirty="0" smtClean="0"/>
-              <a:t> </a:t>
-            </a:r>
-            <a:r>
-              <a:rPr lang="en-US" dirty="0" err="1" smtClean="0"/>
-              <a:t>trọng</a:t>
-            </a:r>
-            <a:r>
-              <a:rPr lang="en-US" dirty="0" smtClean="0"/>
-              <a:t> </a:t>
-            </a:r>
-            <a:r>
-              <a:rPr lang="en-US" dirty="0" err="1" smtClean="0"/>
-              <a:t>số</a:t>
-            </a:r>
-            <a:r>
-              <a:rPr lang="en-US" dirty="0" smtClean="0"/>
-              <a:t> </a:t>
-            </a:r>
-            <a:r>
-              <a:rPr lang="en-US" dirty="0" err="1" smtClean="0"/>
-              <a:t>của</a:t>
-            </a:r>
-            <a:r>
-              <a:rPr lang="en-US" dirty="0" smtClean="0"/>
-              <a:t> </a:t>
-            </a:r>
-            <a:r>
-              <a:rPr lang="en-US" dirty="0" err="1" smtClean="0"/>
-              <a:t>một</a:t>
-            </a:r>
-            <a:r>
-              <a:rPr lang="en-US" dirty="0" smtClean="0"/>
-              <a:t> vector Ω</a:t>
-            </a:r>
-            <a:r>
-              <a:rPr lang="en-US" baseline="30000" dirty="0" smtClean="0"/>
-              <a:t>T</a:t>
-            </a:r>
-            <a:r>
-              <a:rPr lang="en-US" dirty="0" smtClean="0"/>
-              <a:t> = [ω</a:t>
-            </a:r>
-            <a:r>
-              <a:rPr lang="en-US" baseline="-25000" dirty="0" smtClean="0"/>
-              <a:t>1,</a:t>
-            </a:r>
-            <a:r>
-              <a:rPr lang="en-US" dirty="0" smtClean="0"/>
-              <a:t> ω2, …, </a:t>
-            </a:r>
-            <a:r>
-              <a:rPr lang="en-US" dirty="0" err="1" smtClean="0"/>
-              <a:t>ω</a:t>
-            </a:r>
-            <a:r>
-              <a:rPr lang="en-US" baseline="-25000" dirty="0" err="1" smtClean="0"/>
-              <a:t>M</a:t>
-            </a:r>
-            <a:r>
-              <a:rPr lang="en-US" baseline="-25000" dirty="0" smtClean="0"/>
-              <a:t>’ </a:t>
-            </a:r>
-            <a:r>
-              <a:rPr lang="en-US" dirty="0" smtClean="0"/>
-              <a:t>] </a:t>
-            </a:r>
-            <a:r>
-              <a:rPr lang="en-US" dirty="0" err="1" smtClean="0"/>
-              <a:t>mô</a:t>
-            </a:r>
-            <a:r>
-              <a:rPr lang="en-US" dirty="0" smtClean="0"/>
-              <a:t> </a:t>
-            </a:r>
-            <a:r>
-              <a:rPr lang="en-US" dirty="0" err="1" smtClean="0"/>
-              <a:t>tả</a:t>
-            </a:r>
-            <a:r>
-              <a:rPr lang="en-US" dirty="0" smtClean="0"/>
-              <a:t> </a:t>
-            </a:r>
-            <a:r>
-              <a:rPr lang="en-US" dirty="0" err="1" smtClean="0"/>
-              <a:t>các</a:t>
-            </a:r>
-            <a:r>
-              <a:rPr lang="en-US" dirty="0" smtClean="0"/>
-              <a:t> </a:t>
-            </a:r>
-            <a:r>
-              <a:rPr lang="en-US" dirty="0" err="1" smtClean="0"/>
-              <a:t>phần</a:t>
-            </a:r>
-            <a:r>
-              <a:rPr lang="en-US" dirty="0" smtClean="0"/>
-              <a:t> </a:t>
-            </a:r>
-            <a:r>
-              <a:rPr lang="en-US" dirty="0" err="1" smtClean="0"/>
-              <a:t>liên</a:t>
-            </a:r>
-            <a:r>
-              <a:rPr lang="en-US" dirty="0" smtClean="0"/>
-              <a:t> </a:t>
-            </a:r>
-            <a:r>
-              <a:rPr lang="en-US" dirty="0" err="1" smtClean="0"/>
-              <a:t>quan</a:t>
-            </a:r>
-            <a:r>
-              <a:rPr lang="en-US" dirty="0" smtClean="0"/>
-              <a:t> </a:t>
-            </a:r>
-            <a:r>
-              <a:rPr lang="en-US" dirty="0" err="1" smtClean="0"/>
-              <a:t>của</a:t>
-            </a:r>
-            <a:r>
-              <a:rPr lang="en-US" dirty="0" smtClean="0"/>
-              <a:t> </a:t>
-            </a:r>
-            <a:r>
-              <a:rPr lang="en-US" dirty="0" err="1" smtClean="0"/>
-              <a:t>mỗi</a:t>
-            </a:r>
-            <a:r>
-              <a:rPr lang="en-US" dirty="0" smtClean="0"/>
-              <a:t> </a:t>
-            </a:r>
-            <a:r>
-              <a:rPr lang="en-US" dirty="0" err="1" smtClean="0"/>
-              <a:t>khuôn</a:t>
-            </a:r>
-            <a:r>
-              <a:rPr lang="en-US" dirty="0" smtClean="0"/>
-              <a:t> </a:t>
-            </a:r>
-            <a:r>
-              <a:rPr lang="en-US" dirty="0" err="1" smtClean="0"/>
-              <a:t>mặt</a:t>
-            </a:r>
-            <a:r>
-              <a:rPr lang="en-US" dirty="0" smtClean="0"/>
-              <a:t> </a:t>
-            </a:r>
-            <a:r>
-              <a:rPr lang="en-US" dirty="0" err="1" smtClean="0"/>
-              <a:t>riêng</a:t>
-            </a:r>
-            <a:r>
-              <a:rPr lang="en-US" dirty="0" smtClean="0"/>
-              <a:t> </a:t>
-            </a:r>
-            <a:r>
-              <a:rPr lang="en-US" dirty="0" err="1" smtClean="0"/>
-              <a:t>trong</a:t>
-            </a:r>
-            <a:r>
-              <a:rPr lang="en-US" dirty="0" smtClean="0"/>
-              <a:t> </a:t>
-            </a:r>
-            <a:r>
-              <a:rPr lang="en-US" dirty="0" err="1" smtClean="0"/>
-              <a:t>biểu</a:t>
-            </a:r>
-            <a:r>
-              <a:rPr lang="en-US" dirty="0" smtClean="0"/>
-              <a:t> </a:t>
-            </a:r>
-            <a:r>
-              <a:rPr lang="en-US" dirty="0" err="1" smtClean="0"/>
-              <a:t>diễn</a:t>
-            </a:r>
-            <a:r>
-              <a:rPr lang="en-US" dirty="0" smtClean="0"/>
-              <a:t> </a:t>
-            </a:r>
-            <a:r>
-              <a:rPr lang="en-US" dirty="0" err="1" smtClean="0"/>
-              <a:t>ảnh</a:t>
-            </a:r>
-            <a:r>
-              <a:rPr lang="en-US" dirty="0" smtClean="0"/>
-              <a:t> </a:t>
-            </a:r>
-            <a:r>
-              <a:rPr lang="en-US" dirty="0" err="1" smtClean="0"/>
-              <a:t>khuôn</a:t>
-            </a:r>
-            <a:r>
-              <a:rPr lang="en-US" dirty="0" smtClean="0"/>
-              <a:t> </a:t>
-            </a:r>
-            <a:r>
-              <a:rPr lang="en-US" dirty="0" err="1" smtClean="0"/>
-              <a:t>mặt</a:t>
-            </a:r>
-            <a:r>
-              <a:rPr lang="en-US" dirty="0" smtClean="0"/>
-              <a:t> </a:t>
-            </a:r>
-            <a:r>
-              <a:rPr lang="en-US" dirty="0" err="1" smtClean="0"/>
-              <a:t>nhập</a:t>
-            </a:r>
-            <a:r>
-              <a:rPr lang="en-US" dirty="0" smtClean="0"/>
-              <a:t> </a:t>
-            </a:r>
-            <a:r>
-              <a:rPr lang="en-US" dirty="0" err="1" smtClean="0"/>
-              <a:t>vào</a:t>
-            </a:r>
-            <a:r>
-              <a:rPr lang="en-US" dirty="0" smtClean="0"/>
-              <a:t>; </a:t>
-            </a:r>
-            <a:r>
-              <a:rPr lang="en-US" dirty="0" err="1" smtClean="0"/>
-              <a:t>coi</a:t>
-            </a:r>
-            <a:r>
-              <a:rPr lang="en-US" dirty="0" smtClean="0"/>
-              <a:t> </a:t>
-            </a:r>
-            <a:r>
-              <a:rPr lang="en-US" dirty="0" err="1" smtClean="0"/>
-              <a:t>các</a:t>
-            </a:r>
-            <a:r>
-              <a:rPr lang="en-US" dirty="0" smtClean="0"/>
-              <a:t> </a:t>
-            </a:r>
-            <a:r>
-              <a:rPr lang="en-US" dirty="0" err="1" smtClean="0"/>
-              <a:t>khuôn</a:t>
-            </a:r>
-            <a:r>
-              <a:rPr lang="en-US" dirty="0" smtClean="0"/>
-              <a:t> </a:t>
-            </a:r>
-            <a:r>
-              <a:rPr lang="en-US" dirty="0" err="1" smtClean="0"/>
-              <a:t>mặt</a:t>
-            </a:r>
-            <a:r>
-              <a:rPr lang="en-US" dirty="0" smtClean="0"/>
-              <a:t> </a:t>
-            </a:r>
-            <a:r>
-              <a:rPr lang="en-US" dirty="0" err="1" smtClean="0"/>
-              <a:t>riêng</a:t>
-            </a:r>
-            <a:r>
-              <a:rPr lang="en-US" dirty="0" smtClean="0"/>
-              <a:t> </a:t>
-            </a:r>
-            <a:r>
-              <a:rPr lang="en-US" dirty="0" err="1" smtClean="0"/>
-              <a:t>như</a:t>
-            </a:r>
-            <a:r>
-              <a:rPr lang="en-US" dirty="0" smtClean="0"/>
-              <a:t> </a:t>
-            </a:r>
-            <a:r>
-              <a:rPr lang="en-US" dirty="0" err="1" smtClean="0"/>
-              <a:t>môt</a:t>
-            </a:r>
-            <a:r>
-              <a:rPr lang="en-US" dirty="0" smtClean="0"/>
-              <a:t> </a:t>
-            </a:r>
-            <a:r>
-              <a:rPr lang="en-US" dirty="0" err="1" smtClean="0"/>
-              <a:t>tập</a:t>
-            </a:r>
-            <a:r>
-              <a:rPr lang="en-US" dirty="0" smtClean="0"/>
-              <a:t> </a:t>
-            </a:r>
-            <a:r>
-              <a:rPr lang="en-US" dirty="0" err="1" smtClean="0"/>
-              <a:t>cơ</a:t>
-            </a:r>
-            <a:r>
-              <a:rPr lang="en-US" dirty="0" smtClean="0"/>
-              <a:t> </a:t>
-            </a:r>
-            <a:r>
-              <a:rPr lang="en-US" dirty="0" err="1" smtClean="0"/>
-              <a:t>sở</a:t>
-            </a:r>
-            <a:r>
-              <a:rPr lang="en-US" dirty="0" smtClean="0"/>
-              <a:t> </a:t>
-            </a:r>
-            <a:r>
-              <a:rPr lang="en-US" dirty="0" err="1" smtClean="0"/>
-              <a:t>các</a:t>
-            </a:r>
-            <a:r>
-              <a:rPr lang="en-US" dirty="0" smtClean="0"/>
-              <a:t> </a:t>
-            </a:r>
-            <a:r>
-              <a:rPr lang="en-US" dirty="0" err="1" smtClean="0"/>
-              <a:t>ảnh</a:t>
-            </a:r>
-            <a:r>
-              <a:rPr lang="en-US" dirty="0" smtClean="0"/>
-              <a:t> </a:t>
-            </a:r>
-            <a:r>
-              <a:rPr lang="en-US" dirty="0" err="1" smtClean="0"/>
-              <a:t>khuôn</a:t>
-            </a:r>
-            <a:r>
-              <a:rPr lang="en-US" dirty="0" smtClean="0"/>
-              <a:t> </a:t>
-            </a:r>
-            <a:r>
-              <a:rPr lang="en-US" dirty="0" err="1" smtClean="0"/>
-              <a:t>mặt</a:t>
-            </a:r>
-            <a:r>
-              <a:rPr lang="en-US" dirty="0" smtClean="0"/>
-              <a:t>. Vector </a:t>
-            </a:r>
-            <a:r>
-              <a:rPr lang="en-US" dirty="0" err="1" smtClean="0"/>
-              <a:t>này</a:t>
-            </a:r>
-            <a:r>
-              <a:rPr lang="en-US" dirty="0" smtClean="0"/>
-              <a:t> </a:t>
-            </a:r>
-            <a:r>
-              <a:rPr lang="en-US" dirty="0" err="1" smtClean="0"/>
-              <a:t>có</a:t>
-            </a:r>
-            <a:r>
-              <a:rPr lang="en-US" dirty="0" smtClean="0"/>
-              <a:t> </a:t>
-            </a:r>
-            <a:r>
-              <a:rPr lang="en-US" dirty="0" err="1" smtClean="0"/>
-              <a:t>thể</a:t>
-            </a:r>
-            <a:r>
-              <a:rPr lang="en-US" dirty="0" smtClean="0"/>
-              <a:t> </a:t>
-            </a:r>
-            <a:r>
-              <a:rPr lang="en-US" dirty="0" err="1" smtClean="0"/>
-              <a:t>được</a:t>
-            </a:r>
-            <a:r>
-              <a:rPr lang="en-US" dirty="0" smtClean="0"/>
-              <a:t> </a:t>
-            </a:r>
-            <a:r>
-              <a:rPr lang="en-US" dirty="0" err="1" smtClean="0"/>
-              <a:t>sử</a:t>
-            </a:r>
-            <a:r>
-              <a:rPr lang="en-US" dirty="0" smtClean="0"/>
-              <a:t> </a:t>
-            </a:r>
-            <a:r>
-              <a:rPr lang="en-US" dirty="0" err="1" smtClean="0"/>
-              <a:t>dụng</a:t>
-            </a:r>
-            <a:r>
-              <a:rPr lang="en-US" dirty="0" smtClean="0"/>
-              <a:t> </a:t>
-            </a:r>
-            <a:r>
-              <a:rPr lang="en-US" dirty="0" err="1" smtClean="0"/>
-              <a:t>trong</a:t>
-            </a:r>
-            <a:r>
-              <a:rPr lang="en-US" dirty="0" smtClean="0"/>
-              <a:t> </a:t>
-            </a:r>
-            <a:r>
-              <a:rPr lang="en-US" dirty="0" err="1" smtClean="0"/>
-              <a:t>giải</a:t>
-            </a:r>
-            <a:r>
-              <a:rPr lang="en-US" dirty="0" smtClean="0"/>
-              <a:t> </a:t>
-            </a:r>
-            <a:r>
-              <a:rPr lang="en-US" dirty="0" err="1" smtClean="0"/>
-              <a:t>thuật</a:t>
-            </a:r>
-            <a:r>
-              <a:rPr lang="en-US" dirty="0" smtClean="0"/>
-              <a:t> </a:t>
-            </a:r>
-            <a:r>
-              <a:rPr lang="en-US" dirty="0" err="1" smtClean="0"/>
-              <a:t>nhận</a:t>
-            </a:r>
-            <a:r>
-              <a:rPr lang="en-US" dirty="0" smtClean="0"/>
-              <a:t> </a:t>
-            </a:r>
-            <a:r>
-              <a:rPr lang="en-US" dirty="0" err="1" smtClean="0"/>
-              <a:t>dạng</a:t>
-            </a:r>
-            <a:r>
-              <a:rPr lang="en-US" dirty="0" smtClean="0"/>
-              <a:t> chi </a:t>
-            </a:r>
-            <a:r>
-              <a:rPr lang="en-US" dirty="0" err="1" smtClean="0"/>
-              <a:t>tiết</a:t>
-            </a:r>
-            <a:r>
-              <a:rPr lang="en-US" dirty="0" smtClean="0"/>
-              <a:t> </a:t>
-            </a:r>
-            <a:r>
-              <a:rPr lang="en-US" dirty="0" err="1" smtClean="0"/>
-              <a:t>chuẩn</a:t>
-            </a:r>
-            <a:r>
-              <a:rPr lang="en-US" dirty="0" smtClean="0"/>
-              <a:t> </a:t>
-            </a:r>
-            <a:r>
-              <a:rPr lang="en-US" dirty="0" err="1" smtClean="0"/>
-              <a:t>để</a:t>
-            </a:r>
-            <a:r>
-              <a:rPr lang="en-US" dirty="0" smtClean="0"/>
-              <a:t> </a:t>
-            </a:r>
-            <a:r>
-              <a:rPr lang="en-US" dirty="0" err="1" smtClean="0"/>
-              <a:t>tìm</a:t>
-            </a:r>
-            <a:r>
-              <a:rPr lang="en-US" dirty="0" smtClean="0"/>
-              <a:t> </a:t>
-            </a:r>
-            <a:r>
-              <a:rPr lang="en-US" dirty="0" err="1" smtClean="0"/>
-              <a:t>ra</a:t>
-            </a:r>
-            <a:r>
-              <a:rPr lang="en-US" dirty="0" smtClean="0"/>
-              <a:t> </a:t>
-            </a:r>
-            <a:r>
-              <a:rPr lang="en-US" dirty="0" err="1" smtClean="0"/>
-              <a:t>một</a:t>
-            </a:r>
-            <a:r>
-              <a:rPr lang="en-US" dirty="0" smtClean="0"/>
-              <a:t> </a:t>
-            </a:r>
-            <a:r>
-              <a:rPr lang="en-US" dirty="0" err="1" smtClean="0"/>
-              <a:t>số</a:t>
-            </a:r>
-            <a:r>
-              <a:rPr lang="en-US" dirty="0" smtClean="0"/>
-              <a:t> </a:t>
-            </a:r>
-            <a:r>
-              <a:rPr lang="en-US" dirty="0" err="1" smtClean="0"/>
-              <a:t>các</a:t>
-            </a:r>
-            <a:r>
-              <a:rPr lang="en-US" dirty="0" smtClean="0"/>
-              <a:t> </a:t>
-            </a:r>
-            <a:r>
-              <a:rPr lang="en-US" dirty="0" err="1" smtClean="0"/>
-              <a:t>lớp</a:t>
-            </a:r>
-            <a:r>
-              <a:rPr lang="en-US" dirty="0" smtClean="0"/>
-              <a:t> </a:t>
-            </a:r>
-            <a:r>
-              <a:rPr lang="en-US" dirty="0" err="1" smtClean="0"/>
-              <a:t>khuôn</a:t>
-            </a:r>
-            <a:r>
-              <a:rPr lang="en-US" dirty="0" smtClean="0"/>
-              <a:t> </a:t>
-            </a:r>
-            <a:r>
-              <a:rPr lang="en-US" dirty="0" err="1" smtClean="0"/>
-              <a:t>mặt</a:t>
-            </a:r>
-            <a:r>
-              <a:rPr lang="en-US" dirty="0" smtClean="0"/>
-              <a:t> </a:t>
-            </a:r>
-            <a:r>
-              <a:rPr lang="en-US" dirty="0" err="1" smtClean="0"/>
-              <a:t>định</a:t>
-            </a:r>
-            <a:r>
-              <a:rPr lang="en-US" dirty="0" smtClean="0"/>
-              <a:t> </a:t>
-            </a:r>
-            <a:r>
-              <a:rPr lang="en-US" dirty="0" err="1" smtClean="0"/>
-              <a:t>trước</a:t>
-            </a:r>
-            <a:r>
-              <a:rPr lang="en-US" dirty="0" smtClean="0"/>
-              <a:t>. </a:t>
-            </a:r>
-            <a:r>
-              <a:rPr lang="en-US" dirty="0" err="1" smtClean="0"/>
-              <a:t>Phương</a:t>
-            </a:r>
-            <a:r>
-              <a:rPr lang="en-US" dirty="0" smtClean="0"/>
-              <a:t> </a:t>
-            </a:r>
-            <a:r>
-              <a:rPr lang="en-US" dirty="0" err="1" smtClean="0"/>
-              <a:t>pháp</a:t>
-            </a:r>
-            <a:r>
-              <a:rPr lang="en-US" dirty="0" smtClean="0"/>
-              <a:t> </a:t>
-            </a:r>
-            <a:r>
-              <a:rPr lang="en-US" dirty="0" err="1" smtClean="0"/>
-              <a:t>mà</a:t>
-            </a:r>
-            <a:r>
-              <a:rPr lang="en-US" dirty="0" smtClean="0"/>
-              <a:t> </a:t>
-            </a:r>
-            <a:r>
-              <a:rPr lang="en-US" dirty="0" err="1" smtClean="0"/>
-              <a:t>ứng</a:t>
-            </a:r>
-            <a:r>
-              <a:rPr lang="en-US" dirty="0" smtClean="0"/>
-              <a:t> </a:t>
-            </a:r>
-            <a:r>
-              <a:rPr lang="en-US" dirty="0" err="1" smtClean="0"/>
-              <a:t>dụng</a:t>
-            </a:r>
-            <a:r>
-              <a:rPr lang="en-US" dirty="0" smtClean="0"/>
-              <a:t> </a:t>
-            </a:r>
-            <a:r>
-              <a:rPr lang="en-US" dirty="0" err="1" smtClean="0"/>
-              <a:t>sử</a:t>
-            </a:r>
-            <a:r>
-              <a:rPr lang="en-US" dirty="0" smtClean="0"/>
-              <a:t> </a:t>
-            </a:r>
-            <a:r>
-              <a:rPr lang="en-US" dirty="0" err="1" smtClean="0"/>
-              <a:t>dụng</a:t>
-            </a:r>
-            <a:r>
-              <a:rPr lang="en-US" dirty="0" smtClean="0"/>
-              <a:t> </a:t>
-            </a:r>
-            <a:r>
-              <a:rPr lang="en-US" dirty="0" err="1" smtClean="0"/>
-              <a:t>để</a:t>
-            </a:r>
-            <a:r>
-              <a:rPr lang="en-US" dirty="0" smtClean="0"/>
-              <a:t> </a:t>
-            </a:r>
-            <a:r>
-              <a:rPr lang="en-US" dirty="0" err="1" smtClean="0"/>
-              <a:t>xác</a:t>
-            </a:r>
-            <a:r>
-              <a:rPr lang="en-US" dirty="0" smtClean="0"/>
-              <a:t> </a:t>
-            </a:r>
-            <a:r>
-              <a:rPr lang="en-US" dirty="0" err="1" smtClean="0"/>
-              <a:t>định</a:t>
-            </a:r>
-            <a:r>
-              <a:rPr lang="en-US" dirty="0" smtClean="0"/>
-              <a:t> </a:t>
-            </a:r>
-            <a:r>
-              <a:rPr lang="en-US" dirty="0" err="1" smtClean="0"/>
-              <a:t>lớp</a:t>
-            </a:r>
-            <a:r>
-              <a:rPr lang="en-US" dirty="0" smtClean="0"/>
-              <a:t> </a:t>
-            </a:r>
-            <a:r>
-              <a:rPr lang="en-US" dirty="0" err="1" smtClean="0"/>
-              <a:t>khuôn</a:t>
-            </a:r>
-            <a:r>
-              <a:rPr lang="en-US" dirty="0" smtClean="0"/>
-              <a:t> </a:t>
-            </a:r>
-            <a:r>
-              <a:rPr lang="en-US" dirty="0" err="1" smtClean="0"/>
-              <a:t>mặt</a:t>
-            </a:r>
-            <a:r>
-              <a:rPr lang="en-US" dirty="0" smtClean="0"/>
-              <a:t> </a:t>
-            </a:r>
-            <a:r>
-              <a:rPr lang="en-US" dirty="0" err="1" smtClean="0"/>
-              <a:t>nào</a:t>
-            </a:r>
-            <a:r>
-              <a:rPr lang="en-US" dirty="0" smtClean="0"/>
-              <a:t> </a:t>
-            </a:r>
-            <a:r>
-              <a:rPr lang="en-US" dirty="0" err="1" smtClean="0"/>
-              <a:t>mô</a:t>
-            </a:r>
-            <a:r>
-              <a:rPr lang="en-US" dirty="0" smtClean="0"/>
-              <a:t> </a:t>
-            </a:r>
-            <a:r>
-              <a:rPr lang="en-US" dirty="0" err="1" smtClean="0"/>
-              <a:t>tả</a:t>
-            </a:r>
-            <a:r>
-              <a:rPr lang="en-US" dirty="0" smtClean="0"/>
-              <a:t> </a:t>
-            </a:r>
-            <a:r>
-              <a:rPr lang="en-US" dirty="0" err="1" smtClean="0"/>
-              <a:t>tốt</a:t>
-            </a:r>
-            <a:r>
-              <a:rPr lang="en-US" dirty="0" smtClean="0"/>
-              <a:t> </a:t>
-            </a:r>
-            <a:r>
-              <a:rPr lang="en-US" dirty="0" err="1" smtClean="0"/>
-              <a:t>nhất</a:t>
-            </a:r>
-            <a:r>
-              <a:rPr lang="en-US" dirty="0" smtClean="0"/>
-              <a:t> </a:t>
-            </a:r>
-            <a:r>
-              <a:rPr lang="en-US" dirty="0" err="1" smtClean="0"/>
-              <a:t>ảnh</a:t>
-            </a:r>
-            <a:r>
-              <a:rPr lang="en-US" dirty="0" smtClean="0"/>
-              <a:t> </a:t>
-            </a:r>
-            <a:r>
-              <a:rPr lang="en-US" dirty="0" err="1" smtClean="0"/>
-              <a:t>khuôn</a:t>
-            </a:r>
-            <a:r>
-              <a:rPr lang="en-US" dirty="0" smtClean="0"/>
-              <a:t> </a:t>
-            </a:r>
-            <a:r>
-              <a:rPr lang="en-US" dirty="0" err="1" smtClean="0"/>
-              <a:t>mặt</a:t>
-            </a:r>
-            <a:r>
-              <a:rPr lang="en-US" dirty="0" smtClean="0"/>
-              <a:t> </a:t>
-            </a:r>
-            <a:r>
-              <a:rPr lang="en-US" dirty="0" err="1" smtClean="0"/>
-              <a:t>nhập</a:t>
-            </a:r>
-            <a:r>
-              <a:rPr lang="en-US" dirty="0" smtClean="0"/>
-              <a:t> </a:t>
-            </a:r>
-            <a:r>
-              <a:rPr lang="en-US" dirty="0" err="1" smtClean="0"/>
-              <a:t>vào</a:t>
-            </a:r>
-            <a:r>
-              <a:rPr lang="en-US" dirty="0" smtClean="0"/>
-              <a:t> </a:t>
-            </a:r>
-            <a:r>
-              <a:rPr lang="en-US" dirty="0" err="1" smtClean="0"/>
-              <a:t>là</a:t>
-            </a:r>
-            <a:r>
-              <a:rPr lang="en-US" dirty="0" smtClean="0"/>
-              <a:t> </a:t>
-            </a:r>
-            <a:r>
-              <a:rPr lang="en-US" dirty="0" err="1" smtClean="0"/>
-              <a:t>tìm</a:t>
-            </a:r>
-            <a:r>
-              <a:rPr lang="en-US" dirty="0" smtClean="0"/>
-              <a:t> </a:t>
-            </a:r>
-            <a:r>
-              <a:rPr lang="en-US" dirty="0" err="1" smtClean="0"/>
-              <a:t>lớp</a:t>
-            </a:r>
-            <a:r>
-              <a:rPr lang="en-US" dirty="0" smtClean="0"/>
-              <a:t> </a:t>
-            </a:r>
-            <a:r>
-              <a:rPr lang="en-US" dirty="0" err="1" smtClean="0"/>
-              <a:t>khuôn</a:t>
-            </a:r>
-            <a:r>
-              <a:rPr lang="en-US" dirty="0" smtClean="0"/>
-              <a:t> </a:t>
-            </a:r>
-            <a:r>
-              <a:rPr lang="en-US" dirty="0" err="1" smtClean="0"/>
-              <a:t>mặt</a:t>
-            </a:r>
-            <a:r>
-              <a:rPr lang="en-US" dirty="0" smtClean="0"/>
-              <a:t> k </a:t>
-            </a:r>
-            <a:r>
-              <a:rPr lang="en-US" dirty="0" err="1" smtClean="0"/>
-              <a:t>làm</a:t>
-            </a:r>
-            <a:r>
-              <a:rPr lang="en-US" dirty="0" smtClean="0"/>
-              <a:t> </a:t>
-            </a:r>
-            <a:r>
-              <a:rPr lang="en-US" dirty="0" err="1" smtClean="0"/>
-              <a:t>cực</a:t>
-            </a:r>
-            <a:r>
-              <a:rPr lang="en-US" dirty="0" smtClean="0"/>
-              <a:t> </a:t>
-            </a:r>
-            <a:r>
-              <a:rPr lang="en-US" dirty="0" err="1" smtClean="0"/>
-              <a:t>tiểu</a:t>
-            </a:r>
-            <a:r>
-              <a:rPr lang="en-US" dirty="0" smtClean="0"/>
-              <a:t> </a:t>
-            </a:r>
-            <a:r>
-              <a:rPr lang="en-US" dirty="0" err="1" smtClean="0"/>
-              <a:t>hóa</a:t>
-            </a:r>
-            <a:r>
-              <a:rPr lang="en-US" dirty="0" smtClean="0"/>
-              <a:t> </a:t>
-            </a:r>
-            <a:r>
-              <a:rPr lang="en-US" dirty="0" err="1" smtClean="0"/>
-              <a:t>khoảng</a:t>
-            </a:r>
-            <a:r>
-              <a:rPr lang="en-US" dirty="0" smtClean="0"/>
-              <a:t> </a:t>
-            </a:r>
-            <a:r>
-              <a:rPr lang="en-US" dirty="0" err="1" smtClean="0"/>
-              <a:t>cách</a:t>
-            </a:r>
-            <a:r>
-              <a:rPr lang="en-US" dirty="0" smtClean="0"/>
-              <a:t> </a:t>
-            </a:r>
-            <a:r>
-              <a:rPr lang="en-US" dirty="0" err="1" smtClean="0"/>
-              <a:t>Euclide</a:t>
-            </a:r>
-            <a:r>
-              <a:rPr lang="en-US" dirty="0" smtClean="0"/>
-              <a:t>:</a:t>
-            </a:r>
-          </a:p>
-          <a:p>
-            <a:endParaRPr lang="en-US" dirty="0" smtClean="0"/>
-          </a:p>
-          <a:p>
-            <a:endParaRPr lang="en-US" dirty="0" smtClean="0"/>
-          </a:p>
-          <a:p>
-            <a:r>
-              <a:rPr lang="en-US" dirty="0" err="1" smtClean="0"/>
-              <a:t>Với</a:t>
-            </a:r>
-            <a:r>
-              <a:rPr lang="en-US" dirty="0" smtClean="0"/>
-              <a:t> </a:t>
-            </a:r>
-            <a:r>
-              <a:rPr lang="en-US" dirty="0" err="1" smtClean="0"/>
-              <a:t>Ω</a:t>
-            </a:r>
-            <a:r>
-              <a:rPr lang="en-US" baseline="-25000" dirty="0" err="1" smtClean="0"/>
-              <a:t>k</a:t>
-            </a:r>
-            <a:r>
-              <a:rPr lang="en-US" baseline="-25000" dirty="0" smtClean="0"/>
-              <a:t> </a:t>
-            </a:r>
-            <a:r>
-              <a:rPr lang="en-US" dirty="0" err="1" smtClean="0"/>
-              <a:t>là</a:t>
-            </a:r>
-            <a:r>
-              <a:rPr lang="en-US" dirty="0" smtClean="0"/>
-              <a:t> </a:t>
-            </a:r>
-            <a:r>
-              <a:rPr lang="en-US" dirty="0" err="1" smtClean="0"/>
-              <a:t>một</a:t>
-            </a:r>
-            <a:r>
-              <a:rPr lang="en-US" dirty="0" smtClean="0"/>
-              <a:t> vector </a:t>
-            </a:r>
-            <a:r>
-              <a:rPr lang="en-US" dirty="0" err="1" smtClean="0"/>
-              <a:t>mô</a:t>
-            </a:r>
-            <a:r>
-              <a:rPr lang="en-US" dirty="0" smtClean="0"/>
-              <a:t> </a:t>
-            </a:r>
-            <a:r>
-              <a:rPr lang="en-US" dirty="0" err="1" smtClean="0"/>
-              <a:t>tả</a:t>
-            </a:r>
-            <a:r>
-              <a:rPr lang="en-US" dirty="0" smtClean="0"/>
-              <a:t> </a:t>
-            </a:r>
-            <a:r>
-              <a:rPr lang="en-US" dirty="0" err="1" smtClean="0"/>
-              <a:t>lớp</a:t>
-            </a:r>
-            <a:r>
-              <a:rPr lang="en-US" dirty="0" smtClean="0"/>
-              <a:t> </a:t>
-            </a:r>
-            <a:r>
-              <a:rPr lang="en-US" dirty="0" err="1" smtClean="0"/>
-              <a:t>khuôn</a:t>
-            </a:r>
-            <a:r>
-              <a:rPr lang="en-US" dirty="0" smtClean="0"/>
-              <a:t> </a:t>
-            </a:r>
-            <a:r>
-              <a:rPr lang="en-US" dirty="0" err="1" smtClean="0"/>
-              <a:t>mặt</a:t>
-            </a:r>
-            <a:r>
-              <a:rPr lang="en-US" dirty="0" smtClean="0"/>
-              <a:t> </a:t>
-            </a:r>
-            <a:r>
-              <a:rPr lang="en-US" dirty="0" err="1" smtClean="0"/>
-              <a:t>thứ</a:t>
-            </a:r>
-            <a:r>
-              <a:rPr lang="en-US" dirty="0" smtClean="0"/>
-              <a:t> k. </a:t>
-            </a:r>
-            <a:r>
-              <a:rPr lang="en-US" dirty="0" err="1" smtClean="0"/>
-              <a:t>Các</a:t>
-            </a:r>
-            <a:r>
-              <a:rPr lang="en-US" dirty="0" smtClean="0"/>
-              <a:t> </a:t>
-            </a:r>
-            <a:r>
-              <a:rPr lang="en-US" dirty="0" err="1" smtClean="0"/>
-              <a:t>lớp</a:t>
-            </a:r>
-            <a:r>
-              <a:rPr lang="en-US" dirty="0" smtClean="0"/>
-              <a:t> </a:t>
-            </a:r>
-            <a:r>
-              <a:rPr lang="en-US" dirty="0" err="1" smtClean="0"/>
-              <a:t>khuôn</a:t>
-            </a:r>
-            <a:r>
-              <a:rPr lang="en-US" dirty="0" smtClean="0"/>
-              <a:t> </a:t>
-            </a:r>
-            <a:r>
-              <a:rPr lang="en-US" dirty="0" err="1" smtClean="0"/>
-              <a:t>mặt</a:t>
-            </a:r>
-            <a:r>
-              <a:rPr lang="en-US" dirty="0" smtClean="0"/>
-              <a:t> </a:t>
-            </a:r>
-            <a:r>
-              <a:rPr lang="en-US" dirty="0" err="1" smtClean="0"/>
-              <a:t>Ω</a:t>
-            </a:r>
-            <a:r>
-              <a:rPr lang="en-US" baseline="-25000" dirty="0" err="1" smtClean="0"/>
-              <a:t>i</a:t>
-            </a:r>
-            <a:r>
-              <a:rPr lang="en-US" dirty="0" smtClean="0"/>
-              <a:t> </a:t>
-            </a:r>
-            <a:r>
-              <a:rPr lang="en-US" dirty="0" err="1" smtClean="0"/>
-              <a:t>được</a:t>
-            </a:r>
-            <a:r>
-              <a:rPr lang="en-US" dirty="0" smtClean="0"/>
-              <a:t> </a:t>
-            </a:r>
-            <a:r>
-              <a:rPr lang="en-US" dirty="0" err="1" smtClean="0"/>
-              <a:t>tính</a:t>
-            </a:r>
-            <a:r>
-              <a:rPr lang="en-US" dirty="0" smtClean="0"/>
-              <a:t> </a:t>
-            </a:r>
-            <a:r>
-              <a:rPr lang="en-US" dirty="0" err="1" smtClean="0"/>
-              <a:t>bằng</a:t>
-            </a:r>
-            <a:r>
-              <a:rPr lang="en-US" dirty="0" smtClean="0"/>
-              <a:t> </a:t>
-            </a:r>
-            <a:r>
-              <a:rPr lang="en-US" dirty="0" err="1" smtClean="0"/>
-              <a:t>cách</a:t>
-            </a:r>
-            <a:r>
-              <a:rPr lang="en-US" dirty="0" smtClean="0"/>
-              <a:t> </a:t>
-            </a:r>
-            <a:r>
-              <a:rPr lang="en-US" dirty="0" err="1" smtClean="0"/>
-              <a:t>lấy</a:t>
-            </a:r>
-            <a:r>
-              <a:rPr lang="en-US" dirty="0" smtClean="0"/>
-              <a:t> </a:t>
-            </a:r>
-            <a:r>
-              <a:rPr lang="en-US" dirty="0" err="1" smtClean="0"/>
-              <a:t>trung</a:t>
-            </a:r>
-            <a:r>
-              <a:rPr lang="en-US" dirty="0" smtClean="0"/>
-              <a:t> </a:t>
-            </a:r>
-            <a:r>
-              <a:rPr lang="en-US" dirty="0" err="1" smtClean="0"/>
-              <a:t>bình</a:t>
-            </a:r>
-            <a:r>
-              <a:rPr lang="en-US" dirty="0" smtClean="0"/>
-              <a:t> </a:t>
-            </a:r>
-            <a:r>
-              <a:rPr lang="en-US" dirty="0" err="1" smtClean="0"/>
-              <a:t>các</a:t>
-            </a:r>
-            <a:r>
-              <a:rPr lang="en-US" dirty="0" smtClean="0"/>
-              <a:t> </a:t>
-            </a:r>
-            <a:r>
-              <a:rPr lang="en-US" dirty="0" err="1" smtClean="0"/>
-              <a:t>kết</a:t>
-            </a:r>
-            <a:r>
-              <a:rPr lang="en-US" dirty="0" smtClean="0"/>
-              <a:t> </a:t>
-            </a:r>
-            <a:r>
-              <a:rPr lang="en-US" dirty="0" err="1" smtClean="0"/>
-              <a:t>quả</a:t>
-            </a:r>
-            <a:r>
-              <a:rPr lang="en-US" dirty="0" smtClean="0"/>
-              <a:t> </a:t>
-            </a:r>
-            <a:r>
-              <a:rPr lang="en-US" dirty="0" err="1" smtClean="0"/>
-              <a:t>của</a:t>
-            </a:r>
-            <a:r>
-              <a:rPr lang="en-US" dirty="0" smtClean="0"/>
-              <a:t> </a:t>
-            </a:r>
-            <a:r>
-              <a:rPr lang="en-US" dirty="0" err="1" smtClean="0"/>
-              <a:t>biểu</a:t>
-            </a:r>
-            <a:r>
-              <a:rPr lang="en-US" dirty="0" smtClean="0"/>
-              <a:t> </a:t>
-            </a:r>
-            <a:r>
-              <a:rPr lang="en-US" dirty="0" err="1" smtClean="0"/>
-              <a:t>diễn</a:t>
-            </a:r>
-            <a:r>
-              <a:rPr lang="en-US" dirty="0" smtClean="0"/>
-              <a:t> </a:t>
-            </a:r>
-            <a:r>
-              <a:rPr lang="en-US" dirty="0" err="1" smtClean="0"/>
-              <a:t>khuôn</a:t>
-            </a:r>
-            <a:r>
-              <a:rPr lang="en-US" dirty="0" smtClean="0"/>
-              <a:t> </a:t>
-            </a:r>
-            <a:r>
-              <a:rPr lang="en-US" dirty="0" err="1" smtClean="0"/>
-              <a:t>mặt</a:t>
-            </a:r>
-            <a:r>
-              <a:rPr lang="en-US" dirty="0" smtClean="0"/>
-              <a:t> </a:t>
-            </a:r>
-            <a:r>
-              <a:rPr lang="en-US" dirty="0" err="1" smtClean="0"/>
-              <a:t>riêng</a:t>
-            </a:r>
-            <a:r>
-              <a:rPr lang="en-US" dirty="0" smtClean="0"/>
-              <a:t> </a:t>
-            </a:r>
-            <a:r>
-              <a:rPr lang="en-US" dirty="0" err="1" smtClean="0"/>
-              <a:t>trên</a:t>
-            </a:r>
-            <a:r>
-              <a:rPr lang="en-US" dirty="0" smtClean="0"/>
-              <a:t> </a:t>
-            </a:r>
-            <a:r>
-              <a:rPr lang="en-US" dirty="0" err="1" smtClean="0"/>
-              <a:t>một</a:t>
-            </a:r>
-            <a:r>
-              <a:rPr lang="en-US" dirty="0" smtClean="0"/>
-              <a:t> </a:t>
-            </a:r>
-            <a:r>
-              <a:rPr lang="en-US" dirty="0" err="1" smtClean="0"/>
-              <a:t>số</a:t>
-            </a:r>
-            <a:r>
-              <a:rPr lang="en-US" dirty="0" smtClean="0"/>
-              <a:t> </a:t>
-            </a:r>
-            <a:r>
-              <a:rPr lang="en-US" dirty="0" err="1" smtClean="0"/>
-              <a:t>lượng</a:t>
-            </a:r>
-            <a:r>
-              <a:rPr lang="en-US" dirty="0" smtClean="0"/>
-              <a:t> </a:t>
-            </a:r>
-            <a:r>
-              <a:rPr lang="en-US" dirty="0" err="1" smtClean="0"/>
-              <a:t>nhỏ</a:t>
-            </a:r>
-            <a:r>
-              <a:rPr lang="en-US" dirty="0" smtClean="0"/>
-              <a:t> </a:t>
-            </a:r>
-            <a:r>
-              <a:rPr lang="en-US" dirty="0" err="1" smtClean="0"/>
-              <a:t>ảnh</a:t>
-            </a:r>
-            <a:r>
-              <a:rPr lang="en-US" dirty="0" smtClean="0"/>
-              <a:t> </a:t>
-            </a:r>
-            <a:r>
-              <a:rPr lang="en-US" dirty="0" err="1" smtClean="0"/>
-              <a:t>các</a:t>
-            </a:r>
-            <a:r>
-              <a:rPr lang="en-US" dirty="0" smtClean="0"/>
-              <a:t> </a:t>
-            </a:r>
-            <a:r>
-              <a:rPr lang="en-US" dirty="0" err="1" smtClean="0"/>
-              <a:t>khuôn</a:t>
-            </a:r>
-            <a:r>
-              <a:rPr lang="en-US" dirty="0" smtClean="0"/>
-              <a:t> </a:t>
-            </a:r>
-            <a:r>
-              <a:rPr lang="en-US" dirty="0" err="1" smtClean="0"/>
-              <a:t>mặt</a:t>
-            </a:r>
-            <a:r>
-              <a:rPr lang="en-US" dirty="0" smtClean="0"/>
-              <a:t> </a:t>
-            </a:r>
-            <a:r>
-              <a:rPr lang="en-US" dirty="0" err="1" smtClean="0"/>
-              <a:t>của</a:t>
-            </a:r>
-            <a:r>
-              <a:rPr lang="en-US" dirty="0" smtClean="0"/>
-              <a:t> </a:t>
-            </a:r>
-            <a:r>
-              <a:rPr lang="en-US" dirty="0" err="1" smtClean="0"/>
-              <a:t>mỗi</a:t>
-            </a:r>
-            <a:r>
-              <a:rPr lang="en-US" dirty="0" smtClean="0"/>
-              <a:t> </a:t>
-            </a:r>
-            <a:r>
-              <a:rPr lang="en-US" dirty="0" err="1" smtClean="0"/>
-              <a:t>cá</a:t>
-            </a:r>
-            <a:r>
-              <a:rPr lang="en-US" dirty="0" smtClean="0"/>
-              <a:t> </a:t>
-            </a:r>
-            <a:r>
-              <a:rPr lang="en-US" dirty="0" err="1" smtClean="0"/>
-              <a:t>nhân</a:t>
-            </a:r>
-            <a:r>
-              <a:rPr lang="en-US" dirty="0" smtClean="0"/>
-              <a:t>. </a:t>
-            </a:r>
-            <a:r>
-              <a:rPr lang="en-US" dirty="0" err="1" smtClean="0"/>
-              <a:t>Một</a:t>
-            </a:r>
-            <a:r>
-              <a:rPr lang="en-US" dirty="0" smtClean="0"/>
-              <a:t> </a:t>
-            </a:r>
-            <a:r>
-              <a:rPr lang="en-US" dirty="0" err="1" smtClean="0"/>
-              <a:t>khuôn</a:t>
-            </a:r>
-            <a:r>
-              <a:rPr lang="en-US" dirty="0" smtClean="0"/>
-              <a:t> </a:t>
-            </a:r>
-            <a:r>
-              <a:rPr lang="en-US" dirty="0" err="1" smtClean="0"/>
-              <a:t>mặt</a:t>
-            </a:r>
-            <a:r>
-              <a:rPr lang="en-US" dirty="0" smtClean="0"/>
-              <a:t> </a:t>
-            </a:r>
-            <a:r>
-              <a:rPr lang="en-US" dirty="0" err="1" smtClean="0"/>
-              <a:t>được</a:t>
-            </a:r>
-            <a:r>
-              <a:rPr lang="en-US" dirty="0" smtClean="0"/>
-              <a:t> </a:t>
-            </a:r>
-            <a:r>
-              <a:rPr lang="en-US" dirty="0" err="1" smtClean="0"/>
-              <a:t>coi</a:t>
-            </a:r>
-            <a:r>
-              <a:rPr lang="en-US" dirty="0" smtClean="0"/>
-              <a:t> </a:t>
-            </a:r>
-            <a:r>
-              <a:rPr lang="en-US" dirty="0" err="1" smtClean="0"/>
-              <a:t>là</a:t>
-            </a:r>
-            <a:r>
-              <a:rPr lang="en-US" dirty="0" smtClean="0"/>
-              <a:t> </a:t>
-            </a:r>
-            <a:r>
-              <a:rPr lang="en-US" dirty="0" err="1" smtClean="0"/>
-              <a:t>thuộc</a:t>
-            </a:r>
-            <a:r>
-              <a:rPr lang="en-US" dirty="0" smtClean="0"/>
-              <a:t> </a:t>
-            </a:r>
-            <a:r>
-              <a:rPr lang="en-US" dirty="0" err="1" smtClean="0"/>
-              <a:t>vào</a:t>
-            </a:r>
-            <a:r>
-              <a:rPr lang="en-US" dirty="0" smtClean="0"/>
-              <a:t> </a:t>
-            </a:r>
-            <a:r>
-              <a:rPr lang="en-US" dirty="0" err="1" smtClean="0"/>
-              <a:t>lớp</a:t>
-            </a:r>
-            <a:r>
-              <a:rPr lang="en-US" dirty="0" smtClean="0"/>
-              <a:t> k </a:t>
-            </a:r>
-            <a:r>
-              <a:rPr lang="en-US" dirty="0" err="1" smtClean="0"/>
-              <a:t>nếu</a:t>
-            </a:r>
-            <a:r>
-              <a:rPr lang="en-US" dirty="0" smtClean="0"/>
-              <a:t> </a:t>
-            </a:r>
-            <a:r>
-              <a:rPr lang="en-US" dirty="0" err="1" smtClean="0"/>
-              <a:t>giá</a:t>
-            </a:r>
-            <a:r>
-              <a:rPr lang="en-US" dirty="0" smtClean="0"/>
-              <a:t> </a:t>
-            </a:r>
-            <a:r>
-              <a:rPr lang="en-US" dirty="0" err="1" smtClean="0"/>
-              <a:t>trị</a:t>
-            </a:r>
-            <a:r>
-              <a:rPr lang="en-US" dirty="0" smtClean="0"/>
-              <a:t> </a:t>
-            </a:r>
-            <a:r>
-              <a:rPr lang="en-US" dirty="0" err="1" smtClean="0"/>
-              <a:t>ε</a:t>
-            </a:r>
-            <a:r>
-              <a:rPr lang="en-US" baseline="-25000" dirty="0" err="1" smtClean="0"/>
-              <a:t>k</a:t>
-            </a:r>
-            <a:r>
-              <a:rPr lang="en-US" dirty="0" smtClean="0"/>
-              <a:t> </a:t>
-            </a:r>
-            <a:r>
-              <a:rPr lang="en-US" dirty="0" err="1" smtClean="0"/>
-              <a:t>cực</a:t>
-            </a:r>
-            <a:r>
-              <a:rPr lang="en-US" dirty="0" smtClean="0"/>
-              <a:t> </a:t>
-            </a:r>
-            <a:r>
-              <a:rPr lang="en-US" dirty="0" err="1" smtClean="0"/>
-              <a:t>tiểu</a:t>
-            </a:r>
-            <a:r>
-              <a:rPr lang="en-US" dirty="0" smtClean="0"/>
-              <a:t> </a:t>
-            </a:r>
-            <a:r>
-              <a:rPr lang="en-US" dirty="0" err="1" smtClean="0"/>
-              <a:t>nhỏ</a:t>
-            </a:r>
-            <a:r>
-              <a:rPr lang="en-US" dirty="0" smtClean="0"/>
-              <a:t> </a:t>
-            </a:r>
-            <a:r>
-              <a:rPr lang="en-US" dirty="0" err="1" smtClean="0"/>
-              <a:t>hơn</a:t>
-            </a:r>
-            <a:r>
-              <a:rPr lang="en-US" dirty="0" smtClean="0"/>
-              <a:t> </a:t>
-            </a:r>
-            <a:r>
-              <a:rPr lang="en-US" dirty="0" err="1" smtClean="0"/>
-              <a:t>một</a:t>
-            </a:r>
-            <a:r>
-              <a:rPr lang="en-US" dirty="0" smtClean="0"/>
-              <a:t> </a:t>
-            </a:r>
-            <a:r>
-              <a:rPr lang="en-US" dirty="0" err="1" smtClean="0"/>
-              <a:t>ngưỡng</a:t>
-            </a:r>
-            <a:r>
-              <a:rPr lang="en-US" dirty="0" smtClean="0"/>
-              <a:t> </a:t>
-            </a:r>
-            <a:r>
-              <a:rPr lang="en-US" dirty="0" err="1" smtClean="0"/>
-              <a:t>θ</a:t>
-            </a:r>
-            <a:r>
-              <a:rPr lang="en-US" baseline="-25000" dirty="0" err="1" smtClean="0"/>
-              <a:t>k</a:t>
-            </a:r>
-            <a:r>
-              <a:rPr lang="en-US" dirty="0" smtClean="0"/>
-              <a:t> </a:t>
-            </a:r>
-            <a:r>
-              <a:rPr lang="en-US" dirty="0" err="1" smtClean="0"/>
-              <a:t>chọn</a:t>
-            </a:r>
-            <a:r>
-              <a:rPr lang="en-US" dirty="0" smtClean="0"/>
-              <a:t> </a:t>
-            </a:r>
-            <a:r>
-              <a:rPr lang="en-US" dirty="0" err="1" smtClean="0"/>
-              <a:t>trước</a:t>
-            </a:r>
-            <a:r>
-              <a:rPr lang="en-US" dirty="0" smtClean="0"/>
-              <a:t>. </a:t>
-            </a:r>
-            <a:r>
-              <a:rPr lang="en-US" dirty="0" err="1" smtClean="0"/>
-              <a:t>Nếu</a:t>
-            </a:r>
-            <a:r>
-              <a:rPr lang="en-US" dirty="0" smtClean="0"/>
-              <a:t> </a:t>
-            </a:r>
-            <a:r>
-              <a:rPr lang="en-US" dirty="0" err="1" smtClean="0"/>
-              <a:t>không</a:t>
-            </a:r>
-            <a:r>
-              <a:rPr lang="en-US" dirty="0" smtClean="0"/>
-              <a:t>, </a:t>
-            </a:r>
-            <a:r>
-              <a:rPr lang="en-US" dirty="0" err="1" smtClean="0"/>
-              <a:t>khuôn</a:t>
-            </a:r>
-            <a:r>
-              <a:rPr lang="en-US" dirty="0" smtClean="0"/>
-              <a:t> </a:t>
-            </a:r>
-            <a:r>
-              <a:rPr lang="en-US" dirty="0" err="1" smtClean="0"/>
-              <a:t>mặt</a:t>
-            </a:r>
-            <a:r>
-              <a:rPr lang="en-US" dirty="0" smtClean="0"/>
-              <a:t> </a:t>
-            </a:r>
-            <a:r>
-              <a:rPr lang="en-US" dirty="0" err="1" smtClean="0"/>
-              <a:t>sẽ</a:t>
-            </a:r>
-            <a:r>
-              <a:rPr lang="en-US" dirty="0" smtClean="0"/>
-              <a:t> </a:t>
-            </a:r>
-            <a:r>
-              <a:rPr lang="en-US" dirty="0" err="1" smtClean="0"/>
-              <a:t>được</a:t>
-            </a:r>
-            <a:r>
-              <a:rPr lang="en-US" dirty="0" smtClean="0"/>
-              <a:t> </a:t>
-            </a:r>
-            <a:r>
-              <a:rPr lang="en-US" dirty="0" err="1" smtClean="0"/>
-              <a:t>xếp</a:t>
-            </a:r>
-            <a:r>
-              <a:rPr lang="en-US" dirty="0" smtClean="0"/>
-              <a:t> </a:t>
-            </a:r>
-            <a:r>
-              <a:rPr lang="en-US" dirty="0" err="1" smtClean="0"/>
-              <a:t>vào</a:t>
-            </a:r>
-            <a:r>
-              <a:rPr lang="en-US" dirty="0" smtClean="0"/>
-              <a:t> </a:t>
-            </a:r>
-            <a:r>
-              <a:rPr lang="en-US" dirty="0" err="1" smtClean="0"/>
-              <a:t>loại</a:t>
-            </a:r>
-            <a:r>
-              <a:rPr lang="en-US" dirty="0" smtClean="0"/>
-              <a:t> “</a:t>
-            </a:r>
-            <a:r>
-              <a:rPr lang="en-US" dirty="0" err="1" smtClean="0"/>
-              <a:t>chưa</a:t>
-            </a:r>
-            <a:r>
-              <a:rPr lang="en-US" dirty="0" smtClean="0"/>
-              <a:t> </a:t>
-            </a:r>
-            <a:r>
-              <a:rPr lang="en-US" dirty="0" err="1" smtClean="0"/>
-              <a:t>biết</a:t>
-            </a:r>
-            <a:r>
-              <a:rPr lang="en-US" dirty="0" smtClean="0"/>
-              <a:t>”, </a:t>
-            </a:r>
-            <a:r>
-              <a:rPr lang="en-US" dirty="0" err="1" smtClean="0"/>
-              <a:t>và</a:t>
-            </a:r>
-            <a:r>
-              <a:rPr lang="en-US" dirty="0" smtClean="0"/>
-              <a:t> </a:t>
-            </a:r>
-            <a:r>
-              <a:rPr lang="en-US" dirty="0" err="1" smtClean="0"/>
-              <a:t>có</a:t>
-            </a:r>
-            <a:r>
-              <a:rPr lang="en-US" dirty="0" smtClean="0"/>
-              <a:t> </a:t>
-            </a:r>
-            <a:r>
-              <a:rPr lang="en-US" dirty="0" err="1" smtClean="0"/>
-              <a:t>thể</a:t>
-            </a:r>
-            <a:r>
-              <a:rPr lang="en-US" dirty="0" smtClean="0"/>
-              <a:t> </a:t>
-            </a:r>
-            <a:r>
-              <a:rPr lang="en-US" dirty="0" err="1" smtClean="0"/>
-              <a:t>được</a:t>
-            </a:r>
-            <a:r>
-              <a:rPr lang="en-US" dirty="0" smtClean="0"/>
-              <a:t> </a:t>
-            </a:r>
-            <a:r>
-              <a:rPr lang="en-US" dirty="0" err="1" smtClean="0"/>
-              <a:t>sử</a:t>
-            </a:r>
-            <a:r>
-              <a:rPr lang="en-US" dirty="0" smtClean="0"/>
-              <a:t> </a:t>
-            </a:r>
-            <a:r>
-              <a:rPr lang="en-US" dirty="0" err="1" smtClean="0"/>
-              <a:t>dụng</a:t>
-            </a:r>
-            <a:r>
-              <a:rPr lang="en-US" dirty="0" smtClean="0"/>
-              <a:t> </a:t>
-            </a:r>
-            <a:r>
-              <a:rPr lang="en-US" dirty="0" err="1" smtClean="0"/>
-              <a:t>để</a:t>
-            </a:r>
-            <a:r>
-              <a:rPr lang="en-US" dirty="0" smtClean="0"/>
-              <a:t> </a:t>
-            </a:r>
-            <a:r>
-              <a:rPr lang="en-US" dirty="0" err="1" smtClean="0"/>
-              <a:t>tạo</a:t>
-            </a:r>
-            <a:r>
-              <a:rPr lang="en-US" dirty="0" smtClean="0"/>
-              <a:t> </a:t>
-            </a:r>
-            <a:r>
-              <a:rPr lang="en-US" dirty="0" err="1" smtClean="0"/>
-              <a:t>ra</a:t>
-            </a:r>
-            <a:r>
-              <a:rPr lang="en-US" dirty="0" smtClean="0"/>
-              <a:t> </a:t>
-            </a:r>
-            <a:r>
-              <a:rPr lang="en-US" dirty="0" err="1" smtClean="0"/>
-              <a:t>một</a:t>
-            </a:r>
-            <a:r>
-              <a:rPr lang="en-US" dirty="0" smtClean="0"/>
-              <a:t> </a:t>
-            </a:r>
-            <a:r>
-              <a:rPr lang="en-US" dirty="0" err="1" smtClean="0"/>
-              <a:t>lớp</a:t>
-            </a:r>
-            <a:r>
-              <a:rPr lang="en-US" dirty="0" smtClean="0"/>
-              <a:t> </a:t>
-            </a:r>
-            <a:r>
-              <a:rPr lang="en-US" dirty="0" err="1" smtClean="0"/>
-              <a:t>khuôn</a:t>
-            </a:r>
-            <a:r>
-              <a:rPr lang="en-US" dirty="0" smtClean="0"/>
-              <a:t> </a:t>
-            </a:r>
-            <a:r>
-              <a:rPr lang="en-US" dirty="0" err="1" smtClean="0"/>
-              <a:t>mặt</a:t>
-            </a:r>
-            <a:r>
-              <a:rPr lang="en-US" dirty="0" smtClean="0"/>
-              <a:t> </a:t>
-            </a:r>
-            <a:r>
-              <a:rPr lang="en-US" dirty="0" err="1" smtClean="0"/>
-              <a:t>mới</a:t>
-            </a:r>
-            <a:r>
-              <a:rPr lang="en-US" dirty="0" smtClean="0"/>
-              <a:t>.</a:t>
-            </a:r>
-          </a:p>
-          <a:p>
-            <a:endParaRPr lang="en-US" dirty="0" smtClean="0"/>
-          </a:p>
-          <a:p>
-            <a:r>
-              <a:rPr lang="en-US" dirty="0" err="1" smtClean="0"/>
-              <a:t>Khoảng</a:t>
-            </a:r>
-            <a:r>
-              <a:rPr lang="en-US" dirty="0" smtClean="0"/>
-              <a:t> </a:t>
-            </a:r>
-            <a:r>
-              <a:rPr lang="en-US" dirty="0" err="1" smtClean="0"/>
-              <a:t>cách</a:t>
-            </a:r>
-            <a:r>
-              <a:rPr lang="en-US" dirty="0" smtClean="0"/>
-              <a:t> ϵ </a:t>
-            </a:r>
-            <a:r>
-              <a:rPr lang="en-US" dirty="0" err="1" smtClean="0"/>
-              <a:t>giữa</a:t>
-            </a:r>
-            <a:r>
-              <a:rPr lang="en-US" dirty="0" smtClean="0"/>
-              <a:t> </a:t>
-            </a:r>
-            <a:r>
-              <a:rPr lang="en-US" dirty="0" err="1" smtClean="0"/>
-              <a:t>hình</a:t>
-            </a:r>
-            <a:r>
-              <a:rPr lang="en-US" dirty="0" smtClean="0"/>
-              <a:t> </a:t>
-            </a:r>
-            <a:r>
-              <a:rPr lang="en-US" dirty="0" err="1" smtClean="0"/>
-              <a:t>ảnh</a:t>
-            </a:r>
-            <a:r>
-              <a:rPr lang="en-US" dirty="0" smtClean="0"/>
-              <a:t> </a:t>
-            </a:r>
-            <a:r>
-              <a:rPr lang="en-US" dirty="0" err="1" smtClean="0"/>
-              <a:t>và</a:t>
-            </a:r>
-            <a:r>
-              <a:rPr lang="en-US" dirty="0" smtClean="0"/>
-              <a:t> </a:t>
-            </a:r>
-            <a:r>
-              <a:rPr lang="en-US" dirty="0" err="1" smtClean="0"/>
-              <a:t>không</a:t>
-            </a:r>
-            <a:r>
-              <a:rPr lang="en-US" dirty="0" smtClean="0"/>
-              <a:t> </a:t>
-            </a:r>
-            <a:r>
-              <a:rPr lang="en-US" dirty="0" err="1" smtClean="0"/>
-              <a:t>gian</a:t>
-            </a:r>
-            <a:r>
-              <a:rPr lang="en-US" dirty="0" smtClean="0"/>
-              <a:t> </a:t>
-            </a:r>
-            <a:r>
-              <a:rPr lang="en-US" dirty="0" err="1" smtClean="0"/>
-              <a:t>ảnh</a:t>
-            </a:r>
-            <a:r>
-              <a:rPr lang="en-US" dirty="0" smtClean="0"/>
-              <a:t> </a:t>
-            </a:r>
-            <a:r>
-              <a:rPr lang="en-US" dirty="0" err="1" smtClean="0"/>
-              <a:t>mặt</a:t>
-            </a:r>
-            <a:r>
-              <a:rPr lang="en-US" dirty="0" smtClean="0"/>
-              <a:t> </a:t>
-            </a:r>
-            <a:r>
-              <a:rPr lang="en-US" dirty="0" err="1" smtClean="0"/>
-              <a:t>bình</a:t>
-            </a:r>
-            <a:r>
-              <a:rPr lang="en-US" dirty="0" smtClean="0"/>
-              <a:t> </a:t>
-            </a:r>
-            <a:r>
-              <a:rPr lang="en-US" dirty="0" err="1" smtClean="0"/>
-              <a:t>phương</a:t>
-            </a:r>
-            <a:r>
-              <a:rPr lang="en-US" dirty="0" smtClean="0"/>
-              <a:t> </a:t>
-            </a:r>
-            <a:r>
-              <a:rPr lang="en-US" dirty="0" err="1" smtClean="0"/>
-              <a:t>khoảng</a:t>
-            </a:r>
-            <a:r>
-              <a:rPr lang="en-US" dirty="0" smtClean="0"/>
-              <a:t> </a:t>
-            </a:r>
-            <a:r>
-              <a:rPr lang="en-US" dirty="0" err="1" smtClean="0"/>
-              <a:t>cách</a:t>
-            </a:r>
-            <a:r>
-              <a:rPr lang="en-US" dirty="0" smtClean="0"/>
-              <a:t> </a:t>
-            </a:r>
-            <a:r>
-              <a:rPr lang="en-US" dirty="0" err="1" smtClean="0"/>
-              <a:t>giữa</a:t>
-            </a:r>
-            <a:r>
-              <a:rPr lang="en-US" dirty="0" smtClean="0"/>
-              <a:t> </a:t>
-            </a:r>
-            <a:r>
-              <a:rPr lang="en-US" dirty="0" err="1" smtClean="0"/>
-              <a:t>giữa</a:t>
-            </a:r>
-            <a:r>
-              <a:rPr lang="en-US" dirty="0" smtClean="0"/>
-              <a:t> </a:t>
-            </a:r>
-            <a:r>
-              <a:rPr lang="en-US" dirty="0" err="1" smtClean="0"/>
-              <a:t>ảnh</a:t>
-            </a:r>
-            <a:r>
-              <a:rPr lang="en-US" dirty="0" smtClean="0"/>
-              <a:t> </a:t>
-            </a:r>
-            <a:r>
-              <a:rPr lang="en-US" dirty="0" err="1" smtClean="0"/>
-              <a:t>đầu</a:t>
-            </a:r>
-            <a:r>
-              <a:rPr lang="en-US" dirty="0" smtClean="0"/>
-              <a:t> </a:t>
-            </a:r>
-            <a:r>
-              <a:rPr lang="en-US" dirty="0" err="1" smtClean="0"/>
-              <a:t>vào</a:t>
-            </a:r>
-            <a:r>
-              <a:rPr lang="en-US" dirty="0" smtClean="0"/>
-              <a:t> </a:t>
-            </a:r>
-            <a:r>
-              <a:rPr lang="en-US" dirty="0" err="1" smtClean="0"/>
-              <a:t>trung</a:t>
-            </a:r>
-            <a:r>
-              <a:rPr lang="en-US" dirty="0" smtClean="0"/>
-              <a:t> </a:t>
-            </a:r>
-            <a:r>
-              <a:rPr lang="en-US" dirty="0" err="1" smtClean="0"/>
-              <a:t>bình</a:t>
-            </a:r>
-            <a:r>
-              <a:rPr lang="en-US" dirty="0" smtClean="0"/>
-              <a:t> Φ = Γ – Ψ </a:t>
-            </a:r>
-            <a:r>
-              <a:rPr lang="en-US" dirty="0" err="1" smtClean="0"/>
-              <a:t>và</a:t>
-            </a:r>
-            <a:r>
-              <a:rPr lang="en-US" dirty="0" smtClean="0"/>
-              <a:t> </a:t>
-            </a:r>
-            <a:r>
-              <a:rPr lang="en-US" dirty="0" err="1" smtClean="0"/>
-              <a:t>Φ</a:t>
-            </a:r>
-            <a:r>
-              <a:rPr lang="en-US" baseline="-25000" dirty="0" err="1" smtClean="0"/>
-              <a:t>f</a:t>
-            </a:r>
-            <a:r>
-              <a:rPr lang="en-US" dirty="0" smtClean="0"/>
-              <a:t> = </a:t>
-            </a:r>
-            <a:r>
-              <a:rPr lang="en-US" baseline="-25000" dirty="0" err="1" smtClean="0"/>
-              <a:t>i</a:t>
-            </a:r>
-            <a:r>
-              <a:rPr lang="en-US" i="1" dirty="0" err="1" smtClean="0"/>
-              <a:t>u</a:t>
-            </a:r>
-            <a:r>
-              <a:rPr lang="en-US" i="1" baseline="-25000" dirty="0" err="1" smtClean="0"/>
-              <a:t>i</a:t>
-            </a:r>
-            <a:r>
-              <a:rPr lang="en-US" dirty="0" smtClean="0"/>
-              <a:t>, </a:t>
-            </a:r>
-            <a:r>
-              <a:rPr lang="en-US" dirty="0" err="1" smtClean="0"/>
-              <a:t>hình</a:t>
-            </a:r>
-            <a:r>
-              <a:rPr lang="en-US" dirty="0" smtClean="0"/>
-              <a:t> </a:t>
-            </a:r>
-            <a:r>
-              <a:rPr lang="en-US" dirty="0" err="1" smtClean="0"/>
-              <a:t>chiếu</a:t>
-            </a:r>
-            <a:r>
-              <a:rPr lang="en-US" dirty="0" smtClean="0"/>
-              <a:t> </a:t>
-            </a:r>
-            <a:r>
-              <a:rPr lang="en-US" dirty="0" err="1" smtClean="0"/>
-              <a:t>của</a:t>
-            </a:r>
-            <a:r>
-              <a:rPr lang="en-US" dirty="0" smtClean="0"/>
-              <a:t> </a:t>
-            </a:r>
-            <a:r>
-              <a:rPr lang="en-US" dirty="0" err="1" smtClean="0"/>
-              <a:t>nó</a:t>
-            </a:r>
-            <a:r>
-              <a:rPr lang="en-US" dirty="0" smtClean="0"/>
-              <a:t> </a:t>
-            </a:r>
-            <a:r>
-              <a:rPr lang="en-US" dirty="0" err="1" smtClean="0"/>
-              <a:t>lên</a:t>
-            </a:r>
-            <a:r>
-              <a:rPr lang="en-US" dirty="0" smtClean="0"/>
-              <a:t> </a:t>
-            </a:r>
-            <a:r>
-              <a:rPr lang="en-US" dirty="0" err="1" smtClean="0"/>
-              <a:t>không</a:t>
-            </a:r>
-            <a:r>
-              <a:rPr lang="en-US" dirty="0" smtClean="0"/>
-              <a:t> </a:t>
-            </a:r>
-            <a:r>
-              <a:rPr lang="en-US" dirty="0" err="1" smtClean="0"/>
-              <a:t>gian</a:t>
-            </a:r>
-            <a:r>
-              <a:rPr lang="en-US" dirty="0" smtClean="0"/>
-              <a:t> </a:t>
-            </a:r>
-            <a:r>
-              <a:rPr lang="en-US" dirty="0" err="1" smtClean="0"/>
-              <a:t>mặt</a:t>
-            </a:r>
-            <a:r>
-              <a:rPr lang="en-US" dirty="0" smtClean="0"/>
-              <a:t>:</a:t>
-            </a:r>
-          </a:p>
           <a:p>
             <a:endParaRPr lang="en-US" dirty="0"/>
           </a:p>
@@ -14745,68 +12653,35 @@
       </p:sp>
       <p:pic>
         <p:nvPicPr>
-          <p:cNvPr id="7" name="Picture 6"/>
-          <p:cNvPicPr/>
+          <p:cNvPr id="7" name="Picture 3"/>
+          <p:cNvPicPr>
+            <a:picLocks noChangeAspect="1" noChangeArrowheads="1"/>
+          </p:cNvPicPr>
           <p:nvPr/>
         </p:nvPicPr>
         <p:blipFill>
           <a:blip r:embed="rId2"/>
+          <a:srcRect/>
           <a:stretch>
             <a:fillRect/>
           </a:stretch>
         </p:blipFill>
-        <p:spPr>
+        <p:spPr bwMode="auto">
           <a:xfrm>
-            <a:off x="3286116" y="3714752"/>
-            <a:ext cx="1928826" cy="428628"/>
+            <a:off x="2214546" y="2000240"/>
+            <a:ext cx="5214974" cy="4412671"/>
           </a:xfrm>
           <a:prstGeom prst="rect">
             <a:avLst/>
           </a:prstGeom>
-        </p:spPr>
-      </p:pic>
-      <p:pic>
-        <p:nvPicPr>
-          <p:cNvPr id="8" name="Picture 7"/>
-          <p:cNvPicPr/>
-          <p:nvPr/>
-        </p:nvPicPr>
-        <p:blipFill>
-          <a:blip r:embed="rId3"/>
-          <a:stretch>
-            <a:fillRect/>
-          </a:stretch>
-        </p:blipFill>
-        <p:spPr>
-          <a:xfrm>
-            <a:off x="3357554" y="5929330"/>
-            <a:ext cx="1785950" cy="500066"/>
-          </a:xfrm>
-          <a:prstGeom prst="rect">
-            <a:avLst/>
-          </a:prstGeom>
-        </p:spPr>
-      </p:pic>
-      <p:pic>
-        <p:nvPicPr>
-          <p:cNvPr id="9" name="Picture 8"/>
-          <p:cNvPicPr/>
-          <p:nvPr/>
-        </p:nvPicPr>
-        <p:blipFill>
-          <a:blip r:embed="rId4"/>
-          <a:stretch>
-            <a:fillRect/>
-          </a:stretch>
-        </p:blipFill>
-        <p:spPr>
-          <a:xfrm>
-            <a:off x="5860461" y="1785926"/>
-            <a:ext cx="2069125" cy="385425"/>
-          </a:xfrm>
-          <a:prstGeom prst="rect">
-            <a:avLst/>
-          </a:prstGeom>
+          <a:noFill/>
+          <a:ln w="9525">
+            <a:noFill/>
+            <a:miter lim="800000"/>
+            <a:headEnd/>
+            <a:tailEnd/>
+          </a:ln>
+          <a:effectLst/>
         </p:spPr>
       </p:pic>
     </p:spTree>
@@ -14866,7 +12741,7 @@
             <a:pPr lvl="0"/>
             <a:r>
               <a:rPr lang="en-US" sz="4400" dirty="0" err="1" smtClean="0"/>
-              <a:t>Tính</a:t>
+              <a:t>Nhận</a:t>
             </a:r>
             <a:r>
               <a:rPr lang="en-US" sz="4400" dirty="0" smtClean="0"/>
@@ -14874,7 +12749,763 @@
             </a:r>
             <a:r>
               <a:rPr lang="en-US" sz="4400" dirty="0" err="1" smtClean="0"/>
-              <a:t>toán</a:t>
+              <a:t>diện</a:t>
+            </a:r>
+            <a:endParaRPr lang="en-US" dirty="0"/>
+          </a:p>
+        </p:txBody>
+      </p:sp>
+      <p:sp>
+        <p:nvSpPr>
+          <p:cNvPr id="6" name="Content Placeholder 5"/>
+          <p:cNvSpPr>
+            <a:spLocks noGrp="1"/>
+          </p:cNvSpPr>
+          <p:nvPr>
+            <p:ph idx="1"/>
+          </p:nvPr>
+        </p:nvSpPr>
+        <p:spPr/>
+        <p:txBody>
+          <a:bodyPr>
+            <a:normAutofit/>
+          </a:bodyPr>
+          <a:lstStyle/>
+          <a:p>
+            <a:r>
+              <a:rPr lang="en-US" dirty="0" err="1" smtClean="0"/>
+              <a:t>Một</a:t>
+            </a:r>
+            <a:r>
+              <a:rPr lang="en-US" dirty="0" smtClean="0"/>
+              <a:t> </a:t>
+            </a:r>
+            <a:r>
+              <a:rPr lang="en-US" dirty="0" err="1" smtClean="0"/>
+              <a:t>ảnh</a:t>
+            </a:r>
+            <a:r>
+              <a:rPr lang="en-US" dirty="0" smtClean="0"/>
+              <a:t> </a:t>
+            </a:r>
+            <a:r>
+              <a:rPr lang="en-US" dirty="0" err="1" smtClean="0"/>
+              <a:t>mặt</a:t>
+            </a:r>
+            <a:r>
+              <a:rPr lang="en-US" dirty="0" smtClean="0"/>
+              <a:t> </a:t>
+            </a:r>
+            <a:r>
+              <a:rPr lang="en-US" dirty="0" err="1" smtClean="0"/>
+              <a:t>mới</a:t>
+            </a:r>
+            <a:r>
+              <a:rPr lang="en-US" dirty="0" smtClean="0"/>
+              <a:t> (Γ) </a:t>
+            </a:r>
+            <a:r>
+              <a:rPr lang="en-US" dirty="0" err="1" smtClean="0"/>
+              <a:t>được</a:t>
+            </a:r>
+            <a:r>
+              <a:rPr lang="en-US" dirty="0" smtClean="0"/>
+              <a:t> </a:t>
+            </a:r>
+            <a:r>
+              <a:rPr lang="en-US" dirty="0" err="1" smtClean="0"/>
+              <a:t>biến</a:t>
+            </a:r>
+            <a:r>
+              <a:rPr lang="en-US" dirty="0" smtClean="0"/>
+              <a:t> </a:t>
+            </a:r>
+            <a:r>
+              <a:rPr lang="en-US" dirty="0" err="1" smtClean="0"/>
+              <a:t>đổi</a:t>
+            </a:r>
+            <a:r>
+              <a:rPr lang="en-US" dirty="0" smtClean="0"/>
+              <a:t> </a:t>
+            </a:r>
+            <a:r>
+              <a:rPr lang="en-US" dirty="0" err="1" smtClean="0"/>
+              <a:t>thành</a:t>
+            </a:r>
+            <a:r>
+              <a:rPr lang="en-US" dirty="0" smtClean="0"/>
+              <a:t> </a:t>
+            </a:r>
+            <a:r>
+              <a:rPr lang="en-US" dirty="0" err="1" smtClean="0"/>
+              <a:t>các</a:t>
+            </a:r>
+            <a:r>
+              <a:rPr lang="en-US" dirty="0" smtClean="0"/>
+              <a:t> </a:t>
+            </a:r>
+            <a:r>
+              <a:rPr lang="en-US" dirty="0" err="1" smtClean="0"/>
+              <a:t>thành</a:t>
+            </a:r>
+            <a:r>
+              <a:rPr lang="en-US" dirty="0" smtClean="0"/>
+              <a:t> </a:t>
+            </a:r>
+            <a:r>
+              <a:rPr lang="en-US" dirty="0" err="1" smtClean="0"/>
+              <a:t>phần</a:t>
+            </a:r>
+            <a:r>
+              <a:rPr lang="en-US" dirty="0" smtClean="0"/>
+              <a:t> </a:t>
+            </a:r>
+            <a:r>
+              <a:rPr lang="en-US" dirty="0" err="1" smtClean="0"/>
+              <a:t>khuôn</a:t>
+            </a:r>
+            <a:r>
+              <a:rPr lang="en-US" dirty="0" smtClean="0"/>
+              <a:t> </a:t>
+            </a:r>
+            <a:r>
+              <a:rPr lang="en-US" dirty="0" err="1" smtClean="0"/>
+              <a:t>mặt</a:t>
+            </a:r>
+            <a:r>
+              <a:rPr lang="en-US" dirty="0" smtClean="0"/>
+              <a:t> </a:t>
+            </a:r>
+            <a:r>
+              <a:rPr lang="en-US" dirty="0" err="1" smtClean="0"/>
+              <a:t>riêng</a:t>
+            </a:r>
+            <a:r>
+              <a:rPr lang="en-US" dirty="0" smtClean="0"/>
+              <a:t> (</a:t>
+            </a:r>
+            <a:r>
+              <a:rPr lang="en-US" dirty="0" err="1" smtClean="0"/>
+              <a:t>chiếu</a:t>
+            </a:r>
+            <a:r>
+              <a:rPr lang="en-US" dirty="0" smtClean="0"/>
+              <a:t> </a:t>
+            </a:r>
+            <a:r>
+              <a:rPr lang="en-US" dirty="0" err="1" smtClean="0"/>
+              <a:t>vào</a:t>
+            </a:r>
+            <a:r>
+              <a:rPr lang="en-US" dirty="0" smtClean="0"/>
+              <a:t> </a:t>
+            </a:r>
+            <a:r>
+              <a:rPr lang="en-US" dirty="0" err="1" smtClean="0"/>
+              <a:t>không</a:t>
+            </a:r>
+            <a:r>
+              <a:rPr lang="en-US" dirty="0" smtClean="0"/>
+              <a:t> </a:t>
+            </a:r>
+            <a:r>
+              <a:rPr lang="en-US" dirty="0" err="1" smtClean="0"/>
+              <a:t>gian</a:t>
+            </a:r>
+            <a:r>
+              <a:rPr lang="en-US" dirty="0" smtClean="0"/>
+              <a:t> </a:t>
+            </a:r>
+            <a:r>
+              <a:rPr lang="en-US" dirty="0" err="1" smtClean="0"/>
+              <a:t>ảnh</a:t>
+            </a:r>
+            <a:r>
+              <a:rPr lang="en-US" dirty="0" smtClean="0"/>
+              <a:t> </a:t>
+            </a:r>
+            <a:r>
+              <a:rPr lang="en-US" dirty="0" err="1" smtClean="0"/>
+              <a:t>mặt</a:t>
+            </a:r>
+            <a:r>
+              <a:rPr lang="en-US" dirty="0" smtClean="0"/>
+              <a:t>) </a:t>
+            </a:r>
+            <a:r>
+              <a:rPr lang="en-US" dirty="0" err="1" smtClean="0"/>
+              <a:t>bằng</a:t>
+            </a:r>
+            <a:r>
+              <a:rPr lang="en-US" dirty="0" smtClean="0"/>
+              <a:t> </a:t>
+            </a:r>
+            <a:r>
+              <a:rPr lang="en-US" dirty="0" err="1" smtClean="0"/>
+              <a:t>công</a:t>
+            </a:r>
+            <a:r>
+              <a:rPr lang="en-US" dirty="0" smtClean="0"/>
+              <a:t> </a:t>
+            </a:r>
+            <a:r>
+              <a:rPr lang="en-US" dirty="0" err="1" smtClean="0"/>
+              <a:t>thức</a:t>
+            </a:r>
+            <a:r>
+              <a:rPr lang="en-US" dirty="0" smtClean="0"/>
+              <a:t>:</a:t>
+            </a:r>
+          </a:p>
+          <a:p>
+            <a:r>
+              <a:rPr lang="en-US" dirty="0" smtClean="0"/>
+              <a:t> </a:t>
+            </a:r>
+          </a:p>
+          <a:p>
+            <a:r>
+              <a:rPr lang="en-US" dirty="0" err="1" smtClean="0"/>
+              <a:t>Với</a:t>
+            </a:r>
+            <a:r>
+              <a:rPr lang="en-US" dirty="0" smtClean="0"/>
+              <a:t> k = 1,…, M’. </a:t>
+            </a:r>
+            <a:r>
+              <a:rPr lang="en-US" dirty="0" err="1" smtClean="0"/>
+              <a:t>u</a:t>
+            </a:r>
+            <a:r>
+              <a:rPr lang="en-US" baseline="30000" dirty="0" err="1" smtClean="0"/>
+              <a:t>T­</a:t>
+            </a:r>
+            <a:r>
+              <a:rPr lang="en-US" baseline="-25000" dirty="0" err="1" smtClean="0"/>
+              <a:t>k</a:t>
+            </a:r>
+            <a:r>
+              <a:rPr lang="en-US" dirty="0" smtClean="0"/>
+              <a:t> </a:t>
+            </a:r>
+            <a:r>
+              <a:rPr lang="en-US" dirty="0" err="1" smtClean="0"/>
+              <a:t>là</a:t>
+            </a:r>
+            <a:r>
+              <a:rPr lang="en-US" dirty="0" smtClean="0"/>
+              <a:t> </a:t>
+            </a:r>
+            <a:r>
+              <a:rPr lang="en-US" dirty="0" err="1" smtClean="0"/>
+              <a:t>các</a:t>
+            </a:r>
+            <a:r>
+              <a:rPr lang="en-US" dirty="0" smtClean="0"/>
+              <a:t> </a:t>
+            </a:r>
+            <a:r>
+              <a:rPr lang="en-US" dirty="0" err="1" smtClean="0"/>
+              <a:t>vectơ</a:t>
+            </a:r>
+            <a:r>
+              <a:rPr lang="en-US" dirty="0" smtClean="0"/>
+              <a:t> </a:t>
+            </a:r>
+            <a:r>
+              <a:rPr lang="en-US" dirty="0" err="1" smtClean="0"/>
+              <a:t>riêng</a:t>
+            </a:r>
+            <a:r>
+              <a:rPr lang="en-US" dirty="0" smtClean="0"/>
+              <a:t> </a:t>
+            </a:r>
+            <a:r>
+              <a:rPr lang="en-US" dirty="0" err="1" smtClean="0"/>
+              <a:t>ta</a:t>
+            </a:r>
+            <a:r>
+              <a:rPr lang="en-US" dirty="0" smtClean="0"/>
+              <a:t> </a:t>
+            </a:r>
+            <a:r>
+              <a:rPr lang="en-US" dirty="0" err="1" smtClean="0"/>
+              <a:t>đã</a:t>
+            </a:r>
+            <a:r>
+              <a:rPr lang="en-US" dirty="0" smtClean="0"/>
+              <a:t> </a:t>
+            </a:r>
+            <a:r>
+              <a:rPr lang="en-US" dirty="0" err="1" smtClean="0"/>
+              <a:t>tính</a:t>
+            </a:r>
+            <a:r>
+              <a:rPr lang="en-US" dirty="0" smtClean="0"/>
+              <a:t> ở </a:t>
+            </a:r>
+            <a:r>
+              <a:rPr lang="en-US" dirty="0" err="1" smtClean="0"/>
+              <a:t>trên</a:t>
+            </a:r>
+            <a:r>
+              <a:rPr lang="en-US" dirty="0" smtClean="0"/>
+              <a:t>.</a:t>
+            </a:r>
+          </a:p>
+          <a:p>
+            <a:r>
+              <a:rPr lang="en-US" dirty="0" err="1" smtClean="0"/>
+              <a:t>Các</a:t>
+            </a:r>
+            <a:r>
+              <a:rPr lang="en-US" dirty="0" smtClean="0"/>
+              <a:t> </a:t>
+            </a:r>
+            <a:r>
+              <a:rPr lang="en-US" dirty="0" err="1" smtClean="0"/>
+              <a:t>trọng</a:t>
+            </a:r>
+            <a:r>
+              <a:rPr lang="en-US" dirty="0" smtClean="0"/>
+              <a:t> </a:t>
+            </a:r>
+            <a:r>
+              <a:rPr lang="en-US" dirty="0" err="1" smtClean="0"/>
+              <a:t>số</a:t>
+            </a:r>
+            <a:r>
+              <a:rPr lang="en-US" dirty="0" smtClean="0"/>
+              <a:t> </a:t>
+            </a:r>
+            <a:r>
+              <a:rPr lang="en-US" dirty="0" err="1" smtClean="0"/>
+              <a:t>của</a:t>
+            </a:r>
+            <a:r>
+              <a:rPr lang="en-US" dirty="0" smtClean="0"/>
+              <a:t> </a:t>
+            </a:r>
+            <a:r>
+              <a:rPr lang="en-US" dirty="0" err="1" smtClean="0"/>
+              <a:t>một</a:t>
+            </a:r>
+            <a:r>
+              <a:rPr lang="en-US" dirty="0" smtClean="0"/>
+              <a:t> vector Ω</a:t>
+            </a:r>
+            <a:r>
+              <a:rPr lang="en-US" baseline="30000" dirty="0" smtClean="0"/>
+              <a:t>T</a:t>
+            </a:r>
+            <a:r>
+              <a:rPr lang="en-US" dirty="0" smtClean="0"/>
+              <a:t> = [ω</a:t>
+            </a:r>
+            <a:r>
+              <a:rPr lang="en-US" baseline="-25000" dirty="0" smtClean="0"/>
+              <a:t>1,</a:t>
+            </a:r>
+            <a:r>
+              <a:rPr lang="en-US" dirty="0" smtClean="0"/>
+              <a:t> ω2, …, </a:t>
+            </a:r>
+            <a:r>
+              <a:rPr lang="en-US" dirty="0" err="1" smtClean="0"/>
+              <a:t>ω</a:t>
+            </a:r>
+            <a:r>
+              <a:rPr lang="en-US" baseline="-25000" dirty="0" err="1" smtClean="0"/>
+              <a:t>M</a:t>
+            </a:r>
+            <a:r>
+              <a:rPr lang="en-US" baseline="-25000" dirty="0" smtClean="0"/>
+              <a:t>’ </a:t>
+            </a:r>
+            <a:r>
+              <a:rPr lang="en-US" dirty="0" smtClean="0"/>
+              <a:t>] </a:t>
+            </a:r>
+            <a:r>
+              <a:rPr lang="en-US" dirty="0" err="1" smtClean="0"/>
+              <a:t>mô</a:t>
+            </a:r>
+            <a:r>
+              <a:rPr lang="en-US" dirty="0" smtClean="0"/>
+              <a:t> </a:t>
+            </a:r>
+            <a:r>
+              <a:rPr lang="en-US" dirty="0" err="1" smtClean="0"/>
+              <a:t>tả</a:t>
+            </a:r>
+            <a:r>
+              <a:rPr lang="en-US" dirty="0" smtClean="0"/>
+              <a:t> </a:t>
+            </a:r>
+            <a:r>
+              <a:rPr lang="en-US" dirty="0" err="1" smtClean="0"/>
+              <a:t>các</a:t>
+            </a:r>
+            <a:r>
+              <a:rPr lang="en-US" dirty="0" smtClean="0"/>
+              <a:t> </a:t>
+            </a:r>
+            <a:r>
+              <a:rPr lang="en-US" dirty="0" err="1" smtClean="0"/>
+              <a:t>phần</a:t>
+            </a:r>
+            <a:r>
+              <a:rPr lang="en-US" dirty="0" smtClean="0"/>
+              <a:t> </a:t>
+            </a:r>
+            <a:r>
+              <a:rPr lang="en-US" dirty="0" err="1" smtClean="0"/>
+              <a:t>liên</a:t>
+            </a:r>
+            <a:r>
+              <a:rPr lang="en-US" dirty="0" smtClean="0"/>
+              <a:t> </a:t>
+            </a:r>
+            <a:r>
+              <a:rPr lang="en-US" dirty="0" err="1" smtClean="0"/>
+              <a:t>quan</a:t>
+            </a:r>
+            <a:r>
+              <a:rPr lang="en-US" dirty="0" smtClean="0"/>
+              <a:t> </a:t>
+            </a:r>
+            <a:r>
+              <a:rPr lang="en-US" dirty="0" err="1" smtClean="0"/>
+              <a:t>của</a:t>
+            </a:r>
+            <a:r>
+              <a:rPr lang="en-US" dirty="0" smtClean="0"/>
+              <a:t> </a:t>
+            </a:r>
+            <a:r>
+              <a:rPr lang="en-US" dirty="0" err="1" smtClean="0"/>
+              <a:t>mỗi</a:t>
+            </a:r>
+            <a:r>
+              <a:rPr lang="en-US" dirty="0" smtClean="0"/>
+              <a:t> </a:t>
+            </a:r>
+            <a:r>
+              <a:rPr lang="en-US" dirty="0" err="1" smtClean="0"/>
+              <a:t>khuôn</a:t>
+            </a:r>
+            <a:r>
+              <a:rPr lang="en-US" dirty="0" smtClean="0"/>
+              <a:t> </a:t>
+            </a:r>
+            <a:r>
+              <a:rPr lang="en-US" dirty="0" err="1" smtClean="0"/>
+              <a:t>mặt</a:t>
+            </a:r>
+            <a:r>
+              <a:rPr lang="en-US" dirty="0" smtClean="0"/>
+              <a:t> </a:t>
+            </a:r>
+            <a:r>
+              <a:rPr lang="en-US" dirty="0" err="1" smtClean="0"/>
+              <a:t>riêng</a:t>
+            </a:r>
+            <a:r>
+              <a:rPr lang="en-US" dirty="0" smtClean="0"/>
+              <a:t> </a:t>
+            </a:r>
+            <a:r>
+              <a:rPr lang="en-US" dirty="0" err="1" smtClean="0"/>
+              <a:t>trong</a:t>
+            </a:r>
+            <a:r>
+              <a:rPr lang="en-US" dirty="0" smtClean="0"/>
+              <a:t> </a:t>
+            </a:r>
+            <a:r>
+              <a:rPr lang="en-US" dirty="0" err="1" smtClean="0"/>
+              <a:t>biểu</a:t>
+            </a:r>
+            <a:r>
+              <a:rPr lang="en-US" dirty="0" smtClean="0"/>
+              <a:t> </a:t>
+            </a:r>
+            <a:r>
+              <a:rPr lang="en-US" dirty="0" err="1" smtClean="0"/>
+              <a:t>diễn</a:t>
+            </a:r>
+            <a:r>
+              <a:rPr lang="en-US" dirty="0" smtClean="0"/>
+              <a:t> </a:t>
+            </a:r>
+            <a:r>
+              <a:rPr lang="en-US" dirty="0" err="1" smtClean="0"/>
+              <a:t>ảnh</a:t>
+            </a:r>
+            <a:r>
+              <a:rPr lang="en-US" dirty="0" smtClean="0"/>
+              <a:t> </a:t>
+            </a:r>
+            <a:r>
+              <a:rPr lang="en-US" dirty="0" err="1" smtClean="0"/>
+              <a:t>khuôn</a:t>
+            </a:r>
+            <a:r>
+              <a:rPr lang="en-US" dirty="0" smtClean="0"/>
+              <a:t> </a:t>
+            </a:r>
+            <a:r>
+              <a:rPr lang="en-US" dirty="0" err="1" smtClean="0"/>
+              <a:t>mặt</a:t>
+            </a:r>
+            <a:r>
+              <a:rPr lang="en-US" dirty="0" smtClean="0"/>
+              <a:t> </a:t>
+            </a:r>
+            <a:r>
+              <a:rPr lang="en-US" dirty="0" err="1" smtClean="0"/>
+              <a:t>nhập</a:t>
+            </a:r>
+            <a:r>
+              <a:rPr lang="en-US" dirty="0" smtClean="0"/>
+              <a:t> </a:t>
+            </a:r>
+            <a:r>
+              <a:rPr lang="en-US" dirty="0" err="1" smtClean="0"/>
+              <a:t>vào</a:t>
+            </a:r>
+            <a:r>
+              <a:rPr lang="en-US" dirty="0" smtClean="0"/>
+              <a:t>. </a:t>
+            </a:r>
+            <a:r>
+              <a:rPr lang="en-US" dirty="0" err="1" smtClean="0"/>
+              <a:t>Để</a:t>
+            </a:r>
+            <a:r>
+              <a:rPr lang="en-US" dirty="0" smtClean="0"/>
+              <a:t> </a:t>
+            </a:r>
+            <a:r>
+              <a:rPr lang="en-US" dirty="0" err="1" smtClean="0"/>
+              <a:t>nhận</a:t>
+            </a:r>
+            <a:r>
+              <a:rPr lang="en-US" dirty="0" smtClean="0"/>
+              <a:t> </a:t>
+            </a:r>
+            <a:r>
+              <a:rPr lang="en-US" dirty="0" err="1" smtClean="0"/>
+              <a:t>dạng</a:t>
+            </a:r>
+            <a:r>
+              <a:rPr lang="en-US" dirty="0" smtClean="0"/>
+              <a:t>, </a:t>
+            </a:r>
+            <a:r>
+              <a:rPr lang="en-US" dirty="0" err="1" smtClean="0"/>
+              <a:t>ta</a:t>
+            </a:r>
+            <a:r>
+              <a:rPr lang="en-US" dirty="0" smtClean="0"/>
+              <a:t> </a:t>
+            </a:r>
+            <a:r>
+              <a:rPr lang="en-US" dirty="0" err="1" smtClean="0"/>
+              <a:t>dựa</a:t>
+            </a:r>
+            <a:r>
+              <a:rPr lang="en-US" dirty="0" smtClean="0"/>
+              <a:t> </a:t>
+            </a:r>
+            <a:r>
+              <a:rPr lang="en-US" dirty="0" err="1" smtClean="0"/>
+              <a:t>vào</a:t>
+            </a:r>
+            <a:r>
+              <a:rPr lang="en-US" dirty="0" smtClean="0"/>
+              <a:t> </a:t>
+            </a:r>
+            <a:r>
+              <a:rPr lang="en-US" dirty="0" err="1" smtClean="0"/>
+              <a:t>phương</a:t>
+            </a:r>
+            <a:r>
+              <a:rPr lang="en-US" dirty="0" smtClean="0"/>
+              <a:t> </a:t>
+            </a:r>
+            <a:r>
+              <a:rPr lang="en-US" dirty="0" err="1" smtClean="0"/>
+              <a:t>pháp</a:t>
+            </a:r>
+            <a:r>
+              <a:rPr lang="en-US" dirty="0" smtClean="0"/>
+              <a:t> </a:t>
+            </a:r>
+            <a:r>
+              <a:rPr lang="en-US" dirty="0" err="1" smtClean="0"/>
+              <a:t>cực</a:t>
+            </a:r>
+            <a:r>
+              <a:rPr lang="en-US" dirty="0" smtClean="0"/>
+              <a:t> </a:t>
+            </a:r>
+            <a:r>
+              <a:rPr lang="en-US" dirty="0" err="1" smtClean="0"/>
+              <a:t>tiểu</a:t>
+            </a:r>
+            <a:r>
+              <a:rPr lang="en-US" dirty="0" smtClean="0"/>
+              <a:t> </a:t>
+            </a:r>
+            <a:r>
+              <a:rPr lang="en-US" dirty="0" err="1" smtClean="0"/>
+              <a:t>hóa</a:t>
+            </a:r>
+            <a:r>
+              <a:rPr lang="en-US" dirty="0" smtClean="0"/>
+              <a:t> </a:t>
+            </a:r>
+            <a:r>
+              <a:rPr lang="en-US" dirty="0" err="1" smtClean="0"/>
+              <a:t>khoảng</a:t>
+            </a:r>
+            <a:r>
+              <a:rPr lang="en-US" dirty="0" smtClean="0"/>
+              <a:t> </a:t>
+            </a:r>
+            <a:r>
+              <a:rPr lang="en-US" dirty="0" err="1" smtClean="0"/>
+              <a:t>cách</a:t>
+            </a:r>
+            <a:r>
+              <a:rPr lang="en-US" dirty="0" smtClean="0"/>
+              <a:t>:</a:t>
+            </a:r>
+          </a:p>
+          <a:p>
+            <a:endParaRPr lang="en-US" dirty="0"/>
+          </a:p>
+        </p:txBody>
+      </p:sp>
+      <p:pic>
+        <p:nvPicPr>
+          <p:cNvPr id="10" name="Picture 9" descr="http://www.pages.drexel.edu/~sis26/Eigenface%20Tutorial_files/image020.gif"/>
+          <p:cNvPicPr/>
+          <p:nvPr/>
+        </p:nvPicPr>
+        <p:blipFill>
+          <a:blip r:embed="rId2"/>
+          <a:srcRect/>
+          <a:stretch>
+            <a:fillRect/>
+          </a:stretch>
+        </p:blipFill>
+        <p:spPr bwMode="auto">
+          <a:xfrm>
+            <a:off x="3500430" y="2857496"/>
+            <a:ext cx="1795471" cy="571504"/>
+          </a:xfrm>
+          <a:prstGeom prst="rect">
+            <a:avLst/>
+          </a:prstGeom>
+          <a:noFill/>
+          <a:ln w="9525">
+            <a:noFill/>
+            <a:miter lim="800000"/>
+            <a:headEnd/>
+            <a:tailEnd/>
+          </a:ln>
+        </p:spPr>
+      </p:pic>
+      <p:pic>
+        <p:nvPicPr>
+          <p:cNvPr id="11" name="Picture 10" descr="http://www.pages.drexel.edu/~sis26/Eigenface%20Tutorial_files/image024.gif"/>
+          <p:cNvPicPr/>
+          <p:nvPr/>
+        </p:nvPicPr>
+        <p:blipFill>
+          <a:blip r:embed="rId3"/>
+          <a:srcRect/>
+          <a:stretch>
+            <a:fillRect/>
+          </a:stretch>
+        </p:blipFill>
+        <p:spPr bwMode="auto">
+          <a:xfrm>
+            <a:off x="3643306" y="5857892"/>
+            <a:ext cx="1857388" cy="642942"/>
+          </a:xfrm>
+          <a:prstGeom prst="rect">
+            <a:avLst/>
+          </a:prstGeom>
+          <a:noFill/>
+          <a:ln w="9525">
+            <a:noFill/>
+            <a:miter lim="800000"/>
+            <a:headEnd/>
+            <a:tailEnd/>
+          </a:ln>
+        </p:spPr>
+      </p:pic>
+    </p:spTree>
+  </p:cSld>
+  <p:clrMapOvr>
+    <a:masterClrMapping/>
+  </p:clrMapOvr>
+  <p:timing>
+    <p:tnLst>
+      <p:par>
+        <p:cTn id="1" dur="indefinite" restart="never" nodeType="tmRoot"/>
+      </p:par>
+    </p:tnLst>
+  </p:timing>
+</p:sld>
+</file>
+
+<file path=ppt/slides/slide27.xml><?xml version="1.0" encoding="utf-8"?>
+<p:sld xmlns:a="http://schemas.openxmlformats.org/drawingml/2006/main" xmlns:r="http://schemas.openxmlformats.org/officeDocument/2006/relationships" xmlns:p="http://schemas.openxmlformats.org/presentationml/2006/main">
+  <p:cSld>
+    <p:spTree>
+      <p:nvGrpSpPr>
+        <p:cNvPr id="1" name=""/>
+        <p:cNvGrpSpPr/>
+        <p:nvPr/>
+      </p:nvGrpSpPr>
+      <p:grpSpPr>
+        <a:xfrm>
+          <a:off x="0" y="0"/>
+          <a:ext cx="0" cy="0"/>
+          <a:chOff x="0" y="0"/>
+          <a:chExt cx="0" cy="0"/>
+        </a:xfrm>
+      </p:grpSpPr>
+      <p:sp>
+        <p:nvSpPr>
+          <p:cNvPr id="2" name="Title 1"/>
+          <p:cNvSpPr>
+            <a:spLocks noGrp="1"/>
+          </p:cNvSpPr>
+          <p:nvPr>
+            <p:ph type="title"/>
+          </p:nvPr>
+        </p:nvSpPr>
+        <p:spPr>
+          <a:xfrm>
+            <a:off x="357158" y="285728"/>
+            <a:ext cx="8229600" cy="1143000"/>
+          </a:xfrm>
+        </p:spPr>
+        <p:txBody>
+          <a:bodyPr>
+            <a:normAutofit/>
+          </a:bodyPr>
+          <a:lstStyle/>
+          <a:p>
+            <a:pPr lvl="0"/>
+            <a:r>
+              <a:rPr lang="en-US" sz="4400" dirty="0" err="1" smtClean="0"/>
+              <a:t>Nhận</a:t>
             </a:r>
             <a:r>
               <a:rPr lang="en-US" sz="4400" dirty="0" smtClean="0"/>
@@ -14882,23 +13513,7 @@
             </a:r>
             <a:r>
               <a:rPr lang="en-US" sz="4400" dirty="0" err="1" smtClean="0"/>
-              <a:t>các</a:t>
-            </a:r>
-            <a:r>
-              <a:rPr lang="en-US" sz="4400" dirty="0" smtClean="0"/>
-              <a:t> </a:t>
-            </a:r>
-            <a:r>
-              <a:rPr lang="en-US" sz="4400" dirty="0" err="1" smtClean="0"/>
-              <a:t>trọng</a:t>
-            </a:r>
-            <a:r>
-              <a:rPr lang="en-US" sz="4400" dirty="0" smtClean="0"/>
-              <a:t> </a:t>
-            </a:r>
-            <a:r>
-              <a:rPr lang="en-US" sz="4400" dirty="0" err="1" smtClean="0"/>
-              <a:t>số</a:t>
+              <a:t>diện</a:t>
             </a:r>
             <a:endParaRPr lang="en-US" dirty="0"/>
           </a:p>
@@ -14971,7 +13586,717 @@
 </p:sld>
 </file>
 
-<file path=ppt/slides/slide27.xml><?xml version="1.0" encoding="utf-8"?>
+<file path=ppt/slides/slide28.xml><?xml version="1.0" encoding="utf-8"?>
+<p:sld xmlns:a="http://schemas.openxmlformats.org/drawingml/2006/main" xmlns:r="http://schemas.openxmlformats.org/officeDocument/2006/relationships" xmlns:p="http://schemas.openxmlformats.org/presentationml/2006/main">
+  <p:cSld>
+    <p:spTree>
+      <p:nvGrpSpPr>
+        <p:cNvPr id="1" name=""/>
+        <p:cNvGrpSpPr/>
+        <p:nvPr/>
+      </p:nvGrpSpPr>
+      <p:grpSpPr>
+        <a:xfrm>
+          <a:off x="0" y="0"/>
+          <a:ext cx="0" cy="0"/>
+          <a:chOff x="0" y="0"/>
+          <a:chExt cx="0" cy="0"/>
+        </a:xfrm>
+      </p:grpSpPr>
+      <p:sp>
+        <p:nvSpPr>
+          <p:cNvPr id="2" name="Title 1"/>
+          <p:cNvSpPr>
+            <a:spLocks noGrp="1"/>
+          </p:cNvSpPr>
+          <p:nvPr>
+            <p:ph type="title"/>
+          </p:nvPr>
+        </p:nvSpPr>
+        <p:spPr>
+          <a:xfrm>
+            <a:off x="357158" y="285728"/>
+            <a:ext cx="8229600" cy="1143000"/>
+          </a:xfrm>
+        </p:spPr>
+        <p:txBody>
+          <a:bodyPr>
+            <a:normAutofit/>
+          </a:bodyPr>
+          <a:lstStyle/>
+          <a:p>
+            <a:pPr lvl="0"/>
+            <a:r>
+              <a:rPr lang="en-US" sz="4400" dirty="0" err="1" smtClean="0"/>
+              <a:t>Nhận</a:t>
+            </a:r>
+            <a:r>
+              <a:rPr lang="en-US" sz="4400" dirty="0" smtClean="0"/>
+              <a:t> </a:t>
+            </a:r>
+            <a:r>
+              <a:rPr lang="en-US" sz="4400" dirty="0" err="1" smtClean="0"/>
+              <a:t>diện</a:t>
+            </a:r>
+            <a:endParaRPr lang="en-US" dirty="0"/>
+          </a:p>
+        </p:txBody>
+      </p:sp>
+      <p:sp>
+        <p:nvSpPr>
+          <p:cNvPr id="6" name="Content Placeholder 5"/>
+          <p:cNvSpPr>
+            <a:spLocks noGrp="1"/>
+          </p:cNvSpPr>
+          <p:nvPr>
+            <p:ph idx="1"/>
+          </p:nvPr>
+        </p:nvSpPr>
+        <p:spPr/>
+        <p:txBody>
+          <a:bodyPr/>
+          <a:lstStyle/>
+          <a:p>
+            <a:pPr lvl="0"/>
+            <a:r>
+              <a:rPr lang="en-US" dirty="0" err="1" smtClean="0"/>
+              <a:t>Gần</a:t>
+            </a:r>
+            <a:r>
+              <a:rPr lang="en-US" dirty="0" smtClean="0"/>
+              <a:t> </a:t>
+            </a:r>
+            <a:r>
+              <a:rPr lang="en-US" dirty="0" err="1" smtClean="0"/>
+              <a:t>không</a:t>
+            </a:r>
+            <a:r>
+              <a:rPr lang="en-US" dirty="0" smtClean="0"/>
+              <a:t> </a:t>
+            </a:r>
+            <a:r>
+              <a:rPr lang="en-US" dirty="0" err="1" smtClean="0"/>
+              <a:t>gian</a:t>
+            </a:r>
+            <a:r>
+              <a:rPr lang="en-US" dirty="0" smtClean="0"/>
+              <a:t> </a:t>
+            </a:r>
+            <a:r>
+              <a:rPr lang="en-US" dirty="0" err="1" smtClean="0"/>
+              <a:t>mặt</a:t>
+            </a:r>
+            <a:r>
+              <a:rPr lang="en-US" dirty="0" smtClean="0"/>
+              <a:t> </a:t>
+            </a:r>
+            <a:r>
+              <a:rPr lang="en-US" dirty="0" err="1" smtClean="0"/>
+              <a:t>và</a:t>
+            </a:r>
+            <a:r>
+              <a:rPr lang="en-US" dirty="0" smtClean="0"/>
+              <a:t> </a:t>
+            </a:r>
+            <a:r>
+              <a:rPr lang="en-US" dirty="0" err="1" smtClean="0"/>
+              <a:t>gần</a:t>
+            </a:r>
+            <a:r>
+              <a:rPr lang="en-US" dirty="0" smtClean="0"/>
+              <a:t> </a:t>
+            </a:r>
+            <a:r>
+              <a:rPr lang="en-US" dirty="0" err="1" smtClean="0"/>
+              <a:t>một</a:t>
+            </a:r>
+            <a:r>
+              <a:rPr lang="en-US" dirty="0" smtClean="0"/>
+              <a:t> </a:t>
+            </a:r>
+            <a:r>
+              <a:rPr lang="en-US" dirty="0" err="1" smtClean="0"/>
+              <a:t>lớp</a:t>
+            </a:r>
+            <a:r>
+              <a:rPr lang="en-US" dirty="0" smtClean="0"/>
+              <a:t> </a:t>
+            </a:r>
+            <a:r>
+              <a:rPr lang="en-US" dirty="0" err="1" smtClean="0"/>
+              <a:t>khuôn</a:t>
+            </a:r>
+            <a:r>
+              <a:rPr lang="en-US" dirty="0" smtClean="0"/>
+              <a:t> </a:t>
+            </a:r>
+            <a:r>
+              <a:rPr lang="en-US" dirty="0" err="1" smtClean="0"/>
+              <a:t>mặt</a:t>
+            </a:r>
+            <a:r>
+              <a:rPr lang="en-US" dirty="0" smtClean="0"/>
+              <a:t>. </a:t>
+            </a:r>
+            <a:r>
+              <a:rPr lang="en-US" dirty="0" smtClean="0">
+                <a:sym typeface="Wingdings"/>
+              </a:rPr>
+              <a:t></a:t>
+            </a:r>
+            <a:r>
+              <a:rPr lang="en-US" dirty="0" smtClean="0"/>
+              <a:t> </a:t>
+            </a:r>
+            <a:r>
+              <a:rPr lang="en-US" dirty="0" err="1" smtClean="0"/>
+              <a:t>Một</a:t>
+            </a:r>
+            <a:r>
+              <a:rPr lang="en-US" dirty="0" smtClean="0"/>
+              <a:t> </a:t>
+            </a:r>
+            <a:r>
+              <a:rPr lang="en-US" dirty="0" err="1" smtClean="0"/>
+              <a:t>cá</a:t>
+            </a:r>
+            <a:r>
+              <a:rPr lang="en-US" dirty="0" smtClean="0"/>
+              <a:t> </a:t>
+            </a:r>
+            <a:r>
+              <a:rPr lang="en-US" dirty="0" err="1" smtClean="0"/>
+              <a:t>nhân</a:t>
+            </a:r>
+            <a:r>
+              <a:rPr lang="en-US" dirty="0" smtClean="0"/>
+              <a:t> </a:t>
+            </a:r>
+            <a:r>
+              <a:rPr lang="en-US" dirty="0" err="1" smtClean="0"/>
+              <a:t>được</a:t>
+            </a:r>
+            <a:r>
+              <a:rPr lang="en-US" dirty="0" smtClean="0"/>
+              <a:t> </a:t>
+            </a:r>
+            <a:r>
+              <a:rPr lang="en-US" dirty="0" err="1" smtClean="0"/>
+              <a:t>nhận</a:t>
+            </a:r>
+            <a:r>
+              <a:rPr lang="en-US" dirty="0" smtClean="0"/>
+              <a:t> </a:t>
+            </a:r>
+            <a:r>
+              <a:rPr lang="en-US" dirty="0" err="1" smtClean="0"/>
+              <a:t>dạng</a:t>
+            </a:r>
+            <a:r>
+              <a:rPr lang="en-US" dirty="0" smtClean="0"/>
+              <a:t> </a:t>
+            </a:r>
+            <a:r>
+              <a:rPr lang="en-US" dirty="0" err="1" smtClean="0"/>
+              <a:t>và</a:t>
+            </a:r>
+            <a:r>
+              <a:rPr lang="en-US" dirty="0" smtClean="0"/>
+              <a:t> </a:t>
+            </a:r>
+            <a:r>
+              <a:rPr lang="en-US" dirty="0" err="1" smtClean="0"/>
+              <a:t>xác</a:t>
+            </a:r>
+            <a:r>
+              <a:rPr lang="en-US" dirty="0" smtClean="0"/>
+              <a:t> </a:t>
+            </a:r>
+            <a:r>
+              <a:rPr lang="en-US" dirty="0" err="1" smtClean="0"/>
+              <a:t>định</a:t>
+            </a:r>
+            <a:r>
+              <a:rPr lang="en-US" dirty="0" smtClean="0"/>
+              <a:t>.</a:t>
+            </a:r>
+          </a:p>
+          <a:p>
+            <a:pPr lvl="0"/>
+            <a:r>
+              <a:rPr lang="en-US" dirty="0" err="1" smtClean="0"/>
+              <a:t>Gần</a:t>
+            </a:r>
+            <a:r>
+              <a:rPr lang="en-US" dirty="0" smtClean="0"/>
+              <a:t> </a:t>
+            </a:r>
+            <a:r>
+              <a:rPr lang="en-US" dirty="0" err="1" smtClean="0"/>
+              <a:t>không</a:t>
+            </a:r>
+            <a:r>
+              <a:rPr lang="en-US" dirty="0" smtClean="0"/>
+              <a:t> </a:t>
+            </a:r>
+            <a:r>
+              <a:rPr lang="en-US" dirty="0" err="1" smtClean="0"/>
+              <a:t>gian</a:t>
+            </a:r>
+            <a:r>
+              <a:rPr lang="en-US" dirty="0" smtClean="0"/>
+              <a:t> </a:t>
+            </a:r>
+            <a:r>
+              <a:rPr lang="en-US" dirty="0" err="1" smtClean="0"/>
+              <a:t>mặt</a:t>
+            </a:r>
+            <a:r>
+              <a:rPr lang="en-US" dirty="0" smtClean="0"/>
+              <a:t> </a:t>
+            </a:r>
+            <a:r>
+              <a:rPr lang="en-US" dirty="0" err="1" smtClean="0"/>
+              <a:t>nhưng</a:t>
+            </a:r>
+            <a:r>
+              <a:rPr lang="en-US" dirty="0" smtClean="0"/>
+              <a:t> </a:t>
+            </a:r>
+            <a:r>
+              <a:rPr lang="en-US" dirty="0" err="1" smtClean="0"/>
+              <a:t>không</a:t>
+            </a:r>
+            <a:r>
+              <a:rPr lang="en-US" dirty="0" smtClean="0"/>
+              <a:t> </a:t>
+            </a:r>
+            <a:r>
+              <a:rPr lang="en-US" dirty="0" err="1" smtClean="0"/>
+              <a:t>gần</a:t>
+            </a:r>
+            <a:r>
+              <a:rPr lang="en-US" dirty="0" smtClean="0"/>
+              <a:t> </a:t>
+            </a:r>
+            <a:r>
+              <a:rPr lang="en-US" dirty="0" err="1" smtClean="0"/>
+              <a:t>một</a:t>
+            </a:r>
+            <a:r>
+              <a:rPr lang="en-US" dirty="0" smtClean="0"/>
+              <a:t> </a:t>
+            </a:r>
+            <a:r>
+              <a:rPr lang="en-US" dirty="0" err="1" smtClean="0"/>
+              <a:t>lớp</a:t>
+            </a:r>
+            <a:r>
+              <a:rPr lang="en-US" dirty="0" smtClean="0"/>
+              <a:t> </a:t>
+            </a:r>
+            <a:r>
+              <a:rPr lang="en-US" dirty="0" err="1" smtClean="0"/>
+              <a:t>khuôn</a:t>
+            </a:r>
+            <a:r>
+              <a:rPr lang="en-US" dirty="0" smtClean="0"/>
+              <a:t> </a:t>
+            </a:r>
+            <a:r>
+              <a:rPr lang="en-US" dirty="0" err="1" smtClean="0"/>
+              <a:t>mặt</a:t>
+            </a:r>
+            <a:r>
+              <a:rPr lang="en-US" dirty="0" smtClean="0"/>
+              <a:t>. </a:t>
+            </a:r>
+            <a:r>
+              <a:rPr lang="en-US" dirty="0" smtClean="0">
+                <a:sym typeface="Wingdings"/>
+              </a:rPr>
+              <a:t></a:t>
+            </a:r>
+            <a:r>
+              <a:rPr lang="en-US" dirty="0" smtClean="0"/>
+              <a:t> </a:t>
+            </a:r>
+            <a:r>
+              <a:rPr lang="en-US" dirty="0" err="1" smtClean="0"/>
+              <a:t>Phát</a:t>
+            </a:r>
+            <a:r>
+              <a:rPr lang="en-US" dirty="0" smtClean="0"/>
+              <a:t> </a:t>
+            </a:r>
+            <a:r>
+              <a:rPr lang="en-US" dirty="0" err="1" smtClean="0"/>
+              <a:t>hiện</a:t>
+            </a:r>
+            <a:r>
+              <a:rPr lang="en-US" dirty="0" smtClean="0"/>
+              <a:t> </a:t>
+            </a:r>
+            <a:r>
+              <a:rPr lang="en-US" dirty="0" err="1" smtClean="0"/>
+              <a:t>một</a:t>
+            </a:r>
+            <a:r>
+              <a:rPr lang="en-US" dirty="0" smtClean="0"/>
+              <a:t> </a:t>
+            </a:r>
+            <a:r>
+              <a:rPr lang="en-US" dirty="0" err="1" smtClean="0"/>
+              <a:t>cá</a:t>
+            </a:r>
+            <a:r>
+              <a:rPr lang="en-US" dirty="0" smtClean="0"/>
+              <a:t> </a:t>
+            </a:r>
+            <a:r>
+              <a:rPr lang="en-US" dirty="0" err="1" smtClean="0"/>
+              <a:t>nhân</a:t>
+            </a:r>
+            <a:r>
+              <a:rPr lang="en-US" dirty="0" smtClean="0"/>
+              <a:t> </a:t>
+            </a:r>
+            <a:r>
+              <a:rPr lang="en-US" dirty="0" err="1" smtClean="0"/>
+              <a:t>lạ</a:t>
+            </a:r>
+            <a:r>
+              <a:rPr lang="en-US" dirty="0" smtClean="0"/>
+              <a:t>.</a:t>
+            </a:r>
+          </a:p>
+          <a:p>
+            <a:pPr lvl="0"/>
+            <a:r>
+              <a:rPr lang="en-US" dirty="0" err="1" smtClean="0"/>
+              <a:t>Xa</a:t>
+            </a:r>
+            <a:r>
+              <a:rPr lang="en-US" dirty="0" smtClean="0"/>
+              <a:t> </a:t>
+            </a:r>
+            <a:r>
+              <a:rPr lang="en-US" dirty="0" err="1" smtClean="0"/>
+              <a:t>không</a:t>
+            </a:r>
+            <a:r>
+              <a:rPr lang="en-US" dirty="0" smtClean="0"/>
+              <a:t> </a:t>
+            </a:r>
+            <a:r>
+              <a:rPr lang="en-US" dirty="0" err="1" smtClean="0"/>
+              <a:t>gian</a:t>
+            </a:r>
+            <a:r>
+              <a:rPr lang="en-US" dirty="0" smtClean="0"/>
+              <a:t> </a:t>
+            </a:r>
+            <a:r>
+              <a:rPr lang="en-US" dirty="0" err="1" smtClean="0"/>
+              <a:t>mặt</a:t>
+            </a:r>
+            <a:r>
+              <a:rPr lang="en-US" dirty="0" smtClean="0"/>
+              <a:t> </a:t>
+            </a:r>
+            <a:r>
+              <a:rPr lang="en-US" dirty="0" err="1" smtClean="0"/>
+              <a:t>và</a:t>
+            </a:r>
+            <a:r>
+              <a:rPr lang="en-US" dirty="0" smtClean="0"/>
+              <a:t> </a:t>
+            </a:r>
+            <a:r>
+              <a:rPr lang="en-US" dirty="0" err="1" smtClean="0"/>
+              <a:t>gần</a:t>
+            </a:r>
+            <a:r>
+              <a:rPr lang="en-US" dirty="0" smtClean="0"/>
+              <a:t> </a:t>
+            </a:r>
+            <a:r>
+              <a:rPr lang="en-US" dirty="0" err="1" smtClean="0"/>
+              <a:t>một</a:t>
+            </a:r>
+            <a:r>
+              <a:rPr lang="en-US" dirty="0" smtClean="0"/>
+              <a:t> </a:t>
+            </a:r>
+            <a:r>
+              <a:rPr lang="en-US" dirty="0" err="1" smtClean="0"/>
+              <a:t>lớp</a:t>
+            </a:r>
+            <a:r>
+              <a:rPr lang="en-US" dirty="0" smtClean="0"/>
+              <a:t> </a:t>
+            </a:r>
+            <a:r>
+              <a:rPr lang="en-US" dirty="0" err="1" smtClean="0"/>
+              <a:t>mặt</a:t>
+            </a:r>
+            <a:r>
+              <a:rPr lang="en-US" dirty="0" smtClean="0"/>
+              <a:t>. </a:t>
+            </a:r>
+            <a:r>
+              <a:rPr lang="en-US" dirty="0" smtClean="0">
+                <a:sym typeface="Wingdings"/>
+              </a:rPr>
+              <a:t></a:t>
+            </a:r>
+            <a:r>
+              <a:rPr lang="en-US" dirty="0" smtClean="0"/>
+              <a:t> </a:t>
+            </a:r>
+            <a:r>
+              <a:rPr lang="en-US" dirty="0" err="1" smtClean="0"/>
+              <a:t>Ảnh</a:t>
+            </a:r>
+            <a:r>
+              <a:rPr lang="en-US" dirty="0" smtClean="0"/>
+              <a:t> </a:t>
+            </a:r>
+            <a:r>
+              <a:rPr lang="en-US" dirty="0" err="1" smtClean="0"/>
+              <a:t>đã</a:t>
+            </a:r>
+            <a:r>
+              <a:rPr lang="en-US" dirty="0" smtClean="0"/>
+              <a:t> </a:t>
+            </a:r>
+            <a:r>
+              <a:rPr lang="en-US" dirty="0" err="1" smtClean="0"/>
+              <a:t>cho</a:t>
+            </a:r>
+            <a:r>
+              <a:rPr lang="en-US" dirty="0" smtClean="0"/>
+              <a:t> </a:t>
+            </a:r>
+            <a:r>
+              <a:rPr lang="en-US" dirty="0" err="1" smtClean="0"/>
+              <a:t>không</a:t>
+            </a:r>
+            <a:r>
+              <a:rPr lang="en-US" dirty="0" smtClean="0"/>
+              <a:t> </a:t>
+            </a:r>
+            <a:r>
+              <a:rPr lang="en-US" dirty="0" err="1" smtClean="0"/>
+              <a:t>diễn</a:t>
+            </a:r>
+            <a:r>
+              <a:rPr lang="en-US" dirty="0" smtClean="0"/>
+              <a:t> </a:t>
+            </a:r>
+            <a:r>
+              <a:rPr lang="en-US" dirty="0" err="1" smtClean="0"/>
+              <a:t>tả</a:t>
+            </a:r>
+            <a:r>
+              <a:rPr lang="en-US" dirty="0" smtClean="0"/>
+              <a:t> </a:t>
+            </a:r>
+            <a:r>
+              <a:rPr lang="en-US" dirty="0" err="1" smtClean="0"/>
+              <a:t>gương</a:t>
+            </a:r>
+            <a:r>
+              <a:rPr lang="en-US" dirty="0" smtClean="0"/>
+              <a:t> </a:t>
+            </a:r>
+            <a:r>
+              <a:rPr lang="en-US" dirty="0" err="1" smtClean="0"/>
+              <a:t>mặt</a:t>
+            </a:r>
+            <a:r>
+              <a:rPr lang="en-US" dirty="0" smtClean="0"/>
+              <a:t>.</a:t>
+            </a:r>
+          </a:p>
+          <a:p>
+            <a:pPr lvl="0"/>
+            <a:r>
+              <a:rPr lang="en-US" dirty="0" err="1" smtClean="0"/>
+              <a:t>Xa</a:t>
+            </a:r>
+            <a:r>
+              <a:rPr lang="en-US" dirty="0" smtClean="0"/>
+              <a:t> </a:t>
+            </a:r>
+            <a:r>
+              <a:rPr lang="en-US" dirty="0" err="1" smtClean="0"/>
+              <a:t>không</a:t>
+            </a:r>
+            <a:r>
+              <a:rPr lang="en-US" dirty="0" smtClean="0"/>
+              <a:t> </a:t>
+            </a:r>
+            <a:r>
+              <a:rPr lang="en-US" dirty="0" err="1" smtClean="0"/>
+              <a:t>gian</a:t>
+            </a:r>
+            <a:r>
+              <a:rPr lang="en-US" dirty="0" smtClean="0"/>
+              <a:t> </a:t>
+            </a:r>
+            <a:r>
+              <a:rPr lang="en-US" dirty="0" err="1" smtClean="0"/>
+              <a:t>mặt</a:t>
+            </a:r>
+            <a:r>
+              <a:rPr lang="en-US" dirty="0" smtClean="0"/>
+              <a:t> </a:t>
+            </a:r>
+            <a:r>
+              <a:rPr lang="en-US" dirty="0" err="1" smtClean="0"/>
+              <a:t>và</a:t>
+            </a:r>
+            <a:r>
+              <a:rPr lang="en-US" dirty="0" smtClean="0"/>
+              <a:t> </a:t>
+            </a:r>
+            <a:r>
+              <a:rPr lang="en-US" dirty="0" err="1" smtClean="0"/>
+              <a:t>không</a:t>
+            </a:r>
+            <a:r>
+              <a:rPr lang="en-US" dirty="0" smtClean="0"/>
+              <a:t> </a:t>
+            </a:r>
+            <a:r>
+              <a:rPr lang="en-US" dirty="0" err="1" smtClean="0"/>
+              <a:t>gần</a:t>
+            </a:r>
+            <a:r>
+              <a:rPr lang="en-US" dirty="0" smtClean="0"/>
+              <a:t> </a:t>
+            </a:r>
+            <a:r>
+              <a:rPr lang="en-US" dirty="0" err="1" smtClean="0"/>
+              <a:t>lớp</a:t>
+            </a:r>
+            <a:r>
+              <a:rPr lang="en-US" dirty="0" smtClean="0"/>
+              <a:t> </a:t>
+            </a:r>
+            <a:r>
+              <a:rPr lang="en-US" dirty="0" err="1" smtClean="0"/>
+              <a:t>mặt</a:t>
+            </a:r>
+            <a:r>
+              <a:rPr lang="en-US" dirty="0" smtClean="0"/>
+              <a:t> </a:t>
+            </a:r>
+            <a:r>
+              <a:rPr lang="en-US" dirty="0" err="1" smtClean="0"/>
+              <a:t>nào</a:t>
+            </a:r>
+            <a:r>
+              <a:rPr lang="en-US" dirty="0" smtClean="0"/>
+              <a:t>. </a:t>
+            </a:r>
+            <a:r>
+              <a:rPr lang="en-US" dirty="0" smtClean="0">
+                <a:sym typeface="Wingdings"/>
+              </a:rPr>
+              <a:t></a:t>
+            </a:r>
+            <a:r>
+              <a:rPr lang="en-US" dirty="0" smtClean="0"/>
+              <a:t> </a:t>
+            </a:r>
+            <a:r>
+              <a:rPr lang="en-US" dirty="0" err="1" smtClean="0"/>
+              <a:t>Ảnh</a:t>
+            </a:r>
+            <a:r>
+              <a:rPr lang="en-US" dirty="0" smtClean="0"/>
+              <a:t> </a:t>
+            </a:r>
+            <a:r>
+              <a:rPr lang="en-US" dirty="0" err="1" smtClean="0"/>
+              <a:t>đã</a:t>
+            </a:r>
+            <a:r>
+              <a:rPr lang="en-US" dirty="0" smtClean="0"/>
+              <a:t> </a:t>
+            </a:r>
+            <a:r>
+              <a:rPr lang="en-US" dirty="0" err="1" smtClean="0"/>
+              <a:t>cho</a:t>
+            </a:r>
+            <a:r>
+              <a:rPr lang="en-US" dirty="0" smtClean="0"/>
+              <a:t> </a:t>
+            </a:r>
+            <a:r>
+              <a:rPr lang="en-US" dirty="0" err="1" smtClean="0"/>
+              <a:t>không</a:t>
+            </a:r>
+            <a:r>
+              <a:rPr lang="en-US" dirty="0" smtClean="0"/>
+              <a:t> </a:t>
+            </a:r>
+            <a:r>
+              <a:rPr lang="en-US" dirty="0" err="1" smtClean="0"/>
+              <a:t>diễn</a:t>
+            </a:r>
+            <a:r>
+              <a:rPr lang="en-US" dirty="0" smtClean="0"/>
+              <a:t> </a:t>
+            </a:r>
+            <a:r>
+              <a:rPr lang="en-US" dirty="0" err="1" smtClean="0"/>
+              <a:t>tả</a:t>
+            </a:r>
+            <a:r>
+              <a:rPr lang="en-US" dirty="0" smtClean="0"/>
+              <a:t> </a:t>
+            </a:r>
+            <a:r>
+              <a:rPr lang="en-US" dirty="0" err="1" smtClean="0"/>
+              <a:t>khuôn</a:t>
+            </a:r>
+            <a:r>
+              <a:rPr lang="en-US" dirty="0" smtClean="0"/>
+              <a:t> </a:t>
+            </a:r>
+            <a:r>
+              <a:rPr lang="en-US" dirty="0" err="1" smtClean="0"/>
+              <a:t>mặt</a:t>
+            </a:r>
+            <a:r>
+              <a:rPr lang="en-US" dirty="0" smtClean="0"/>
+              <a:t>.</a:t>
+            </a:r>
+          </a:p>
+          <a:p>
+            <a:endParaRPr lang="en-US" dirty="0"/>
+          </a:p>
+        </p:txBody>
+      </p:sp>
+    </p:spTree>
+  </p:cSld>
+  <p:clrMapOvr>
+    <a:masterClrMapping/>
+  </p:clrMapOvr>
+  <p:timing>
+    <p:tnLst>
+      <p:par>
+        <p:cTn id="1" dur="indefinite" restart="never" nodeType="tmRoot"/>
+      </p:par>
+    </p:tnLst>
+  </p:timing>
+</p:sld>
+</file>
+
+<file path=ppt/slides/slide29.xml><?xml version="1.0" encoding="utf-8"?>
 <p:sld xmlns:a="http://schemas.openxmlformats.org/drawingml/2006/main" xmlns:r="http://schemas.openxmlformats.org/officeDocument/2006/relationships" xmlns:p="http://schemas.openxmlformats.org/presentationml/2006/main">
   <p:cSld>
     <p:spTree>
@@ -15059,114 +14384,10 @@
         </p:nvSpPr>
         <p:spPr/>
         <p:txBody>
-          <a:bodyPr/>
+          <a:bodyPr>
+            <a:normAutofit lnSpcReduction="10000"/>
+          </a:bodyPr>
           <a:lstStyle/>
-          <a:p>
-            <a:r>
-              <a:rPr lang="en-US" dirty="0" err="1" smtClean="0"/>
-              <a:t>Xác</a:t>
-            </a:r>
-            <a:r>
-              <a:rPr lang="en-US" dirty="0" smtClean="0"/>
-              <a:t> </a:t>
-            </a:r>
-            <a:r>
-              <a:rPr lang="en-US" dirty="0" err="1" smtClean="0"/>
-              <a:t>định</a:t>
-            </a:r>
-            <a:r>
-              <a:rPr lang="en-US" dirty="0" smtClean="0"/>
-              <a:t> </a:t>
-            </a:r>
-            <a:r>
-              <a:rPr lang="en-US" dirty="0" err="1" smtClean="0"/>
-              <a:t>các</a:t>
-            </a:r>
-            <a:r>
-              <a:rPr lang="en-US" dirty="0" smtClean="0"/>
-              <a:t> </a:t>
-            </a:r>
-            <a:r>
-              <a:rPr lang="en-US" dirty="0" err="1" smtClean="0"/>
-              <a:t>trị</a:t>
-            </a:r>
-            <a:r>
-              <a:rPr lang="en-US" dirty="0" smtClean="0"/>
-              <a:t> </a:t>
-            </a:r>
-            <a:r>
-              <a:rPr lang="en-US" dirty="0" err="1" smtClean="0"/>
-              <a:t>riêng</a:t>
-            </a:r>
-            <a:r>
-              <a:rPr lang="en-US" dirty="0" smtClean="0"/>
-              <a:t> </a:t>
-            </a:r>
-            <a:r>
-              <a:rPr lang="en-US" dirty="0" err="1" smtClean="0"/>
-              <a:t>và</a:t>
-            </a:r>
-            <a:r>
-              <a:rPr lang="en-US" dirty="0" smtClean="0"/>
-              <a:t> </a:t>
-            </a:r>
-            <a:r>
-              <a:rPr lang="en-US" dirty="0" err="1" smtClean="0"/>
-              <a:t>vectơ</a:t>
-            </a:r>
-            <a:r>
-              <a:rPr lang="en-US" dirty="0" smtClean="0"/>
-              <a:t> </a:t>
-            </a:r>
-            <a:r>
-              <a:rPr lang="en-US" dirty="0" err="1" smtClean="0"/>
-              <a:t>riêng</a:t>
-            </a:r>
-            <a:r>
-              <a:rPr lang="en-US" dirty="0" smtClean="0"/>
-              <a:t> </a:t>
-            </a:r>
-            <a:r>
-              <a:rPr lang="en-US" dirty="0" err="1" smtClean="0"/>
-              <a:t>tổ</a:t>
-            </a:r>
-            <a:r>
-              <a:rPr lang="en-US" dirty="0" smtClean="0"/>
-              <a:t> </a:t>
-            </a:r>
-            <a:r>
-              <a:rPr lang="en-US" dirty="0" err="1" smtClean="0"/>
-              <a:t>hợp</a:t>
-            </a:r>
-            <a:r>
-              <a:rPr lang="en-US" dirty="0" smtClean="0"/>
-              <a:t> </a:t>
-            </a:r>
-            <a:r>
-              <a:rPr lang="en-US" dirty="0" err="1" smtClean="0"/>
-              <a:t>nên</a:t>
-            </a:r>
-            <a:r>
-              <a:rPr lang="en-US" dirty="0" smtClean="0"/>
-              <a:t> </a:t>
-            </a:r>
-            <a:r>
-              <a:rPr lang="en-US" dirty="0" err="1" smtClean="0"/>
-              <a:t>khuôn</a:t>
-            </a:r>
-            <a:r>
-              <a:rPr lang="en-US" dirty="0" smtClean="0"/>
-              <a:t> </a:t>
-            </a:r>
-            <a:r>
-              <a:rPr lang="en-US" dirty="0" err="1" smtClean="0"/>
-              <a:t>mặt</a:t>
-            </a:r>
-            <a:r>
-              <a:rPr lang="en-US" dirty="0" smtClean="0"/>
-              <a:t>.</a:t>
-            </a:r>
-          </a:p>
           <a:p>
             <a:r>
               <a:rPr lang="en-US" dirty="0" err="1" smtClean="0"/>
@@ -15756,13 +14977,144 @@
               <a:t> </a:t>
             </a:r>
             <a:r>
-              <a:rPr lang="en-US" err="1" smtClean="0"/>
+              <a:rPr lang="en-US" dirty="0" err="1" smtClean="0"/>
               <a:t>quan</a:t>
             </a:r>
             <a:r>
-              <a:rPr lang="en-US" smtClean="0"/>
-              <a:t> trọng</a:t>
-            </a:r>
+              <a:rPr lang="en-US" dirty="0" smtClean="0"/>
+              <a:t> </a:t>
+            </a:r>
+            <a:r>
+              <a:rPr lang="en-US" dirty="0" err="1" smtClean="0"/>
+              <a:t>trọng</a:t>
+            </a:r>
+            <a:r>
+              <a:rPr lang="en-US" dirty="0" smtClean="0"/>
+              <a:t>.</a:t>
+            </a:r>
+            <a:endParaRPr lang="en-US" dirty="0" smtClean="0"/>
+          </a:p>
+          <a:p>
+            <a:pPr lvl="1">
+              <a:buNone/>
+            </a:pPr>
+            <a:endParaRPr lang="en-US" dirty="0" smtClean="0"/>
+          </a:p>
+          <a:p>
+            <a:pPr marL="274320" lvl="1" indent="-274320">
+              <a:buClr>
+                <a:schemeClr val="accent3"/>
+              </a:buClr>
+              <a:buSzPct val="95000"/>
+            </a:pPr>
+            <a:r>
+              <a:rPr lang="en-US" dirty="0" err="1" smtClean="0"/>
+              <a:t>Xác</a:t>
+            </a:r>
+            <a:r>
+              <a:rPr lang="en-US" dirty="0" smtClean="0"/>
+              <a:t> </a:t>
+            </a:r>
+            <a:r>
+              <a:rPr lang="en-US" dirty="0" err="1" smtClean="0"/>
+              <a:t>định</a:t>
+            </a:r>
+            <a:r>
+              <a:rPr lang="en-US" dirty="0" smtClean="0"/>
+              <a:t> </a:t>
+            </a:r>
+            <a:r>
+              <a:rPr lang="en-US" dirty="0" err="1" smtClean="0"/>
+              <a:t>các</a:t>
+            </a:r>
+            <a:r>
+              <a:rPr lang="en-US" dirty="0" smtClean="0"/>
+              <a:t> </a:t>
+            </a:r>
+            <a:r>
+              <a:rPr lang="en-US" dirty="0" err="1" smtClean="0"/>
+              <a:t>trị</a:t>
+            </a:r>
+            <a:r>
+              <a:rPr lang="en-US" dirty="0" smtClean="0"/>
+              <a:t> </a:t>
+            </a:r>
+            <a:r>
+              <a:rPr lang="en-US" dirty="0" err="1" smtClean="0"/>
+              <a:t>riêng</a:t>
+            </a:r>
+            <a:r>
+              <a:rPr lang="en-US" dirty="0" smtClean="0"/>
+              <a:t> </a:t>
+            </a:r>
+            <a:r>
+              <a:rPr lang="en-US" dirty="0" err="1" smtClean="0"/>
+              <a:t>và</a:t>
+            </a:r>
+            <a:r>
+              <a:rPr lang="en-US" dirty="0" smtClean="0"/>
+              <a:t> </a:t>
+            </a:r>
+            <a:r>
+              <a:rPr lang="en-US" dirty="0" err="1" smtClean="0"/>
+              <a:t>vectơ</a:t>
+            </a:r>
+            <a:r>
+              <a:rPr lang="en-US" dirty="0" smtClean="0"/>
+              <a:t> </a:t>
+            </a:r>
+            <a:r>
+              <a:rPr lang="en-US" dirty="0" err="1" smtClean="0"/>
+              <a:t>riêng</a:t>
+            </a:r>
+            <a:r>
+              <a:rPr lang="en-US" dirty="0" smtClean="0"/>
+              <a:t> </a:t>
+            </a:r>
+            <a:r>
+              <a:rPr lang="en-US" dirty="0" err="1" smtClean="0"/>
+              <a:t>tổ</a:t>
+            </a:r>
+            <a:r>
+              <a:rPr lang="en-US" dirty="0" smtClean="0"/>
+              <a:t> </a:t>
+            </a:r>
+            <a:r>
+              <a:rPr lang="en-US" dirty="0" err="1" smtClean="0"/>
+              <a:t>hợp</a:t>
+            </a:r>
+            <a:r>
+              <a:rPr lang="en-US" dirty="0" smtClean="0"/>
+              <a:t> </a:t>
+            </a:r>
+            <a:r>
+              <a:rPr lang="en-US" dirty="0" err="1" smtClean="0"/>
+              <a:t>nên</a:t>
+            </a:r>
+            <a:r>
+              <a:rPr lang="en-US" dirty="0" smtClean="0"/>
+              <a:t> </a:t>
+            </a:r>
+            <a:r>
+              <a:rPr lang="en-US" dirty="0" err="1" smtClean="0"/>
+              <a:t>khuôn</a:t>
+            </a:r>
+            <a:r>
+              <a:rPr lang="en-US" dirty="0" smtClean="0"/>
+              <a:t> </a:t>
+            </a:r>
+            <a:r>
+              <a:rPr lang="en-US" dirty="0" err="1" smtClean="0"/>
+              <a:t>mặt</a:t>
+            </a:r>
+            <a:r>
+              <a:rPr lang="en-US" dirty="0" smtClean="0"/>
+              <a:t>.</a:t>
+            </a:r>
+            <a:endParaRPr lang="en-US" dirty="0" smtClean="0"/>
+          </a:p>
+          <a:p>
+            <a:endParaRPr lang="en-US" dirty="0" smtClean="0"/>
           </a:p>
         </p:txBody>
       </p:sp>
@@ -15771,6 +15123,13 @@
   <p:clrMapOvr>
     <a:masterClrMapping/>
   </p:clrMapOvr>
+  <p:timing>
+    <p:tnLst>
+      <p:par>
+        <p:cTn id="1" dur="indefinite" restart="never" nodeType="tmRoot"/>
+      </p:par>
+    </p:tnLst>
+  </p:timing>
 </p:sld>
 </file>
 
@@ -16496,11 +15855,7 @@
             </a:pPr>
             <a:r>
               <a:rPr lang="vi-VN" smtClean="0"/>
-              <a:t>Các đặc trưng sinh trắc khuôn mặt là những đặc điểm riêng trên khuôn mặt mỗi người gần như không thay đổi theo thời gian (trừ một số sự cố, tai nạn, phẫu thuật chỉnh hình...), các đặc điểm này phân biệt giữa người này và người kia, rất khó có thể xảy ra trùng lặp</a:t>
-            </a:r>
-            <a:r>
-              <a:rPr lang="vi-VN" smtClean="0"/>
-              <a:t>. </a:t>
+              <a:t>Các đặc trưng sinh trắc khuôn mặt là những đặc điểm riêng trên khuôn mặt mỗi người gần như không thay đổi theo thời gian (trừ một số sự cố, tai nạn, phẫu thuật chỉnh hình...), các đặc điểm này phân biệt giữa người này và người kia, rất khó có thể xảy ra trùng lặp. </a:t>
             </a:r>
             <a:endParaRPr lang="en-US" smtClean="0"/>
           </a:p>
@@ -16872,31 +16227,7 @@
             </a:pPr>
             <a:r>
               <a:rPr lang="en-US" smtClean="0"/>
-              <a:t>Phân </a:t>
-            </a:r>
-            <a:r>
-              <a:rPr lang="en-US" smtClean="0"/>
-              <a:t>vùng rõ ràng giữa các vùng có xuất hiện da và vùng không xuất </a:t>
-            </a:r>
-            <a:r>
-              <a:rPr lang="en-US" smtClean="0"/>
-              <a:t>hiện </a:t>
-            </a:r>
-            <a:r>
-              <a:rPr lang="en-US" smtClean="0"/>
-              <a:t>da. Từ đó, </a:t>
-            </a:r>
-            <a:r>
-              <a:rPr lang="en-US" smtClean="0"/>
-              <a:t>phát hiện xem trong một bức ảnh có chứa (nội dung) khuôn mặt người hay không, từ đó xác định xem đâu là khuôn mặt, vị trí khuôn </a:t>
-            </a:r>
-            <a:r>
-              <a:rPr lang="en-US" smtClean="0"/>
-              <a:t>mặt</a:t>
-            </a:r>
-            <a:r>
-              <a:rPr lang="en-US" smtClean="0"/>
-              <a:t>...</a:t>
+              <a:t>Phân vùng rõ ràng giữa các vùng có xuất hiện da và vùng không xuất hiện da. Từ đó, phát hiện xem trong một bức ảnh có chứa (nội dung) khuôn mặt người hay không, từ đó xác định xem đâu là khuôn mặt, vị trí khuôn mặt...</a:t>
             </a:r>
           </a:p>
           <a:p>
@@ -16920,15 +16251,7 @@
             </a:pPr>
             <a:r>
               <a:rPr lang="en-US" smtClean="0"/>
-              <a:t>Phân cụm theo màu </a:t>
-            </a:r>
-            <a:r>
-              <a:rPr lang="en-US" smtClean="0"/>
-              <a:t>da </a:t>
-            </a:r>
-            <a:r>
-              <a:rPr lang="en-US" smtClean="0"/>
-              <a:t>người của Kovac</a:t>
+              <a:t>Phân cụm theo màu da người của Kovac</a:t>
             </a:r>
           </a:p>
           <a:p>
@@ -16940,23 +16263,7 @@
             </a:pPr>
             <a:r>
               <a:rPr lang="en-US" smtClean="0"/>
-              <a:t>P</a:t>
-            </a:r>
-            <a:r>
-              <a:rPr lang="en-US" smtClean="0"/>
-              <a:t>hương </a:t>
-            </a:r>
-            <a:r>
-              <a:rPr lang="en-US" smtClean="0"/>
-              <a:t>thức phát hiện vùng màu da dựa trên xác suất </a:t>
-            </a:r>
-            <a:r>
-              <a:rPr lang="en-US" smtClean="0"/>
-              <a:t>của </a:t>
-            </a:r>
-            <a:r>
-              <a:rPr lang="en-US" smtClean="0"/>
-              <a:t>Kakumanu</a:t>
+              <a:t>Phương thức phát hiện vùng màu da dựa trên xác suất của Kakumanu</a:t>
             </a:r>
           </a:p>
           <a:p>
@@ -16968,15 +16275,7 @@
             </a:pPr>
             <a:r>
               <a:rPr lang="en-US" smtClean="0"/>
-              <a:t>Dai và Nakano sử dụng phân bố của thành phần màu I trong không gian màu YIQ để phát hiện các pixels trong ảnh có chứa phần màu da người (màu da </a:t>
-            </a:r>
-            <a:r>
-              <a:rPr lang="en-US" smtClean="0"/>
-              <a:t>vàng</a:t>
-            </a:r>
-            <a:r>
-              <a:rPr lang="en-US" smtClean="0"/>
-              <a:t>)</a:t>
+              <a:t>Dai và Nakano sử dụng phân bố của thành phần màu I trong không gian màu YIQ để phát hiện các pixels trong ảnh có chứa phần màu da người (màu da vàng)</a:t>
             </a:r>
           </a:p>
           <a:p>
